--- a/My Journey from JS to Go.pptx
+++ b/My Journey from JS to Go.pptx
@@ -4934,7 +4934,7 @@
         </p:nvGrpSpPr>
         <p:grpSpPr>
           <a:xfrm>
-            <a:off x="1269999" y="5796649"/>
+            <a:off x="1269999" y="5796650"/>
             <a:ext cx="9237159" cy="889001"/>
             <a:chOff x="0" y="0"/>
             <a:chExt cx="9237156" cy="889000"/>
@@ -5355,9 +5355,9 @@
       </p:par>
     </p:tnLst>
     <p:bldLst>
-      <p:bldP build="whole" bldLvl="1" animBg="1" rev="0" advAuto="0" spid="176" grpId="3"/>
       <p:bldP build="whole" bldLvl="1" animBg="1" rev="0" advAuto="0" spid="169" grpId="1"/>
       <p:bldP build="whole" bldLvl="1" animBg="1" rev="0" advAuto="0" spid="172" grpId="2"/>
+      <p:bldP build="whole" bldLvl="1" animBg="1" rev="0" advAuto="0" spid="176" grpId="3"/>
     </p:bldLst>
   </p:timing>
 </p:sld>
@@ -5389,7 +5389,7 @@
       </p:grpSpPr>
       <p:sp>
         <p:nvSpPr>
-          <p:cNvPr id="295" name="Don’ts"/>
+          <p:cNvPr id="298" name="Don’ts"/>
           <p:cNvSpPr txBox="1"/>
           <p:nvPr>
             <p:ph type="title"/>
@@ -5421,7 +5421,7 @@
       </p:sp>
       <p:grpSp>
         <p:nvGrpSpPr>
-          <p:cNvPr id="298" name="Group"/>
+          <p:cNvPr id="301" name="Group"/>
           <p:cNvGrpSpPr/>
           <p:nvPr/>
         </p:nvGrpSpPr>
@@ -5429,123 +5429,6 @@
           <a:xfrm>
             <a:off x="1270000" y="4098698"/>
             <a:ext cx="2260045" cy="1494835"/>
-            <a:chOff x="0" y="219666"/>
-            <a:chExt cx="2260044" cy="1494833"/>
-          </a:xfrm>
-        </p:grpSpPr>
-        <p:sp>
-          <p:nvSpPr>
-            <p:cNvPr id="296" name="Square"/>
-            <p:cNvSpPr/>
-            <p:nvPr/>
-          </p:nvSpPr>
-          <p:spPr>
-            <a:xfrm>
-              <a:off x="0" y="219666"/>
-              <a:ext cx="449667" cy="449668"/>
-            </a:xfrm>
-            <a:prstGeom prst="rect">
-              <a:avLst/>
-            </a:prstGeom>
-            <a:solidFill>
-              <a:srgbClr val="00C853"/>
-            </a:solidFill>
-            <a:ln w="12700" cap="flat">
-              <a:noFill/>
-              <a:miter lim="400000"/>
-            </a:ln>
-            <a:effectLst/>
-          </p:spPr>
-          <p:txBody>
-            <a:bodyPr wrap="square" lIns="50800" tIns="50800" rIns="50800" bIns="50800" numCol="1" anchor="ctr">
-              <a:noAutofit/>
-            </a:bodyPr>
-            <a:lstStyle/>
-            <a:p>
-              <a:pPr algn="ctr">
-                <a:lnSpc>
-                  <a:spcPct val="80000"/>
-                </a:lnSpc>
-                <a:spcBef>
-                  <a:spcPts val="0"/>
-                </a:spcBef>
-                <a:defRPr cap="all" sz="4000">
-                  <a:solidFill>
-                    <a:srgbClr val="FFFFFF"/>
-                  </a:solidFill>
-                  <a:latin typeface="+mn-lt"/>
-                  <a:ea typeface="+mn-ea"/>
-                  <a:cs typeface="+mn-cs"/>
-                  <a:sym typeface="DIN Condensed Bold"/>
-                </a:defRPr>
-              </a:pPr>
-            </a:p>
-          </p:txBody>
-        </p:sp>
-        <p:sp>
-          <p:nvSpPr>
-            <p:cNvPr id="297" name="Don’t focus on frameworks"/>
-            <p:cNvSpPr/>
-            <p:nvPr/>
-          </p:nvSpPr>
-          <p:spPr>
-            <a:xfrm>
-              <a:off x="990044" y="444499"/>
-              <a:ext cx="1270001" cy="1270001"/>
-            </a:xfrm>
-            <a:prstGeom prst="line">
-              <a:avLst/>
-            </a:prstGeom>
-            <a:noFill/>
-            <a:ln w="12700" cap="flat">
-              <a:noFill/>
-              <a:miter lim="400000"/>
-            </a:ln>
-            <a:effectLst/>
-            <a:extLst>
-              <a:ext uri="{C572A759-6A51-4108-AA02-DFA0A04FC94B}">
-                <ma14:wrappingTextBoxFlag xmlns:ma14="http://schemas.microsoft.com/office/mac/drawingml/2011/main" val="1"/>
-              </a:ext>
-            </a:extLst>
-          </p:spPr>
-          <p:txBody>
-            <a:bodyPr wrap="none" lIns="50800" tIns="50800" rIns="50800" bIns="50800" numCol="1" anchor="ctr">
-              <a:spAutoFit/>
-            </a:bodyPr>
-            <a:lstStyle/>
-            <a:p>
-              <a:pPr>
-                <a:defRPr spc="-200" sz="4000">
-                  <a:solidFill>
-                    <a:srgbClr val="FFFFFF"/>
-                  </a:solidFill>
-                  <a:latin typeface="Meslo LG L DZ Regular for Powerline"/>
-                  <a:ea typeface="Meslo LG L DZ Regular for Powerline"/>
-                  <a:cs typeface="Meslo LG L DZ Regular for Powerline"/>
-                  <a:sym typeface="Meslo LG L DZ Regular for Powerline"/>
-                </a:defRPr>
-              </a:pPr>
-              <a:r>
-                <a:t>Don’t focus on </a:t>
-              </a:r>
-              <a:r>
-                <a:rPr b="1"/>
-                <a:t>frameworks</a:t>
-              </a:r>
-            </a:p>
-          </p:txBody>
-        </p:sp>
-      </p:grpSp>
-      <p:grpSp>
-        <p:nvGrpSpPr>
-          <p:cNvPr id="301" name="Group"/>
-          <p:cNvGrpSpPr/>
-          <p:nvPr/>
-        </p:nvGrpSpPr>
-        <p:grpSpPr>
-          <a:xfrm>
-            <a:off x="1269999" y="5097457"/>
-            <a:ext cx="2260046" cy="1494835"/>
             <a:chOff x="0" y="219666"/>
             <a:chExt cx="2260044" cy="1494833"/>
           </a:xfrm>
@@ -5601,7 +5484,7 @@
         </p:sp>
         <p:sp>
           <p:nvSpPr>
-            <p:cNvPr id="300" name="Don’t violate liberty"/>
+            <p:cNvPr id="300" name="Don’t focus on frameworks"/>
             <p:cNvSpPr/>
             <p:nvPr/>
           </p:nvSpPr>
@@ -5643,11 +5526,11 @@
                 </a:defRPr>
               </a:pPr>
               <a:r>
-                <a:t>Don’t violate </a:t>
+                <a:t>Don’t focus on </a:t>
               </a:r>
               <a:r>
                 <a:rPr b="1"/>
-                <a:t>liberty</a:t>
+                <a:t>frameworks</a:t>
               </a:r>
             </a:p>
           </p:txBody>
@@ -5661,8 +5544,8 @@
         </p:nvGrpSpPr>
         <p:grpSpPr>
           <a:xfrm>
-            <a:off x="1270000" y="6096217"/>
-            <a:ext cx="2260045" cy="1494834"/>
+            <a:off x="1270000" y="5097457"/>
+            <a:ext cx="2260045" cy="1494835"/>
             <a:chOff x="0" y="219666"/>
             <a:chExt cx="2260044" cy="1494833"/>
           </a:xfrm>
@@ -5718,7 +5601,124 @@
         </p:sp>
         <p:sp>
           <p:nvSpPr>
-            <p:cNvPr id="303" name="Don’t use libs &amp; frameworks for everything"/>
+            <p:cNvPr id="303" name="Don’t violate liberty"/>
+            <p:cNvSpPr/>
+            <p:nvPr/>
+          </p:nvSpPr>
+          <p:spPr>
+            <a:xfrm>
+              <a:off x="990044" y="444499"/>
+              <a:ext cx="1270001" cy="1270001"/>
+            </a:xfrm>
+            <a:prstGeom prst="line">
+              <a:avLst/>
+            </a:prstGeom>
+            <a:noFill/>
+            <a:ln w="12700" cap="flat">
+              <a:noFill/>
+              <a:miter lim="400000"/>
+            </a:ln>
+            <a:effectLst/>
+            <a:extLst>
+              <a:ext uri="{C572A759-6A51-4108-AA02-DFA0A04FC94B}">
+                <ma14:wrappingTextBoxFlag xmlns:ma14="http://schemas.microsoft.com/office/mac/drawingml/2011/main" val="1"/>
+              </a:ext>
+            </a:extLst>
+          </p:spPr>
+          <p:txBody>
+            <a:bodyPr wrap="none" lIns="50800" tIns="50800" rIns="50800" bIns="50800" numCol="1" anchor="ctr">
+              <a:spAutoFit/>
+            </a:bodyPr>
+            <a:lstStyle/>
+            <a:p>
+              <a:pPr>
+                <a:defRPr spc="-200" sz="4000">
+                  <a:solidFill>
+                    <a:srgbClr val="FFFFFF"/>
+                  </a:solidFill>
+                  <a:latin typeface="Meslo LG L DZ Regular for Powerline"/>
+                  <a:ea typeface="Meslo LG L DZ Regular for Powerline"/>
+                  <a:cs typeface="Meslo LG L DZ Regular for Powerline"/>
+                  <a:sym typeface="Meslo LG L DZ Regular for Powerline"/>
+                </a:defRPr>
+              </a:pPr>
+              <a:r>
+                <a:t>Don’t violate </a:t>
+              </a:r>
+              <a:r>
+                <a:rPr b="1"/>
+                <a:t>liberty</a:t>
+              </a:r>
+            </a:p>
+          </p:txBody>
+        </p:sp>
+      </p:grpSp>
+      <p:grpSp>
+        <p:nvGrpSpPr>
+          <p:cNvPr id="307" name="Group"/>
+          <p:cNvGrpSpPr/>
+          <p:nvPr/>
+        </p:nvGrpSpPr>
+        <p:grpSpPr>
+          <a:xfrm>
+            <a:off x="1270000" y="6096217"/>
+            <a:ext cx="2260045" cy="1494834"/>
+            <a:chOff x="0" y="219666"/>
+            <a:chExt cx="2260044" cy="1494833"/>
+          </a:xfrm>
+        </p:grpSpPr>
+        <p:sp>
+          <p:nvSpPr>
+            <p:cNvPr id="305" name="Square"/>
+            <p:cNvSpPr/>
+            <p:nvPr/>
+          </p:nvSpPr>
+          <p:spPr>
+            <a:xfrm>
+              <a:off x="0" y="219666"/>
+              <a:ext cx="449667" cy="449668"/>
+            </a:xfrm>
+            <a:prstGeom prst="rect">
+              <a:avLst/>
+            </a:prstGeom>
+            <a:solidFill>
+              <a:srgbClr val="00C853"/>
+            </a:solidFill>
+            <a:ln w="12700" cap="flat">
+              <a:noFill/>
+              <a:miter lim="400000"/>
+            </a:ln>
+            <a:effectLst/>
+          </p:spPr>
+          <p:txBody>
+            <a:bodyPr wrap="square" lIns="50800" tIns="50800" rIns="50800" bIns="50800" numCol="1" anchor="ctr">
+              <a:noAutofit/>
+            </a:bodyPr>
+            <a:lstStyle/>
+            <a:p>
+              <a:pPr algn="ctr">
+                <a:lnSpc>
+                  <a:spcPct val="80000"/>
+                </a:lnSpc>
+                <a:spcBef>
+                  <a:spcPts val="0"/>
+                </a:spcBef>
+                <a:defRPr cap="all" sz="4000">
+                  <a:solidFill>
+                    <a:srgbClr val="FFFFFF"/>
+                  </a:solidFill>
+                  <a:latin typeface="+mn-lt"/>
+                  <a:ea typeface="+mn-ea"/>
+                  <a:cs typeface="+mn-cs"/>
+                  <a:sym typeface="DIN Condensed Bold"/>
+                </a:defRPr>
+              </a:pPr>
+            </a:p>
+          </p:txBody>
+        </p:sp>
+        <p:sp>
+          <p:nvSpPr>
+            <p:cNvPr id="306" name="Don’t use libs &amp; frameworks for everything"/>
             <p:cNvSpPr/>
             <p:nvPr/>
           </p:nvSpPr>
@@ -5772,7 +5772,7 @@
       </p:grpSp>
       <p:pic>
         <p:nvPicPr>
-          <p:cNvPr id="305" name="thumbs-down.png" descr="thumbs-down.png"/>
+          <p:cNvPr id="308" name="thumbs-down.png" descr="thumbs-down.png"/>
           <p:cNvPicPr>
             <a:picLocks noChangeAspect="1"/>
           </p:cNvPicPr>
@@ -5789,7 +5789,7 @@
         <p:spPr>
           <a:xfrm>
             <a:off x="21206775" y="3527282"/>
-            <a:ext cx="1592500" cy="1592501"/>
+            <a:ext cx="1592501" cy="1592501"/>
           </a:xfrm>
           <a:prstGeom prst="rect">
             <a:avLst/>
@@ -5852,7 +5852,7 @@
                                       <p:cBhvr>
                                         <p:cTn id="6" fill="hold"/>
                                         <p:tgtEl>
-                                          <p:spTgt spid="298"/>
+                                          <p:spTgt spid="301"/>
                                         </p:tgtEl>
                                         <p:attrNameLst>
                                           <p:attrName>style.visibility</p:attrName>
@@ -5866,7 +5866,7 @@
                                       <p:cBhvr>
                                         <p:cTn id="7" dur="800" fill="hold"/>
                                         <p:tgtEl>
-                                          <p:spTgt spid="298"/>
+                                          <p:spTgt spid="301"/>
                                         </p:tgtEl>
                                         <p:attrNameLst>
                                           <p:attrName>ppt_x</p:attrName>
@@ -5889,7 +5889,7 @@
                                       <p:cBhvr>
                                         <p:cTn id="8" dur="800" fill="hold"/>
                                         <p:tgtEl>
-                                          <p:spTgt spid="298"/>
+                                          <p:spTgt spid="301"/>
                                         </p:tgtEl>
                                         <p:attrNameLst>
                                           <p:attrName>ppt_y</p:attrName>
@@ -5942,7 +5942,7 @@
                                       <p:cBhvr>
                                         <p:cTn id="12" fill="hold"/>
                                         <p:tgtEl>
-                                          <p:spTgt spid="301"/>
+                                          <p:spTgt spid="304"/>
                                         </p:tgtEl>
                                         <p:attrNameLst>
                                           <p:attrName>style.visibility</p:attrName>
@@ -5956,7 +5956,7 @@
                                       <p:cBhvr>
                                         <p:cTn id="13" dur="800" fill="hold"/>
                                         <p:tgtEl>
-                                          <p:spTgt spid="301"/>
+                                          <p:spTgt spid="304"/>
                                         </p:tgtEl>
                                         <p:attrNameLst>
                                           <p:attrName>ppt_x</p:attrName>
@@ -5979,7 +5979,7 @@
                                       <p:cBhvr>
                                         <p:cTn id="14" dur="800" fill="hold"/>
                                         <p:tgtEl>
-                                          <p:spTgt spid="301"/>
+                                          <p:spTgt spid="304"/>
                                         </p:tgtEl>
                                         <p:attrNameLst>
                                           <p:attrName>ppt_y</p:attrName>
@@ -6032,7 +6032,7 @@
                                       <p:cBhvr>
                                         <p:cTn id="18" fill="hold"/>
                                         <p:tgtEl>
-                                          <p:spTgt spid="304"/>
+                                          <p:spTgt spid="307"/>
                                         </p:tgtEl>
                                         <p:attrNameLst>
                                           <p:attrName>style.visibility</p:attrName>
@@ -6046,7 +6046,7 @@
                                       <p:cBhvr>
                                         <p:cTn id="19" dur="800" fill="hold"/>
                                         <p:tgtEl>
-                                          <p:spTgt spid="304"/>
+                                          <p:spTgt spid="307"/>
                                         </p:tgtEl>
                                         <p:attrNameLst>
                                           <p:attrName>ppt_x</p:attrName>
@@ -6069,7 +6069,7 @@
                                       <p:cBhvr>
                                         <p:cTn id="20" dur="800" fill="hold"/>
                                         <p:tgtEl>
-                                          <p:spTgt spid="304"/>
+                                          <p:spTgt spid="307"/>
                                         </p:tgtEl>
                                         <p:attrNameLst>
                                           <p:attrName>ppt_y</p:attrName>
@@ -6119,9 +6119,9 @@
       </p:par>
     </p:tnLst>
     <p:bldLst>
-      <p:bldP build="whole" bldLvl="1" animBg="1" rev="0" advAuto="0" spid="301" grpId="2"/>
-      <p:bldP build="whole" bldLvl="1" animBg="1" rev="0" advAuto="0" spid="304" grpId="3"/>
-      <p:bldP build="whole" bldLvl="1" animBg="1" rev="0" advAuto="0" spid="298" grpId="1"/>
+      <p:bldP build="whole" bldLvl="1" animBg="1" rev="0" advAuto="0" spid="304" grpId="2"/>
+      <p:bldP build="whole" bldLvl="1" animBg="1" rev="0" advAuto="0" spid="307" grpId="3"/>
+      <p:bldP build="whole" bldLvl="1" animBg="1" rev="0" advAuto="0" spid="301" grpId="1"/>
     </p:bldLst>
   </p:timing>
 </p:sld>
@@ -6433,7 +6433,7 @@
         <p:grpSpPr>
           <a:xfrm>
             <a:off x="1270000" y="6016316"/>
-            <a:ext cx="2260045" cy="1494834"/>
+            <a:ext cx="2260045" cy="1494835"/>
             <a:chOff x="0" y="219666"/>
             <a:chExt cx="2260044" cy="1494833"/>
           </a:xfrm>
@@ -6890,8 +6890,8 @@
       </p:par>
     </p:tnLst>
     <p:bldLst>
+      <p:bldP build="whole" bldLvl="1" animBg="1" rev="0" advAuto="0" spid="184" grpId="2"/>
       <p:bldP build="whole" bldLvl="1" animBg="1" rev="0" advAuto="0" spid="181" grpId="1"/>
-      <p:bldP build="whole" bldLvl="1" animBg="1" rev="0" advAuto="0" spid="184" grpId="2"/>
       <p:bldP build="whole" bldLvl="1" animBg="1" rev="0" advAuto="0" spid="187" grpId="3"/>
     </p:bldLst>
   </p:timing>
@@ -7326,7 +7326,7 @@
         </p:blipFill>
         <p:spPr>
           <a:xfrm>
-            <a:off x="21151554" y="3697265"/>
+            <a:off x="21151555" y="3697265"/>
             <a:ext cx="1252534" cy="1252534"/>
           </a:xfrm>
           <a:prstGeom prst="rect">
@@ -7657,9 +7657,9 @@
       </p:par>
     </p:tnLst>
     <p:bldLst>
-      <p:bldP build="whole" bldLvl="1" animBg="1" rev="0" advAuto="0" spid="199" grpId="3"/>
       <p:bldP build="whole" bldLvl="1" animBg="1" rev="0" advAuto="0" spid="193" grpId="1"/>
       <p:bldP build="whole" bldLvl="1" animBg="1" rev="0" advAuto="0" spid="196" grpId="2"/>
+      <p:bldP build="whole" bldLvl="1" animBg="1" rev="0" advAuto="0" spid="199" grpId="3"/>
     </p:bldLst>
   </p:timing>
 </p:sld>
@@ -9384,8 +9384,8 @@
         </p:nvGrpSpPr>
         <p:grpSpPr>
           <a:xfrm>
-            <a:off x="1270000" y="5077482"/>
-            <a:ext cx="2260045" cy="1494835"/>
+            <a:off x="1270000" y="6170761"/>
+            <a:ext cx="2260045" cy="1494834"/>
             <a:chOff x="0" y="219666"/>
             <a:chExt cx="2260044" cy="1494833"/>
           </a:xfrm>
@@ -9501,8 +9501,8 @@
         </p:nvGrpSpPr>
         <p:grpSpPr>
           <a:xfrm>
-            <a:off x="1270000" y="6056266"/>
-            <a:ext cx="2260045" cy="1494835"/>
+            <a:off x="1270000" y="7149545"/>
+            <a:ext cx="2260045" cy="1494834"/>
             <a:chOff x="0" y="219666"/>
             <a:chExt cx="2260044" cy="1494833"/>
           </a:xfrm>
@@ -9625,7 +9625,7 @@
         </p:nvGrpSpPr>
         <p:grpSpPr>
           <a:xfrm>
-            <a:off x="1270000" y="7035050"/>
+            <a:off x="1270000" y="8128329"/>
             <a:ext cx="2260045" cy="1494835"/>
             <a:chOff x="0" y="219666"/>
             <a:chExt cx="2260044" cy="1494833"/>
@@ -9740,8 +9740,8 @@
         </p:nvGrpSpPr>
         <p:grpSpPr>
           <a:xfrm>
-            <a:off x="1270000" y="8013834"/>
-            <a:ext cx="2260045" cy="1494835"/>
+            <a:off x="1270000" y="9107113"/>
+            <a:ext cx="2260045" cy="1494834"/>
             <a:chOff x="0" y="219666"/>
             <a:chExt cx="2260044" cy="1494833"/>
           </a:xfrm>
@@ -9867,7 +9867,7 @@
         </p:nvGrpSpPr>
         <p:grpSpPr>
           <a:xfrm>
-            <a:off x="1270000" y="8992618"/>
+            <a:off x="1270000" y="10085897"/>
             <a:ext cx="2260045" cy="1494835"/>
             <a:chOff x="0" y="219666"/>
             <a:chExt cx="2260044" cy="1494833"/>
@@ -10002,7 +10002,7 @@
         <p:spPr>
           <a:xfrm>
             <a:off x="21222927" y="3671099"/>
-            <a:ext cx="1304866" cy="1304867"/>
+            <a:ext cx="1304867" cy="1304867"/>
           </a:xfrm>
           <a:prstGeom prst="rect">
             <a:avLst/>
@@ -10012,6 +10012,126 @@
           </a:ln>
         </p:spPr>
       </p:pic>
+      <p:grpSp>
+        <p:nvGrpSpPr>
+          <p:cNvPr id="248" name="Group"/>
+          <p:cNvGrpSpPr/>
+          <p:nvPr/>
+        </p:nvGrpSpPr>
+        <p:grpSpPr>
+          <a:xfrm>
+            <a:off x="1270000" y="5134729"/>
+            <a:ext cx="2260045" cy="1494835"/>
+            <a:chOff x="0" y="219666"/>
+            <a:chExt cx="2260044" cy="1494833"/>
+          </a:xfrm>
+        </p:grpSpPr>
+        <p:sp>
+          <p:nvSpPr>
+            <p:cNvPr id="246" name="Square"/>
+            <p:cNvSpPr/>
+            <p:nvPr/>
+          </p:nvSpPr>
+          <p:spPr>
+            <a:xfrm>
+              <a:off x="0" y="219666"/>
+              <a:ext cx="449667" cy="449668"/>
+            </a:xfrm>
+            <a:prstGeom prst="rect">
+              <a:avLst/>
+            </a:prstGeom>
+            <a:solidFill>
+              <a:srgbClr val="00C853"/>
+            </a:solidFill>
+            <a:ln w="12700" cap="flat">
+              <a:noFill/>
+              <a:miter lim="400000"/>
+            </a:ln>
+            <a:effectLst/>
+          </p:spPr>
+          <p:txBody>
+            <a:bodyPr wrap="square" lIns="50800" tIns="50800" rIns="50800" bIns="50800" numCol="1" anchor="ctr">
+              <a:noAutofit/>
+            </a:bodyPr>
+            <a:lstStyle/>
+            <a:p>
+              <a:pPr algn="ctr">
+                <a:lnSpc>
+                  <a:spcPct val="80000"/>
+                </a:lnSpc>
+                <a:spcBef>
+                  <a:spcPts val="0"/>
+                </a:spcBef>
+                <a:defRPr cap="all" sz="4000">
+                  <a:solidFill>
+                    <a:srgbClr val="FFFFFF"/>
+                  </a:solidFill>
+                  <a:latin typeface="+mn-lt"/>
+                  <a:ea typeface="+mn-ea"/>
+                  <a:cs typeface="+mn-cs"/>
+                  <a:sym typeface="DIN Condensed Bold"/>
+                </a:defRPr>
+              </a:pPr>
+            </a:p>
+          </p:txBody>
+        </p:sp>
+        <p:sp>
+          <p:nvSpPr>
+            <p:cNvPr id="247" name="Mostly used for Backend/Systems only"/>
+            <p:cNvSpPr/>
+            <p:nvPr/>
+          </p:nvSpPr>
+          <p:spPr>
+            <a:xfrm>
+              <a:off x="990044" y="444499"/>
+              <a:ext cx="1270001" cy="1270001"/>
+            </a:xfrm>
+            <a:prstGeom prst="line">
+              <a:avLst/>
+            </a:prstGeom>
+            <a:noFill/>
+            <a:ln w="12700" cap="flat">
+              <a:noFill/>
+              <a:miter lim="400000"/>
+            </a:ln>
+            <a:effectLst/>
+            <a:extLst>
+              <a:ext uri="{C572A759-6A51-4108-AA02-DFA0A04FC94B}">
+                <ma14:wrappingTextBoxFlag xmlns:ma14="http://schemas.microsoft.com/office/mac/drawingml/2011/main" val="1"/>
+              </a:ext>
+            </a:extLst>
+          </p:spPr>
+          <p:txBody>
+            <a:bodyPr wrap="none" lIns="50800" tIns="50800" rIns="50800" bIns="50800" numCol="1" anchor="ctr">
+              <a:spAutoFit/>
+            </a:bodyPr>
+            <a:lstStyle/>
+            <a:p>
+              <a:pPr>
+                <a:defRPr spc="-200" sz="4000">
+                  <a:solidFill>
+                    <a:srgbClr val="FFFFFF"/>
+                  </a:solidFill>
+                  <a:latin typeface="Meslo LG L DZ Regular for Powerline"/>
+                  <a:ea typeface="Meslo LG L DZ Regular for Powerline"/>
+                  <a:cs typeface="Meslo LG L DZ Regular for Powerline"/>
+                  <a:sym typeface="Meslo LG L DZ Regular for Powerline"/>
+                </a:defRPr>
+              </a:pPr>
+              <a:r>
+                <a:t>Mostly used for </a:t>
+              </a:r>
+              <a:r>
+                <a:rPr b="1"/>
+                <a:t>Backend/Systems</a:t>
+              </a:r>
+              <a:r>
+                <a:t> only</a:t>
+              </a:r>
+            </a:p>
+          </p:txBody>
+        </p:sp>
+      </p:grpSp>
     </p:spTree>
   </p:cSld>
   <p:clrMapOvr>
@@ -10155,7 +10275,7 @@
                                       <p:cBhvr>
                                         <p:cTn id="12" fill="hold"/>
                                         <p:tgtEl>
-                                          <p:spTgt spid="232"/>
+                                          <p:spTgt spid="248"/>
                                         </p:tgtEl>
                                         <p:attrNameLst>
                                           <p:attrName>style.visibility</p:attrName>
@@ -10169,7 +10289,7 @@
                                       <p:cBhvr>
                                         <p:cTn id="13" dur="800" fill="hold"/>
                                         <p:tgtEl>
-                                          <p:spTgt spid="232"/>
+                                          <p:spTgt spid="248"/>
                                         </p:tgtEl>
                                         <p:attrNameLst>
                                           <p:attrName>ppt_x</p:attrName>
@@ -10192,7 +10312,7 @@
                                       <p:cBhvr>
                                         <p:cTn id="14" dur="800" fill="hold"/>
                                         <p:tgtEl>
-                                          <p:spTgt spid="232"/>
+                                          <p:spTgt spid="248"/>
                                         </p:tgtEl>
                                         <p:attrNameLst>
                                           <p:attrName>ppt_y</p:attrName>
@@ -10245,7 +10365,7 @@
                                       <p:cBhvr>
                                         <p:cTn id="18" fill="hold"/>
                                         <p:tgtEl>
-                                          <p:spTgt spid="235"/>
+                                          <p:spTgt spid="232"/>
                                         </p:tgtEl>
                                         <p:attrNameLst>
                                           <p:attrName>style.visibility</p:attrName>
@@ -10259,7 +10379,7 @@
                                       <p:cBhvr>
                                         <p:cTn id="19" dur="800" fill="hold"/>
                                         <p:tgtEl>
-                                          <p:spTgt spid="235"/>
+                                          <p:spTgt spid="232"/>
                                         </p:tgtEl>
                                         <p:attrNameLst>
                                           <p:attrName>ppt_x</p:attrName>
@@ -10282,7 +10402,7 @@
                                       <p:cBhvr>
                                         <p:cTn id="20" dur="800" fill="hold"/>
                                         <p:tgtEl>
-                                          <p:spTgt spid="235"/>
+                                          <p:spTgt spid="232"/>
                                         </p:tgtEl>
                                         <p:attrNameLst>
                                           <p:attrName>ppt_y</p:attrName>
@@ -10335,7 +10455,7 @@
                                       <p:cBhvr>
                                         <p:cTn id="24" fill="hold"/>
                                         <p:tgtEl>
-                                          <p:spTgt spid="238"/>
+                                          <p:spTgt spid="235"/>
                                         </p:tgtEl>
                                         <p:attrNameLst>
                                           <p:attrName>style.visibility</p:attrName>
@@ -10349,7 +10469,7 @@
                                       <p:cBhvr>
                                         <p:cTn id="25" dur="800" fill="hold"/>
                                         <p:tgtEl>
-                                          <p:spTgt spid="238"/>
+                                          <p:spTgt spid="235"/>
                                         </p:tgtEl>
                                         <p:attrNameLst>
                                           <p:attrName>ppt_x</p:attrName>
@@ -10372,7 +10492,7 @@
                                       <p:cBhvr>
                                         <p:cTn id="26" dur="800" fill="hold"/>
                                         <p:tgtEl>
-                                          <p:spTgt spid="238"/>
+                                          <p:spTgt spid="235"/>
                                         </p:tgtEl>
                                         <p:attrNameLst>
                                           <p:attrName>ppt_y</p:attrName>
@@ -10425,7 +10545,7 @@
                                       <p:cBhvr>
                                         <p:cTn id="30" fill="hold"/>
                                         <p:tgtEl>
-                                          <p:spTgt spid="241"/>
+                                          <p:spTgt spid="238"/>
                                         </p:tgtEl>
                                         <p:attrNameLst>
                                           <p:attrName>style.visibility</p:attrName>
@@ -10439,7 +10559,7 @@
                                       <p:cBhvr>
                                         <p:cTn id="31" dur="800" fill="hold"/>
                                         <p:tgtEl>
-                                          <p:spTgt spid="241"/>
+                                          <p:spTgt spid="238"/>
                                         </p:tgtEl>
                                         <p:attrNameLst>
                                           <p:attrName>ppt_x</p:attrName>
@@ -10462,7 +10582,7 @@
                                       <p:cBhvr>
                                         <p:cTn id="32" dur="800" fill="hold"/>
                                         <p:tgtEl>
-                                          <p:spTgt spid="241"/>
+                                          <p:spTgt spid="238"/>
                                         </p:tgtEl>
                                         <p:attrNameLst>
                                           <p:attrName>ppt_y</p:attrName>
@@ -10515,6 +10635,96 @@
                                       <p:cBhvr>
                                         <p:cTn id="36" fill="hold"/>
                                         <p:tgtEl>
+                                          <p:spTgt spid="241"/>
+                                        </p:tgtEl>
+                                        <p:attrNameLst>
+                                          <p:attrName>style.visibility</p:attrName>
+                                        </p:attrNameLst>
+                                      </p:cBhvr>
+                                      <p:to>
+                                        <p:strVal val="visible"/>
+                                      </p:to>
+                                    </p:set>
+                                    <p:anim calcmode="lin" valueType="num">
+                                      <p:cBhvr>
+                                        <p:cTn id="37" dur="800" fill="hold"/>
+                                        <p:tgtEl>
+                                          <p:spTgt spid="241"/>
+                                        </p:tgtEl>
+                                        <p:attrNameLst>
+                                          <p:attrName>ppt_x</p:attrName>
+                                        </p:attrNameLst>
+                                      </p:cBhvr>
+                                      <p:tavLst>
+                                        <p:tav tm="0">
+                                          <p:val>
+                                            <p:strVal val="0-#ppt_w/2"/>
+                                          </p:val>
+                                        </p:tav>
+                                        <p:tav tm="100000">
+                                          <p:val>
+                                            <p:strVal val="#ppt_x"/>
+                                          </p:val>
+                                        </p:tav>
+                                      </p:tavLst>
+                                    </p:anim>
+                                    <p:anim calcmode="lin" valueType="num">
+                                      <p:cBhvr>
+                                        <p:cTn id="38" dur="800" fill="hold"/>
+                                        <p:tgtEl>
+                                          <p:spTgt spid="241"/>
+                                        </p:tgtEl>
+                                        <p:attrNameLst>
+                                          <p:attrName>ppt_y</p:attrName>
+                                        </p:attrNameLst>
+                                      </p:cBhvr>
+                                      <p:tavLst>
+                                        <p:tav tm="0">
+                                          <p:val>
+                                            <p:strVal val="#ppt_y"/>
+                                          </p:val>
+                                        </p:tav>
+                                        <p:tav tm="100000">
+                                          <p:val>
+                                            <p:strVal val="#ppt_y"/>
+                                          </p:val>
+                                        </p:tav>
+                                      </p:tavLst>
+                                    </p:anim>
+                                  </p:childTnLst>
+                                </p:cTn>
+                              </p:par>
+                            </p:childTnLst>
+                          </p:cTn>
+                        </p:par>
+                      </p:childTnLst>
+                    </p:cTn>
+                  </p:par>
+                  <p:par>
+                    <p:cTn id="39" fill="hold">
+                      <p:stCondLst>
+                        <p:cond delay="indefinite"/>
+                      </p:stCondLst>
+                      <p:childTnLst>
+                        <p:par>
+                          <p:cTn id="40" fill="hold">
+                            <p:stCondLst>
+                              <p:cond delay="0"/>
+                            </p:stCondLst>
+                            <p:childTnLst>
+                              <p:par>
+                                <p:cTn id="41" presetClass="entr" nodeType="clickEffect" presetSubtype="8" presetID="2" grpId="7" fill="hold">
+                                  <p:stCondLst>
+                                    <p:cond delay="0"/>
+                                  </p:stCondLst>
+                                  <p:iterate type="el" backwards="0">
+                                    <p:tmAbs val="0"/>
+                                  </p:iterate>
+                                  <p:childTnLst>
+                                    <p:set>
+                                      <p:cBhvr>
+                                        <p:cTn id="42" fill="hold"/>
+                                        <p:tgtEl>
                                           <p:spTgt spid="244"/>
                                         </p:tgtEl>
                                         <p:attrNameLst>
@@ -10527,7 +10737,7 @@
                                     </p:set>
                                     <p:anim calcmode="lin" valueType="num">
                                       <p:cBhvr>
-                                        <p:cTn id="37" dur="800" fill="hold"/>
+                                        <p:cTn id="43" dur="800" fill="hold"/>
                                         <p:tgtEl>
                                           <p:spTgt spid="244"/>
                                         </p:tgtEl>
@@ -10550,7 +10760,7 @@
                                     </p:anim>
                                     <p:anim calcmode="lin" valueType="num">
                                       <p:cBhvr>
-                                        <p:cTn id="38" dur="800" fill="hold"/>
+                                        <p:cTn id="44" dur="800" fill="hold"/>
                                         <p:tgtEl>
                                           <p:spTgt spid="244"/>
                                         </p:tgtEl>
@@ -10602,12 +10812,13 @@
       </p:par>
     </p:tnLst>
     <p:bldLst>
-      <p:bldP build="whole" bldLvl="1" animBg="1" rev="0" advAuto="0" spid="238" grpId="4"/>
-      <p:bldP build="whole" bldLvl="1" animBg="1" rev="0" advAuto="0" spid="241" grpId="5"/>
-      <p:bldP build="whole" bldLvl="1" animBg="1" rev="0" advAuto="0" spid="244" grpId="6"/>
-      <p:bldP build="whole" bldLvl="1" animBg="1" rev="0" advAuto="0" spid="235" grpId="3"/>
+      <p:bldP build="whole" bldLvl="1" animBg="1" rev="0" advAuto="0" spid="241" grpId="6"/>
+      <p:bldP build="whole" bldLvl="1" animBg="1" rev="0" advAuto="0" spid="244" grpId="7"/>
+      <p:bldP build="whole" bldLvl="1" animBg="1" rev="0" advAuto="0" spid="235" grpId="4"/>
+      <p:bldP build="whole" bldLvl="1" animBg="1" rev="0" advAuto="0" spid="232" grpId="3"/>
+      <p:bldP build="whole" bldLvl="1" animBg="1" rev="0" advAuto="0" spid="238" grpId="5"/>
       <p:bldP build="whole" bldLvl="1" animBg="1" rev="0" advAuto="0" spid="229" grpId="1"/>
-      <p:bldP build="whole" bldLvl="1" animBg="1" rev="0" advAuto="0" spid="232" grpId="2"/>
+      <p:bldP build="whole" bldLvl="1" animBg="1" rev="0" advAuto="0" spid="248" grpId="2"/>
     </p:bldLst>
   </p:timing>
 </p:sld>
@@ -10639,7 +10850,7 @@
       </p:grpSpPr>
       <p:sp>
         <p:nvSpPr>
-          <p:cNvPr id="247" name="Things I like"/>
+          <p:cNvPr id="250" name="Things I like"/>
           <p:cNvSpPr txBox="1"/>
           <p:nvPr>
             <p:ph type="title"/>
@@ -10671,7 +10882,7 @@
       </p:sp>
       <p:grpSp>
         <p:nvGrpSpPr>
-          <p:cNvPr id="250" name="Group"/>
+          <p:cNvPr id="253" name="Group"/>
           <p:cNvGrpSpPr/>
           <p:nvPr/>
         </p:nvGrpSpPr>
@@ -10679,121 +10890,6 @@
           <a:xfrm>
             <a:off x="1270000" y="4098698"/>
             <a:ext cx="2260045" cy="1494835"/>
-            <a:chOff x="0" y="219666"/>
-            <a:chExt cx="2260044" cy="1494833"/>
-          </a:xfrm>
-        </p:grpSpPr>
-        <p:sp>
-          <p:nvSpPr>
-            <p:cNvPr id="248" name="Square"/>
-            <p:cNvSpPr/>
-            <p:nvPr/>
-          </p:nvSpPr>
-          <p:spPr>
-            <a:xfrm>
-              <a:off x="0" y="219666"/>
-              <a:ext cx="449667" cy="449668"/>
-            </a:xfrm>
-            <a:prstGeom prst="rect">
-              <a:avLst/>
-            </a:prstGeom>
-            <a:solidFill>
-              <a:srgbClr val="00C853"/>
-            </a:solidFill>
-            <a:ln w="12700" cap="flat">
-              <a:noFill/>
-              <a:miter lim="400000"/>
-            </a:ln>
-            <a:effectLst/>
-          </p:spPr>
-          <p:txBody>
-            <a:bodyPr wrap="square" lIns="50800" tIns="50800" rIns="50800" bIns="50800" numCol="1" anchor="ctr">
-              <a:noAutofit/>
-            </a:bodyPr>
-            <a:lstStyle/>
-            <a:p>
-              <a:pPr algn="ctr">
-                <a:lnSpc>
-                  <a:spcPct val="80000"/>
-                </a:lnSpc>
-                <a:spcBef>
-                  <a:spcPts val="0"/>
-                </a:spcBef>
-                <a:defRPr cap="all" sz="4000">
-                  <a:solidFill>
-                    <a:srgbClr val="FFFFFF"/>
-                  </a:solidFill>
-                  <a:latin typeface="+mn-lt"/>
-                  <a:ea typeface="+mn-ea"/>
-                  <a:cs typeface="+mn-cs"/>
-                  <a:sym typeface="DIN Condensed Bold"/>
-                </a:defRPr>
-              </a:pPr>
-            </a:p>
-          </p:txBody>
-        </p:sp>
-        <p:sp>
-          <p:nvSpPr>
-            <p:cNvPr id="249" name="Simplicity"/>
-            <p:cNvSpPr/>
-            <p:nvPr/>
-          </p:nvSpPr>
-          <p:spPr>
-            <a:xfrm>
-              <a:off x="990044" y="444499"/>
-              <a:ext cx="1270001" cy="1270001"/>
-            </a:xfrm>
-            <a:prstGeom prst="line">
-              <a:avLst/>
-            </a:prstGeom>
-            <a:noFill/>
-            <a:ln w="12700" cap="flat">
-              <a:noFill/>
-              <a:miter lim="400000"/>
-            </a:ln>
-            <a:effectLst/>
-            <a:extLst>
-              <a:ext uri="{C572A759-6A51-4108-AA02-DFA0A04FC94B}">
-                <ma14:wrappingTextBoxFlag xmlns:ma14="http://schemas.microsoft.com/office/mac/drawingml/2011/main" val="1"/>
-              </a:ext>
-            </a:extLst>
-          </p:spPr>
-          <p:txBody>
-            <a:bodyPr wrap="none" lIns="50800" tIns="50800" rIns="50800" bIns="50800" numCol="1" anchor="ctr">
-              <a:spAutoFit/>
-            </a:bodyPr>
-            <a:lstStyle>
-              <a:lvl1pPr>
-                <a:defRPr b="1" spc="-200" sz="4000">
-                  <a:solidFill>
-                    <a:srgbClr val="FFFFFF"/>
-                  </a:solidFill>
-                  <a:latin typeface="Meslo LG L DZ Regular for Powerline"/>
-                  <a:ea typeface="Meslo LG L DZ Regular for Powerline"/>
-                  <a:cs typeface="Meslo LG L DZ Regular for Powerline"/>
-                  <a:sym typeface="Meslo LG L DZ Regular for Powerline"/>
-                </a:defRPr>
-              </a:lvl1pPr>
-            </a:lstStyle>
-            <a:p>
-              <a:pPr/>
-              <a:r>
-                <a:t>Simplicity</a:t>
-              </a:r>
-            </a:p>
-          </p:txBody>
-        </p:sp>
-      </p:grpSp>
-      <p:grpSp>
-        <p:nvGrpSpPr>
-          <p:cNvPr id="253" name="Group"/>
-          <p:cNvGrpSpPr/>
-          <p:nvPr/>
-        </p:nvGrpSpPr>
-        <p:grpSpPr>
-          <a:xfrm>
-            <a:off x="1270000" y="5037532"/>
-            <a:ext cx="2260045" cy="1494834"/>
             <a:chOff x="0" y="219666"/>
             <a:chExt cx="2260044" cy="1494833"/>
           </a:xfrm>
@@ -10849,7 +10945,7 @@
         </p:sp>
         <p:sp>
           <p:nvSpPr>
-            <p:cNvPr id="252" name="Robustness &amp; Strictness"/>
+            <p:cNvPr id="252" name="Simplicity"/>
             <p:cNvSpPr/>
             <p:nvPr/>
           </p:nvSpPr>
@@ -10877,10 +10973,9 @@
             <a:bodyPr wrap="none" lIns="50800" tIns="50800" rIns="50800" bIns="50800" numCol="1" anchor="ctr">
               <a:spAutoFit/>
             </a:bodyPr>
-            <a:lstStyle/>
-            <a:p>
-              <a:pPr>
-                <a:defRPr spc="-200" sz="4000">
+            <a:lstStyle>
+              <a:lvl1pPr>
+                <a:defRPr b="1" spc="-200" sz="4000">
                   <a:solidFill>
                     <a:srgbClr val="FFFFFF"/>
                   </a:solidFill>
@@ -10889,13 +10984,12 @@
                   <a:cs typeface="Meslo LG L DZ Regular for Powerline"/>
                   <a:sym typeface="Meslo LG L DZ Regular for Powerline"/>
                 </a:defRPr>
-              </a:pPr>
+              </a:lvl1pPr>
+            </a:lstStyle>
+            <a:p>
+              <a:pPr/>
               <a:r>
-                <a:rPr b="1"/>
-                <a:t>Robustness</a:t>
-              </a:r>
-              <a:r>
-                <a:t> &amp; Strictness</a:t>
+                <a:t>Simplicity</a:t>
               </a:r>
             </a:p>
           </p:txBody>
@@ -10909,7 +11003,7 @@
         </p:nvGrpSpPr>
         <p:grpSpPr>
           <a:xfrm>
-            <a:off x="1270000" y="5976365"/>
+            <a:off x="1270000" y="5037532"/>
             <a:ext cx="2260045" cy="1494835"/>
             <a:chOff x="0" y="219666"/>
             <a:chExt cx="2260044" cy="1494833"/>
@@ -10966,7 +11060,7 @@
         </p:sp>
         <p:sp>
           <p:nvSpPr>
-            <p:cNvPr id="255" name="Safety &amp; Stability"/>
+            <p:cNvPr id="255" name="Robustness &amp; Strictness"/>
             <p:cNvSpPr/>
             <p:nvPr/>
           </p:nvSpPr>
@@ -11008,11 +11102,11 @@
                 </a:defRPr>
               </a:pPr>
               <a:r>
-                <a:t>Safety &amp; </a:t>
+                <a:rPr b="1"/>
+                <a:t>Robustness</a:t>
               </a:r>
               <a:r>
-                <a:rPr b="1"/>
-                <a:t>Stability</a:t>
+                <a:t> &amp; Strictness</a:t>
               </a:r>
             </a:p>
           </p:txBody>
@@ -11026,7 +11120,7 @@
         </p:nvGrpSpPr>
         <p:grpSpPr>
           <a:xfrm>
-            <a:off x="1270000" y="6915199"/>
+            <a:off x="1270000" y="5976365"/>
             <a:ext cx="2260045" cy="1494835"/>
             <a:chOff x="0" y="219666"/>
             <a:chExt cx="2260044" cy="1494833"/>
@@ -11083,7 +11177,124 @@
         </p:sp>
         <p:sp>
           <p:nvSpPr>
-            <p:cNvPr id="258" name="Can get hired without Go experience"/>
+            <p:cNvPr id="258" name="Safety &amp; Stability"/>
+            <p:cNvSpPr/>
+            <p:nvPr/>
+          </p:nvSpPr>
+          <p:spPr>
+            <a:xfrm>
+              <a:off x="990044" y="444499"/>
+              <a:ext cx="1270001" cy="1270001"/>
+            </a:xfrm>
+            <a:prstGeom prst="line">
+              <a:avLst/>
+            </a:prstGeom>
+            <a:noFill/>
+            <a:ln w="12700" cap="flat">
+              <a:noFill/>
+              <a:miter lim="400000"/>
+            </a:ln>
+            <a:effectLst/>
+            <a:extLst>
+              <a:ext uri="{C572A759-6A51-4108-AA02-DFA0A04FC94B}">
+                <ma14:wrappingTextBoxFlag xmlns:ma14="http://schemas.microsoft.com/office/mac/drawingml/2011/main" val="1"/>
+              </a:ext>
+            </a:extLst>
+          </p:spPr>
+          <p:txBody>
+            <a:bodyPr wrap="none" lIns="50800" tIns="50800" rIns="50800" bIns="50800" numCol="1" anchor="ctr">
+              <a:spAutoFit/>
+            </a:bodyPr>
+            <a:lstStyle/>
+            <a:p>
+              <a:pPr>
+                <a:defRPr spc="-200" sz="4000">
+                  <a:solidFill>
+                    <a:srgbClr val="FFFFFF"/>
+                  </a:solidFill>
+                  <a:latin typeface="Meslo LG L DZ Regular for Powerline"/>
+                  <a:ea typeface="Meslo LG L DZ Regular for Powerline"/>
+                  <a:cs typeface="Meslo LG L DZ Regular for Powerline"/>
+                  <a:sym typeface="Meslo LG L DZ Regular for Powerline"/>
+                </a:defRPr>
+              </a:pPr>
+              <a:r>
+                <a:t>Safety &amp; </a:t>
+              </a:r>
+              <a:r>
+                <a:rPr b="1"/>
+                <a:t>Stability</a:t>
+              </a:r>
+            </a:p>
+          </p:txBody>
+        </p:sp>
+      </p:grpSp>
+      <p:grpSp>
+        <p:nvGrpSpPr>
+          <p:cNvPr id="262" name="Group"/>
+          <p:cNvGrpSpPr/>
+          <p:nvPr/>
+        </p:nvGrpSpPr>
+        <p:grpSpPr>
+          <a:xfrm>
+            <a:off x="1270000" y="6915199"/>
+            <a:ext cx="2260045" cy="1494835"/>
+            <a:chOff x="0" y="219666"/>
+            <a:chExt cx="2260044" cy="1494833"/>
+          </a:xfrm>
+        </p:grpSpPr>
+        <p:sp>
+          <p:nvSpPr>
+            <p:cNvPr id="260" name="Square"/>
+            <p:cNvSpPr/>
+            <p:nvPr/>
+          </p:nvSpPr>
+          <p:spPr>
+            <a:xfrm>
+              <a:off x="0" y="219666"/>
+              <a:ext cx="449667" cy="449668"/>
+            </a:xfrm>
+            <a:prstGeom prst="rect">
+              <a:avLst/>
+            </a:prstGeom>
+            <a:solidFill>
+              <a:srgbClr val="00C853"/>
+            </a:solidFill>
+            <a:ln w="12700" cap="flat">
+              <a:noFill/>
+              <a:miter lim="400000"/>
+            </a:ln>
+            <a:effectLst/>
+          </p:spPr>
+          <p:txBody>
+            <a:bodyPr wrap="square" lIns="50800" tIns="50800" rIns="50800" bIns="50800" numCol="1" anchor="ctr">
+              <a:noAutofit/>
+            </a:bodyPr>
+            <a:lstStyle/>
+            <a:p>
+              <a:pPr algn="ctr">
+                <a:lnSpc>
+                  <a:spcPct val="80000"/>
+                </a:lnSpc>
+                <a:spcBef>
+                  <a:spcPts val="0"/>
+                </a:spcBef>
+                <a:defRPr cap="all" sz="4000">
+                  <a:solidFill>
+                    <a:srgbClr val="FFFFFF"/>
+                  </a:solidFill>
+                  <a:latin typeface="+mn-lt"/>
+                  <a:ea typeface="+mn-ea"/>
+                  <a:cs typeface="+mn-cs"/>
+                  <a:sym typeface="DIN Condensed Bold"/>
+                </a:defRPr>
+              </a:pPr>
+            </a:p>
+          </p:txBody>
+        </p:sp>
+        <p:sp>
+          <p:nvSpPr>
+            <p:cNvPr id="261" name="Can get hired without Go experience"/>
             <p:cNvSpPr/>
             <p:nvPr/>
           </p:nvSpPr>
@@ -11151,7 +11362,7 @@
       </p:grpSp>
       <p:grpSp>
         <p:nvGrpSpPr>
-          <p:cNvPr id="262" name="Group"/>
+          <p:cNvPr id="265" name="Group"/>
           <p:cNvGrpSpPr/>
           <p:nvPr/>
         </p:nvGrpSpPr>
@@ -11165,7 +11376,7 @@
         </p:grpSpPr>
         <p:sp>
           <p:nvSpPr>
-            <p:cNvPr id="260" name="Square"/>
+            <p:cNvPr id="263" name="Square"/>
             <p:cNvSpPr/>
             <p:nvPr/>
           </p:nvSpPr>
@@ -11214,7 +11425,7 @@
         </p:sp>
         <p:sp>
           <p:nvSpPr>
-            <p:cNvPr id="261" name="Productive"/>
+            <p:cNvPr id="264" name="Productive"/>
             <p:cNvSpPr/>
             <p:nvPr/>
           </p:nvSpPr>
@@ -11266,7 +11477,7 @@
       </p:grpSp>
       <p:pic>
         <p:nvPicPr>
-          <p:cNvPr id="263" name="thumbs-up.png" descr="thumbs-up.png"/>
+          <p:cNvPr id="266" name="thumbs-up.png" descr="thumbs-up.png"/>
           <p:cNvPicPr>
             <a:picLocks noChangeAspect="1"/>
           </p:cNvPicPr>
@@ -11346,7 +11557,7 @@
                                       <p:cBhvr>
                                         <p:cTn id="6" fill="hold"/>
                                         <p:tgtEl>
-                                          <p:spTgt spid="250"/>
+                                          <p:spTgt spid="253"/>
                                         </p:tgtEl>
                                         <p:attrNameLst>
                                           <p:attrName>style.visibility</p:attrName>
@@ -11360,7 +11571,7 @@
                                       <p:cBhvr>
                                         <p:cTn id="7" dur="800" fill="hold"/>
                                         <p:tgtEl>
-                                          <p:spTgt spid="250"/>
+                                          <p:spTgt spid="253"/>
                                         </p:tgtEl>
                                         <p:attrNameLst>
                                           <p:attrName>ppt_x</p:attrName>
@@ -11383,7 +11594,7 @@
                                       <p:cBhvr>
                                         <p:cTn id="8" dur="800" fill="hold"/>
                                         <p:tgtEl>
-                                          <p:spTgt spid="250"/>
+                                          <p:spTgt spid="253"/>
                                         </p:tgtEl>
                                         <p:attrNameLst>
                                           <p:attrName>ppt_y</p:attrName>
@@ -11436,7 +11647,7 @@
                                       <p:cBhvr>
                                         <p:cTn id="12" fill="hold"/>
                                         <p:tgtEl>
-                                          <p:spTgt spid="253"/>
+                                          <p:spTgt spid="256"/>
                                         </p:tgtEl>
                                         <p:attrNameLst>
                                           <p:attrName>style.visibility</p:attrName>
@@ -11450,7 +11661,7 @@
                                       <p:cBhvr>
                                         <p:cTn id="13" dur="800" fill="hold"/>
                                         <p:tgtEl>
-                                          <p:spTgt spid="253"/>
+                                          <p:spTgt spid="256"/>
                                         </p:tgtEl>
                                         <p:attrNameLst>
                                           <p:attrName>ppt_x</p:attrName>
@@ -11473,7 +11684,7 @@
                                       <p:cBhvr>
                                         <p:cTn id="14" dur="800" fill="hold"/>
                                         <p:tgtEl>
-                                          <p:spTgt spid="253"/>
+                                          <p:spTgt spid="256"/>
                                         </p:tgtEl>
                                         <p:attrNameLst>
                                           <p:attrName>ppt_y</p:attrName>
@@ -11526,7 +11737,7 @@
                                       <p:cBhvr>
                                         <p:cTn id="18" fill="hold"/>
                                         <p:tgtEl>
-                                          <p:spTgt spid="256"/>
+                                          <p:spTgt spid="259"/>
                                         </p:tgtEl>
                                         <p:attrNameLst>
                                           <p:attrName>style.visibility</p:attrName>
@@ -11540,7 +11751,7 @@
                                       <p:cBhvr>
                                         <p:cTn id="19" dur="800" fill="hold"/>
                                         <p:tgtEl>
-                                          <p:spTgt spid="256"/>
+                                          <p:spTgt spid="259"/>
                                         </p:tgtEl>
                                         <p:attrNameLst>
                                           <p:attrName>ppt_x</p:attrName>
@@ -11563,7 +11774,7 @@
                                       <p:cBhvr>
                                         <p:cTn id="20" dur="800" fill="hold"/>
                                         <p:tgtEl>
-                                          <p:spTgt spid="256"/>
+                                          <p:spTgt spid="259"/>
                                         </p:tgtEl>
                                         <p:attrNameLst>
                                           <p:attrName>ppt_y</p:attrName>
@@ -11616,7 +11827,7 @@
                                       <p:cBhvr>
                                         <p:cTn id="24" fill="hold"/>
                                         <p:tgtEl>
-                                          <p:spTgt spid="259"/>
+                                          <p:spTgt spid="262"/>
                                         </p:tgtEl>
                                         <p:attrNameLst>
                                           <p:attrName>style.visibility</p:attrName>
@@ -11630,7 +11841,7 @@
                                       <p:cBhvr>
                                         <p:cTn id="25" dur="800" fill="hold"/>
                                         <p:tgtEl>
-                                          <p:spTgt spid="259"/>
+                                          <p:spTgt spid="262"/>
                                         </p:tgtEl>
                                         <p:attrNameLst>
                                           <p:attrName>ppt_x</p:attrName>
@@ -11653,7 +11864,7 @@
                                       <p:cBhvr>
                                         <p:cTn id="26" dur="800" fill="hold"/>
                                         <p:tgtEl>
-                                          <p:spTgt spid="259"/>
+                                          <p:spTgt spid="262"/>
                                         </p:tgtEl>
                                         <p:attrNameLst>
                                           <p:attrName>ppt_y</p:attrName>
@@ -11706,7 +11917,7 @@
                                       <p:cBhvr>
                                         <p:cTn id="30" fill="hold"/>
                                         <p:tgtEl>
-                                          <p:spTgt spid="262"/>
+                                          <p:spTgt spid="265"/>
                                         </p:tgtEl>
                                         <p:attrNameLst>
                                           <p:attrName>style.visibility</p:attrName>
@@ -11720,7 +11931,7 @@
                                       <p:cBhvr>
                                         <p:cTn id="31" dur="800" fill="hold"/>
                                         <p:tgtEl>
-                                          <p:spTgt spid="262"/>
+                                          <p:spTgt spid="265"/>
                                         </p:tgtEl>
                                         <p:attrNameLst>
                                           <p:attrName>ppt_x</p:attrName>
@@ -11743,7 +11954,7 @@
                                       <p:cBhvr>
                                         <p:cTn id="32" dur="800" fill="hold"/>
                                         <p:tgtEl>
-                                          <p:spTgt spid="262"/>
+                                          <p:spTgt spid="265"/>
                                         </p:tgtEl>
                                         <p:attrNameLst>
                                           <p:attrName>ppt_y</p:attrName>
@@ -11793,11 +12004,11 @@
       </p:par>
     </p:tnLst>
     <p:bldLst>
-      <p:bldP build="whole" bldLvl="1" animBg="1" rev="0" advAuto="0" spid="250" grpId="1"/>
-      <p:bldP build="whole" bldLvl="1" animBg="1" rev="0" advAuto="0" spid="256" grpId="3"/>
-      <p:bldP build="whole" bldLvl="1" animBg="1" rev="0" advAuto="0" spid="259" grpId="4"/>
-      <p:bldP build="whole" bldLvl="1" animBg="1" rev="0" advAuto="0" spid="253" grpId="2"/>
-      <p:bldP build="whole" bldLvl="1" animBg="1" rev="0" advAuto="0" spid="262" grpId="5"/>
+      <p:bldP build="whole" bldLvl="1" animBg="1" rev="0" advAuto="0" spid="265" grpId="5"/>
+      <p:bldP build="whole" bldLvl="1" animBg="1" rev="0" advAuto="0" spid="253" grpId="1"/>
+      <p:bldP build="whole" bldLvl="1" animBg="1" rev="0" advAuto="0" spid="256" grpId="2"/>
+      <p:bldP build="whole" bldLvl="1" animBg="1" rev="0" advAuto="0" spid="262" grpId="4"/>
+      <p:bldP build="whole" bldLvl="1" animBg="1" rev="0" advAuto="0" spid="259" grpId="3"/>
     </p:bldLst>
   </p:timing>
 </p:sld>
@@ -11829,7 +12040,7 @@
       </p:grpSpPr>
       <p:sp>
         <p:nvSpPr>
-          <p:cNvPr id="265" name="Things I don’t like"/>
+          <p:cNvPr id="268" name="Things I don’t like"/>
           <p:cNvSpPr txBox="1"/>
           <p:nvPr>
             <p:ph type="title"/>
@@ -11861,7 +12072,7 @@
       </p:sp>
       <p:grpSp>
         <p:nvGrpSpPr>
-          <p:cNvPr id="268" name="Group"/>
+          <p:cNvPr id="271" name="Group"/>
           <p:cNvGrpSpPr/>
           <p:nvPr/>
         </p:nvGrpSpPr>
@@ -11869,123 +12080,6 @@
           <a:xfrm>
             <a:off x="1270000" y="4098698"/>
             <a:ext cx="2260045" cy="1494835"/>
-            <a:chOff x="0" y="219666"/>
-            <a:chExt cx="2260044" cy="1494833"/>
-          </a:xfrm>
-        </p:grpSpPr>
-        <p:sp>
-          <p:nvSpPr>
-            <p:cNvPr id="266" name="Square"/>
-            <p:cNvSpPr/>
-            <p:nvPr/>
-          </p:nvSpPr>
-          <p:spPr>
-            <a:xfrm>
-              <a:off x="0" y="219666"/>
-              <a:ext cx="449667" cy="449668"/>
-            </a:xfrm>
-            <a:prstGeom prst="rect">
-              <a:avLst/>
-            </a:prstGeom>
-            <a:solidFill>
-              <a:srgbClr val="00C853"/>
-            </a:solidFill>
-            <a:ln w="12700" cap="flat">
-              <a:noFill/>
-              <a:miter lim="400000"/>
-            </a:ln>
-            <a:effectLst/>
-          </p:spPr>
-          <p:txBody>
-            <a:bodyPr wrap="square" lIns="50800" tIns="50800" rIns="50800" bIns="50800" numCol="1" anchor="ctr">
-              <a:noAutofit/>
-            </a:bodyPr>
-            <a:lstStyle/>
-            <a:p>
-              <a:pPr algn="ctr">
-                <a:lnSpc>
-                  <a:spcPct val="80000"/>
-                </a:lnSpc>
-                <a:spcBef>
-                  <a:spcPts val="0"/>
-                </a:spcBef>
-                <a:defRPr cap="all" sz="4000">
-                  <a:solidFill>
-                    <a:srgbClr val="FFFFFF"/>
-                  </a:solidFill>
-                  <a:latin typeface="+mn-lt"/>
-                  <a:ea typeface="+mn-ea"/>
-                  <a:cs typeface="+mn-cs"/>
-                  <a:sym typeface="DIN Condensed Bold"/>
-                </a:defRPr>
-              </a:pPr>
-            </a:p>
-          </p:txBody>
-        </p:sp>
-        <p:sp>
-          <p:nvSpPr>
-            <p:cNvPr id="267" name="Too simple"/>
-            <p:cNvSpPr/>
-            <p:nvPr/>
-          </p:nvSpPr>
-          <p:spPr>
-            <a:xfrm>
-              <a:off x="990044" y="444499"/>
-              <a:ext cx="1270001" cy="1270001"/>
-            </a:xfrm>
-            <a:prstGeom prst="line">
-              <a:avLst/>
-            </a:prstGeom>
-            <a:noFill/>
-            <a:ln w="12700" cap="flat">
-              <a:noFill/>
-              <a:miter lim="400000"/>
-            </a:ln>
-            <a:effectLst/>
-            <a:extLst>
-              <a:ext uri="{C572A759-6A51-4108-AA02-DFA0A04FC94B}">
-                <ma14:wrappingTextBoxFlag xmlns:ma14="http://schemas.microsoft.com/office/mac/drawingml/2011/main" val="1"/>
-              </a:ext>
-            </a:extLst>
-          </p:spPr>
-          <p:txBody>
-            <a:bodyPr wrap="none" lIns="50800" tIns="50800" rIns="50800" bIns="50800" numCol="1" anchor="ctr">
-              <a:spAutoFit/>
-            </a:bodyPr>
-            <a:lstStyle/>
-            <a:p>
-              <a:pPr>
-                <a:defRPr spc="-200" sz="4000">
-                  <a:solidFill>
-                    <a:srgbClr val="FFFFFF"/>
-                  </a:solidFill>
-                  <a:latin typeface="Meslo LG L DZ Regular for Powerline"/>
-                  <a:ea typeface="Meslo LG L DZ Regular for Powerline"/>
-                  <a:cs typeface="Meslo LG L DZ Regular for Powerline"/>
-                  <a:sym typeface="Meslo LG L DZ Regular for Powerline"/>
-                </a:defRPr>
-              </a:pPr>
-              <a:r>
-                <a:t>Too </a:t>
-              </a:r>
-              <a:r>
-                <a:rPr b="1"/>
-                <a:t>simple</a:t>
-              </a:r>
-            </a:p>
-          </p:txBody>
-        </p:sp>
-      </p:grpSp>
-      <p:grpSp>
-        <p:nvGrpSpPr>
-          <p:cNvPr id="271" name="Group"/>
-          <p:cNvGrpSpPr/>
-          <p:nvPr/>
-        </p:nvGrpSpPr>
-        <p:grpSpPr>
-          <a:xfrm>
-            <a:off x="1270000" y="5037532"/>
-            <a:ext cx="2260045" cy="1494834"/>
             <a:chOff x="0" y="219666"/>
             <a:chExt cx="2260044" cy="1494833"/>
           </a:xfrm>
@@ -12041,7 +12135,7 @@
         </p:sp>
         <p:sp>
           <p:nvSpPr>
-            <p:cNvPr id="270" name="Can get ugly"/>
+            <p:cNvPr id="270" name="Too simple"/>
             <p:cNvSpPr/>
             <p:nvPr/>
           </p:nvSpPr>
@@ -12083,11 +12177,11 @@
                 </a:defRPr>
               </a:pPr>
               <a:r>
-                <a:t>Can get </a:t>
+                <a:t>Too </a:t>
               </a:r>
               <a:r>
                 <a:rPr b="1"/>
-                <a:t>ugly</a:t>
+                <a:t>simple</a:t>
               </a:r>
             </a:p>
           </p:txBody>
@@ -12101,7 +12195,7 @@
         </p:nvGrpSpPr>
         <p:grpSpPr>
           <a:xfrm>
-            <a:off x="1270000" y="5976365"/>
+            <a:off x="1270000" y="5037532"/>
             <a:ext cx="2260045" cy="1494835"/>
             <a:chOff x="0" y="219666"/>
             <a:chExt cx="2260044" cy="1494833"/>
@@ -12158,7 +12252,7 @@
         </p:sp>
         <p:sp>
           <p:nvSpPr>
-            <p:cNvPr id="273" name="Small adoption"/>
+            <p:cNvPr id="273" name="Can get ugly"/>
             <p:cNvSpPr/>
             <p:nvPr/>
           </p:nvSpPr>
@@ -12200,11 +12294,11 @@
                 </a:defRPr>
               </a:pPr>
               <a:r>
-                <a:t>Small </a:t>
+                <a:t>Can get </a:t>
               </a:r>
               <a:r>
                 <a:rPr b="1"/>
-                <a:t>adoption</a:t>
+                <a:t>ugly</a:t>
               </a:r>
             </a:p>
           </p:txBody>
@@ -12218,7 +12312,7 @@
         </p:nvGrpSpPr>
         <p:grpSpPr>
           <a:xfrm>
-            <a:off x="1270000" y="6915199"/>
+            <a:off x="1270000" y="5976365"/>
             <a:ext cx="2260045" cy="1494835"/>
             <a:chOff x="0" y="219666"/>
             <a:chExt cx="2260044" cy="1494833"/>
@@ -12275,7 +12369,124 @@
         </p:sp>
         <p:sp>
           <p:nvSpPr>
-            <p:cNvPr id="276" name="Hard to find a job"/>
+            <p:cNvPr id="276" name="Small adoption"/>
+            <p:cNvSpPr/>
+            <p:nvPr/>
+          </p:nvSpPr>
+          <p:spPr>
+            <a:xfrm>
+              <a:off x="990044" y="444499"/>
+              <a:ext cx="1270001" cy="1270001"/>
+            </a:xfrm>
+            <a:prstGeom prst="line">
+              <a:avLst/>
+            </a:prstGeom>
+            <a:noFill/>
+            <a:ln w="12700" cap="flat">
+              <a:noFill/>
+              <a:miter lim="400000"/>
+            </a:ln>
+            <a:effectLst/>
+            <a:extLst>
+              <a:ext uri="{C572A759-6A51-4108-AA02-DFA0A04FC94B}">
+                <ma14:wrappingTextBoxFlag xmlns:ma14="http://schemas.microsoft.com/office/mac/drawingml/2011/main" val="1"/>
+              </a:ext>
+            </a:extLst>
+          </p:spPr>
+          <p:txBody>
+            <a:bodyPr wrap="none" lIns="50800" tIns="50800" rIns="50800" bIns="50800" numCol="1" anchor="ctr">
+              <a:spAutoFit/>
+            </a:bodyPr>
+            <a:lstStyle/>
+            <a:p>
+              <a:pPr>
+                <a:defRPr spc="-200" sz="4000">
+                  <a:solidFill>
+                    <a:srgbClr val="FFFFFF"/>
+                  </a:solidFill>
+                  <a:latin typeface="Meslo LG L DZ Regular for Powerline"/>
+                  <a:ea typeface="Meslo LG L DZ Regular for Powerline"/>
+                  <a:cs typeface="Meslo LG L DZ Regular for Powerline"/>
+                  <a:sym typeface="Meslo LG L DZ Regular for Powerline"/>
+                </a:defRPr>
+              </a:pPr>
+              <a:r>
+                <a:t>Small </a:t>
+              </a:r>
+              <a:r>
+                <a:rPr b="1"/>
+                <a:t>adoption</a:t>
+              </a:r>
+            </a:p>
+          </p:txBody>
+        </p:sp>
+      </p:grpSp>
+      <p:grpSp>
+        <p:nvGrpSpPr>
+          <p:cNvPr id="280" name="Group"/>
+          <p:cNvGrpSpPr/>
+          <p:nvPr/>
+        </p:nvGrpSpPr>
+        <p:grpSpPr>
+          <a:xfrm>
+            <a:off x="1270000" y="6915199"/>
+            <a:ext cx="2260045" cy="1494835"/>
+            <a:chOff x="0" y="219666"/>
+            <a:chExt cx="2260044" cy="1494833"/>
+          </a:xfrm>
+        </p:grpSpPr>
+        <p:sp>
+          <p:nvSpPr>
+            <p:cNvPr id="278" name="Square"/>
+            <p:cNvSpPr/>
+            <p:nvPr/>
+          </p:nvSpPr>
+          <p:spPr>
+            <a:xfrm>
+              <a:off x="0" y="219666"/>
+              <a:ext cx="449667" cy="449668"/>
+            </a:xfrm>
+            <a:prstGeom prst="rect">
+              <a:avLst/>
+            </a:prstGeom>
+            <a:solidFill>
+              <a:srgbClr val="00C853"/>
+            </a:solidFill>
+            <a:ln w="12700" cap="flat">
+              <a:noFill/>
+              <a:miter lim="400000"/>
+            </a:ln>
+            <a:effectLst/>
+          </p:spPr>
+          <p:txBody>
+            <a:bodyPr wrap="square" lIns="50800" tIns="50800" rIns="50800" bIns="50800" numCol="1" anchor="ctr">
+              <a:noAutofit/>
+            </a:bodyPr>
+            <a:lstStyle/>
+            <a:p>
+              <a:pPr algn="ctr">
+                <a:lnSpc>
+                  <a:spcPct val="80000"/>
+                </a:lnSpc>
+                <a:spcBef>
+                  <a:spcPts val="0"/>
+                </a:spcBef>
+                <a:defRPr cap="all" sz="4000">
+                  <a:solidFill>
+                    <a:srgbClr val="FFFFFF"/>
+                  </a:solidFill>
+                  <a:latin typeface="+mn-lt"/>
+                  <a:ea typeface="+mn-ea"/>
+                  <a:cs typeface="+mn-cs"/>
+                  <a:sym typeface="DIN Condensed Bold"/>
+                </a:defRPr>
+              </a:pPr>
+            </a:p>
+          </p:txBody>
+        </p:sp>
+        <p:sp>
+          <p:nvSpPr>
+            <p:cNvPr id="279" name="Hard to find a job"/>
             <p:cNvSpPr/>
             <p:nvPr/>
           </p:nvSpPr>
@@ -12329,7 +12540,7 @@
       </p:grpSp>
       <p:pic>
         <p:nvPicPr>
-          <p:cNvPr id="278" name="dislike.png" descr="dislike.png"/>
+          <p:cNvPr id="281" name="dislike.png" descr="dislike.png"/>
           <p:cNvPicPr>
             <a:picLocks noChangeAspect="1"/>
           </p:cNvPicPr>
@@ -12409,7 +12620,7 @@
                                       <p:cBhvr>
                                         <p:cTn id="6" fill="hold"/>
                                         <p:tgtEl>
-                                          <p:spTgt spid="268"/>
+                                          <p:spTgt spid="271"/>
                                         </p:tgtEl>
                                         <p:attrNameLst>
                                           <p:attrName>style.visibility</p:attrName>
@@ -12423,7 +12634,7 @@
                                       <p:cBhvr>
                                         <p:cTn id="7" dur="800" fill="hold"/>
                                         <p:tgtEl>
-                                          <p:spTgt spid="268"/>
+                                          <p:spTgt spid="271"/>
                                         </p:tgtEl>
                                         <p:attrNameLst>
                                           <p:attrName>ppt_x</p:attrName>
@@ -12446,7 +12657,7 @@
                                       <p:cBhvr>
                                         <p:cTn id="8" dur="800" fill="hold"/>
                                         <p:tgtEl>
-                                          <p:spTgt spid="268"/>
+                                          <p:spTgt spid="271"/>
                                         </p:tgtEl>
                                         <p:attrNameLst>
                                           <p:attrName>ppt_y</p:attrName>
@@ -12499,7 +12710,7 @@
                                       <p:cBhvr>
                                         <p:cTn id="12" fill="hold"/>
                                         <p:tgtEl>
-                                          <p:spTgt spid="271"/>
+                                          <p:spTgt spid="274"/>
                                         </p:tgtEl>
                                         <p:attrNameLst>
                                           <p:attrName>style.visibility</p:attrName>
@@ -12513,7 +12724,7 @@
                                       <p:cBhvr>
                                         <p:cTn id="13" dur="800" fill="hold"/>
                                         <p:tgtEl>
-                                          <p:spTgt spid="271"/>
+                                          <p:spTgt spid="274"/>
                                         </p:tgtEl>
                                         <p:attrNameLst>
                                           <p:attrName>ppt_x</p:attrName>
@@ -12536,7 +12747,7 @@
                                       <p:cBhvr>
                                         <p:cTn id="14" dur="800" fill="hold"/>
                                         <p:tgtEl>
-                                          <p:spTgt spid="271"/>
+                                          <p:spTgt spid="274"/>
                                         </p:tgtEl>
                                         <p:attrNameLst>
                                           <p:attrName>ppt_y</p:attrName>
@@ -12589,7 +12800,7 @@
                                       <p:cBhvr>
                                         <p:cTn id="18" fill="hold"/>
                                         <p:tgtEl>
-                                          <p:spTgt spid="274"/>
+                                          <p:spTgt spid="277"/>
                                         </p:tgtEl>
                                         <p:attrNameLst>
                                           <p:attrName>style.visibility</p:attrName>
@@ -12603,7 +12814,7 @@
                                       <p:cBhvr>
                                         <p:cTn id="19" dur="800" fill="hold"/>
                                         <p:tgtEl>
-                                          <p:spTgt spid="274"/>
+                                          <p:spTgt spid="277"/>
                                         </p:tgtEl>
                                         <p:attrNameLst>
                                           <p:attrName>ppt_x</p:attrName>
@@ -12626,7 +12837,7 @@
                                       <p:cBhvr>
                                         <p:cTn id="20" dur="800" fill="hold"/>
                                         <p:tgtEl>
-                                          <p:spTgt spid="274"/>
+                                          <p:spTgt spid="277"/>
                                         </p:tgtEl>
                                         <p:attrNameLst>
                                           <p:attrName>ppt_y</p:attrName>
@@ -12679,7 +12890,7 @@
                                       <p:cBhvr>
                                         <p:cTn id="24" fill="hold"/>
                                         <p:tgtEl>
-                                          <p:spTgt spid="277"/>
+                                          <p:spTgt spid="280"/>
                                         </p:tgtEl>
                                         <p:attrNameLst>
                                           <p:attrName>style.visibility</p:attrName>
@@ -12693,7 +12904,7 @@
                                       <p:cBhvr>
                                         <p:cTn id="25" dur="800" fill="hold"/>
                                         <p:tgtEl>
-                                          <p:spTgt spid="277"/>
+                                          <p:spTgt spid="280"/>
                                         </p:tgtEl>
                                         <p:attrNameLst>
                                           <p:attrName>ppt_x</p:attrName>
@@ -12716,7 +12927,7 @@
                                       <p:cBhvr>
                                         <p:cTn id="26" dur="800" fill="hold"/>
                                         <p:tgtEl>
-                                          <p:spTgt spid="277"/>
+                                          <p:spTgt spid="280"/>
                                         </p:tgtEl>
                                         <p:attrNameLst>
                                           <p:attrName>ppt_y</p:attrName>
@@ -12766,10 +12977,10 @@
       </p:par>
     </p:tnLst>
     <p:bldLst>
-      <p:bldP build="whole" bldLvl="1" animBg="1" rev="0" advAuto="0" spid="274" grpId="3"/>
-      <p:bldP build="whole" bldLvl="1" animBg="1" rev="0" advAuto="0" spid="268" grpId="1"/>
-      <p:bldP build="whole" bldLvl="1" animBg="1" rev="0" advAuto="0" spid="271" grpId="2"/>
-      <p:bldP build="whole" bldLvl="1" animBg="1" rev="0" advAuto="0" spid="277" grpId="4"/>
+      <p:bldP build="whole" bldLvl="1" animBg="1" rev="0" advAuto="0" spid="280" grpId="4"/>
+      <p:bldP build="whole" bldLvl="1" animBg="1" rev="0" advAuto="0" spid="274" grpId="2"/>
+      <p:bldP build="whole" bldLvl="1" animBg="1" rev="0" advAuto="0" spid="277" grpId="3"/>
+      <p:bldP build="whole" bldLvl="1" animBg="1" rev="0" advAuto="0" spid="271" grpId="1"/>
     </p:bldLst>
   </p:timing>
 </p:sld>
@@ -12801,7 +13012,7 @@
       </p:grpSpPr>
       <p:sp>
         <p:nvSpPr>
-          <p:cNvPr id="280" name="dos"/>
+          <p:cNvPr id="283" name="dos"/>
           <p:cNvSpPr txBox="1"/>
           <p:nvPr>
             <p:ph type="title"/>
@@ -12833,7 +13044,7 @@
       </p:sp>
       <p:grpSp>
         <p:nvGrpSpPr>
-          <p:cNvPr id="283" name="Group"/>
+          <p:cNvPr id="286" name="Group"/>
           <p:cNvGrpSpPr/>
           <p:nvPr/>
         </p:nvGrpSpPr>
@@ -12841,123 +13052,6 @@
           <a:xfrm>
             <a:off x="1270000" y="4098698"/>
             <a:ext cx="2260045" cy="1494835"/>
-            <a:chOff x="0" y="219666"/>
-            <a:chExt cx="2260044" cy="1494833"/>
-          </a:xfrm>
-        </p:grpSpPr>
-        <p:sp>
-          <p:nvSpPr>
-            <p:cNvPr id="281" name="Square"/>
-            <p:cNvSpPr/>
-            <p:nvPr/>
-          </p:nvSpPr>
-          <p:spPr>
-            <a:xfrm>
-              <a:off x="0" y="219666"/>
-              <a:ext cx="449667" cy="449668"/>
-            </a:xfrm>
-            <a:prstGeom prst="rect">
-              <a:avLst/>
-            </a:prstGeom>
-            <a:solidFill>
-              <a:srgbClr val="00C853"/>
-            </a:solidFill>
-            <a:ln w="12700" cap="flat">
-              <a:noFill/>
-              <a:miter lim="400000"/>
-            </a:ln>
-            <a:effectLst/>
-          </p:spPr>
-          <p:txBody>
-            <a:bodyPr wrap="square" lIns="50800" tIns="50800" rIns="50800" bIns="50800" numCol="1" anchor="ctr">
-              <a:noAutofit/>
-            </a:bodyPr>
-            <a:lstStyle/>
-            <a:p>
-              <a:pPr algn="ctr">
-                <a:lnSpc>
-                  <a:spcPct val="80000"/>
-                </a:lnSpc>
-                <a:spcBef>
-                  <a:spcPts val="0"/>
-                </a:spcBef>
-                <a:defRPr cap="all" sz="4000">
-                  <a:solidFill>
-                    <a:srgbClr val="FFFFFF"/>
-                  </a:solidFill>
-                  <a:latin typeface="+mn-lt"/>
-                  <a:ea typeface="+mn-ea"/>
-                  <a:cs typeface="+mn-cs"/>
-                  <a:sym typeface="DIN Condensed Bold"/>
-                </a:defRPr>
-              </a:pPr>
-            </a:p>
-          </p:txBody>
-        </p:sp>
-        <p:sp>
-          <p:nvSpPr>
-            <p:cNvPr id="282" name="Change your mindset"/>
-            <p:cNvSpPr/>
-            <p:nvPr/>
-          </p:nvSpPr>
-          <p:spPr>
-            <a:xfrm>
-              <a:off x="990044" y="444499"/>
-              <a:ext cx="1270001" cy="1270001"/>
-            </a:xfrm>
-            <a:prstGeom prst="line">
-              <a:avLst/>
-            </a:prstGeom>
-            <a:noFill/>
-            <a:ln w="12700" cap="flat">
-              <a:noFill/>
-              <a:miter lim="400000"/>
-            </a:ln>
-            <a:effectLst/>
-            <a:extLst>
-              <a:ext uri="{C572A759-6A51-4108-AA02-DFA0A04FC94B}">
-                <ma14:wrappingTextBoxFlag xmlns:ma14="http://schemas.microsoft.com/office/mac/drawingml/2011/main" val="1"/>
-              </a:ext>
-            </a:extLst>
-          </p:spPr>
-          <p:txBody>
-            <a:bodyPr wrap="none" lIns="50800" tIns="50800" rIns="50800" bIns="50800" numCol="1" anchor="ctr">
-              <a:spAutoFit/>
-            </a:bodyPr>
-            <a:lstStyle/>
-            <a:p>
-              <a:pPr>
-                <a:defRPr spc="-200" sz="4000">
-                  <a:solidFill>
-                    <a:srgbClr val="FFFFFF"/>
-                  </a:solidFill>
-                  <a:latin typeface="Meslo LG L DZ Regular for Powerline"/>
-                  <a:ea typeface="Meslo LG L DZ Regular for Powerline"/>
-                  <a:cs typeface="Meslo LG L DZ Regular for Powerline"/>
-                  <a:sym typeface="Meslo LG L DZ Regular for Powerline"/>
-                </a:defRPr>
-              </a:pPr>
-              <a:r>
-                <a:t>Change your </a:t>
-              </a:r>
-              <a:r>
-                <a:rPr b="1"/>
-                <a:t>mindset</a:t>
-              </a:r>
-            </a:p>
-          </p:txBody>
-        </p:sp>
-      </p:grpSp>
-      <p:grpSp>
-        <p:nvGrpSpPr>
-          <p:cNvPr id="286" name="Group"/>
-          <p:cNvGrpSpPr/>
-          <p:nvPr/>
-        </p:nvGrpSpPr>
-        <p:grpSpPr>
-          <a:xfrm>
-            <a:off x="1270000" y="5144557"/>
-            <a:ext cx="2260045" cy="1494834"/>
             <a:chOff x="0" y="219666"/>
             <a:chExt cx="2260044" cy="1494833"/>
           </a:xfrm>
@@ -13013,7 +13107,7 @@
         </p:sp>
         <p:sp>
           <p:nvSpPr>
-            <p:cNvPr id="285" name="Focus on concepts"/>
+            <p:cNvPr id="285" name="Change your mindset"/>
             <p:cNvSpPr/>
             <p:nvPr/>
           </p:nvSpPr>
@@ -13055,11 +13149,11 @@
                 </a:defRPr>
               </a:pPr>
               <a:r>
-                <a:t>Focus on </a:t>
+                <a:t>Change your </a:t>
               </a:r>
               <a:r>
                 <a:rPr b="1"/>
-                <a:t>concepts</a:t>
+                <a:t>mindset</a:t>
               </a:r>
             </a:p>
           </p:txBody>
@@ -13073,8 +13167,8 @@
         </p:nvGrpSpPr>
         <p:grpSpPr>
           <a:xfrm>
-            <a:off x="1270000" y="6190415"/>
-            <a:ext cx="2260045" cy="1494835"/>
+            <a:off x="1270000" y="5144557"/>
+            <a:ext cx="2260045" cy="1494834"/>
             <a:chOff x="0" y="219666"/>
             <a:chExt cx="2260044" cy="1494833"/>
           </a:xfrm>
@@ -13130,7 +13224,7 @@
         </p:sp>
         <p:sp>
           <p:nvSpPr>
-            <p:cNvPr id="288" name="Don’t use the language for everything"/>
+            <p:cNvPr id="288" name="Focus on concepts"/>
             <p:cNvSpPr/>
             <p:nvPr/>
           </p:nvSpPr>
@@ -13172,11 +13266,11 @@
                 </a:defRPr>
               </a:pPr>
               <a:r>
-                <a:t>Don’t use the language for </a:t>
+                <a:t>Focus on </a:t>
               </a:r>
               <a:r>
                 <a:rPr b="1"/>
-                <a:t>everything</a:t>
+                <a:t>concepts</a:t>
               </a:r>
             </a:p>
           </p:txBody>
@@ -13190,8 +13284,8 @@
         </p:nvGrpSpPr>
         <p:grpSpPr>
           <a:xfrm>
-            <a:off x="1270000" y="7236274"/>
-            <a:ext cx="2260045" cy="1494834"/>
+            <a:off x="1270000" y="6190415"/>
+            <a:ext cx="2260045" cy="1494835"/>
             <a:chOff x="0" y="219666"/>
             <a:chExt cx="2260044" cy="1494833"/>
           </a:xfrm>
@@ -13247,7 +13341,124 @@
         </p:sp>
         <p:sp>
           <p:nvSpPr>
-            <p:cNvPr id="291" name="Get used to magicless code"/>
+            <p:cNvPr id="291" name="Don’t use the language for everything"/>
+            <p:cNvSpPr/>
+            <p:nvPr/>
+          </p:nvSpPr>
+          <p:spPr>
+            <a:xfrm>
+              <a:off x="990044" y="444499"/>
+              <a:ext cx="1270001" cy="1270001"/>
+            </a:xfrm>
+            <a:prstGeom prst="line">
+              <a:avLst/>
+            </a:prstGeom>
+            <a:noFill/>
+            <a:ln w="12700" cap="flat">
+              <a:noFill/>
+              <a:miter lim="400000"/>
+            </a:ln>
+            <a:effectLst/>
+            <a:extLst>
+              <a:ext uri="{C572A759-6A51-4108-AA02-DFA0A04FC94B}">
+                <ma14:wrappingTextBoxFlag xmlns:ma14="http://schemas.microsoft.com/office/mac/drawingml/2011/main" val="1"/>
+              </a:ext>
+            </a:extLst>
+          </p:spPr>
+          <p:txBody>
+            <a:bodyPr wrap="none" lIns="50800" tIns="50800" rIns="50800" bIns="50800" numCol="1" anchor="ctr">
+              <a:spAutoFit/>
+            </a:bodyPr>
+            <a:lstStyle/>
+            <a:p>
+              <a:pPr>
+                <a:defRPr spc="-200" sz="4000">
+                  <a:solidFill>
+                    <a:srgbClr val="FFFFFF"/>
+                  </a:solidFill>
+                  <a:latin typeface="Meslo LG L DZ Regular for Powerline"/>
+                  <a:ea typeface="Meslo LG L DZ Regular for Powerline"/>
+                  <a:cs typeface="Meslo LG L DZ Regular for Powerline"/>
+                  <a:sym typeface="Meslo LG L DZ Regular for Powerline"/>
+                </a:defRPr>
+              </a:pPr>
+              <a:r>
+                <a:t>Don’t use the language for </a:t>
+              </a:r>
+              <a:r>
+                <a:rPr b="1"/>
+                <a:t>everything</a:t>
+              </a:r>
+            </a:p>
+          </p:txBody>
+        </p:sp>
+      </p:grpSp>
+      <p:grpSp>
+        <p:nvGrpSpPr>
+          <p:cNvPr id="295" name="Group"/>
+          <p:cNvGrpSpPr/>
+          <p:nvPr/>
+        </p:nvGrpSpPr>
+        <p:grpSpPr>
+          <a:xfrm>
+            <a:off x="1270000" y="7236273"/>
+            <a:ext cx="2260045" cy="1494835"/>
+            <a:chOff x="0" y="219666"/>
+            <a:chExt cx="2260044" cy="1494833"/>
+          </a:xfrm>
+        </p:grpSpPr>
+        <p:sp>
+          <p:nvSpPr>
+            <p:cNvPr id="293" name="Square"/>
+            <p:cNvSpPr/>
+            <p:nvPr/>
+          </p:nvSpPr>
+          <p:spPr>
+            <a:xfrm>
+              <a:off x="0" y="219666"/>
+              <a:ext cx="449667" cy="449668"/>
+            </a:xfrm>
+            <a:prstGeom prst="rect">
+              <a:avLst/>
+            </a:prstGeom>
+            <a:solidFill>
+              <a:srgbClr val="00C853"/>
+            </a:solidFill>
+            <a:ln w="12700" cap="flat">
+              <a:noFill/>
+              <a:miter lim="400000"/>
+            </a:ln>
+            <a:effectLst/>
+          </p:spPr>
+          <p:txBody>
+            <a:bodyPr wrap="square" lIns="50800" tIns="50800" rIns="50800" bIns="50800" numCol="1" anchor="ctr">
+              <a:noAutofit/>
+            </a:bodyPr>
+            <a:lstStyle/>
+            <a:p>
+              <a:pPr algn="ctr">
+                <a:lnSpc>
+                  <a:spcPct val="80000"/>
+                </a:lnSpc>
+                <a:spcBef>
+                  <a:spcPts val="0"/>
+                </a:spcBef>
+                <a:defRPr cap="all" sz="4000">
+                  <a:solidFill>
+                    <a:srgbClr val="FFFFFF"/>
+                  </a:solidFill>
+                  <a:latin typeface="+mn-lt"/>
+                  <a:ea typeface="+mn-ea"/>
+                  <a:cs typeface="+mn-cs"/>
+                  <a:sym typeface="DIN Condensed Bold"/>
+                </a:defRPr>
+              </a:pPr>
+            </a:p>
+          </p:txBody>
+        </p:sp>
+        <p:sp>
+          <p:nvSpPr>
+            <p:cNvPr id="294" name="Get used to magicless code"/>
             <p:cNvSpPr/>
             <p:nvPr/>
           </p:nvSpPr>
@@ -13304,7 +13515,7 @@
       </p:grpSp>
       <p:pic>
         <p:nvPicPr>
-          <p:cNvPr id="293" name="thumb-up.png" descr="thumb-up.png"/>
+          <p:cNvPr id="296" name="thumb-up.png" descr="thumb-up.png"/>
           <p:cNvPicPr>
             <a:picLocks noChangeAspect="1"/>
           </p:cNvPicPr>
@@ -13384,7 +13595,7 @@
                                       <p:cBhvr>
                                         <p:cTn id="6" fill="hold"/>
                                         <p:tgtEl>
-                                          <p:spTgt spid="283"/>
+                                          <p:spTgt spid="286"/>
                                         </p:tgtEl>
                                         <p:attrNameLst>
                                           <p:attrName>style.visibility</p:attrName>
@@ -13398,7 +13609,7 @@
                                       <p:cBhvr>
                                         <p:cTn id="7" dur="800" fill="hold"/>
                                         <p:tgtEl>
-                                          <p:spTgt spid="283"/>
+                                          <p:spTgt spid="286"/>
                                         </p:tgtEl>
                                         <p:attrNameLst>
                                           <p:attrName>ppt_x</p:attrName>
@@ -13421,7 +13632,7 @@
                                       <p:cBhvr>
                                         <p:cTn id="8" dur="800" fill="hold"/>
                                         <p:tgtEl>
-                                          <p:spTgt spid="283"/>
+                                          <p:spTgt spid="286"/>
                                         </p:tgtEl>
                                         <p:attrNameLst>
                                           <p:attrName>ppt_y</p:attrName>
@@ -13474,7 +13685,7 @@
                                       <p:cBhvr>
                                         <p:cTn id="12" fill="hold"/>
                                         <p:tgtEl>
-                                          <p:spTgt spid="286"/>
+                                          <p:spTgt spid="289"/>
                                         </p:tgtEl>
                                         <p:attrNameLst>
                                           <p:attrName>style.visibility</p:attrName>
@@ -13488,7 +13699,7 @@
                                       <p:cBhvr>
                                         <p:cTn id="13" dur="800" fill="hold"/>
                                         <p:tgtEl>
-                                          <p:spTgt spid="286"/>
+                                          <p:spTgt spid="289"/>
                                         </p:tgtEl>
                                         <p:attrNameLst>
                                           <p:attrName>ppt_x</p:attrName>
@@ -13511,7 +13722,7 @@
                                       <p:cBhvr>
                                         <p:cTn id="14" dur="800" fill="hold"/>
                                         <p:tgtEl>
-                                          <p:spTgt spid="286"/>
+                                          <p:spTgt spid="289"/>
                                         </p:tgtEl>
                                         <p:attrNameLst>
                                           <p:attrName>ppt_y</p:attrName>
@@ -13564,7 +13775,7 @@
                                       <p:cBhvr>
                                         <p:cTn id="18" fill="hold"/>
                                         <p:tgtEl>
-                                          <p:spTgt spid="289"/>
+                                          <p:spTgt spid="292"/>
                                         </p:tgtEl>
                                         <p:attrNameLst>
                                           <p:attrName>style.visibility</p:attrName>
@@ -13578,7 +13789,7 @@
                                       <p:cBhvr>
                                         <p:cTn id="19" dur="800" fill="hold"/>
                                         <p:tgtEl>
-                                          <p:spTgt spid="289"/>
+                                          <p:spTgt spid="292"/>
                                         </p:tgtEl>
                                         <p:attrNameLst>
                                           <p:attrName>ppt_x</p:attrName>
@@ -13601,7 +13812,7 @@
                                       <p:cBhvr>
                                         <p:cTn id="20" dur="800" fill="hold"/>
                                         <p:tgtEl>
-                                          <p:spTgt spid="289"/>
+                                          <p:spTgt spid="292"/>
                                         </p:tgtEl>
                                         <p:attrNameLst>
                                           <p:attrName>ppt_y</p:attrName>
@@ -13654,7 +13865,7 @@
                                       <p:cBhvr>
                                         <p:cTn id="24" fill="hold"/>
                                         <p:tgtEl>
-                                          <p:spTgt spid="292"/>
+                                          <p:spTgt spid="295"/>
                                         </p:tgtEl>
                                         <p:attrNameLst>
                                           <p:attrName>style.visibility</p:attrName>
@@ -13668,7 +13879,7 @@
                                       <p:cBhvr>
                                         <p:cTn id="25" dur="800" fill="hold"/>
                                         <p:tgtEl>
-                                          <p:spTgt spid="292"/>
+                                          <p:spTgt spid="295"/>
                                         </p:tgtEl>
                                         <p:attrNameLst>
                                           <p:attrName>ppt_x</p:attrName>
@@ -13691,7 +13902,7 @@
                                       <p:cBhvr>
                                         <p:cTn id="26" dur="800" fill="hold"/>
                                         <p:tgtEl>
-                                          <p:spTgt spid="292"/>
+                                          <p:spTgt spid="295"/>
                                         </p:tgtEl>
                                         <p:attrNameLst>
                                           <p:attrName>ppt_y</p:attrName>
@@ -13741,10 +13952,10 @@
       </p:par>
     </p:tnLst>
     <p:bldLst>
-      <p:bldP build="whole" bldLvl="1" animBg="1" rev="0" advAuto="0" spid="289" grpId="3"/>
-      <p:bldP build="whole" bldLvl="1" animBg="1" rev="0" advAuto="0" spid="292" grpId="4"/>
-      <p:bldP build="whole" bldLvl="1" animBg="1" rev="0" advAuto="0" spid="283" grpId="1"/>
-      <p:bldP build="whole" bldLvl="1" animBg="1" rev="0" advAuto="0" spid="286" grpId="2"/>
+      <p:bldP build="whole" bldLvl="1" animBg="1" rev="0" advAuto="0" spid="295" grpId="4"/>
+      <p:bldP build="whole" bldLvl="1" animBg="1" rev="0" advAuto="0" spid="286" grpId="1"/>
+      <p:bldP build="whole" bldLvl="1" animBg="1" rev="0" advAuto="0" spid="292" grpId="3"/>
+      <p:bldP build="whole" bldLvl="1" animBg="1" rev="0" advAuto="0" spid="289" grpId="2"/>
     </p:bldLst>
   </p:timing>
 </p:sld>

--- a/My Journey from JS to Go.pptx
+++ b/My Journey from JS to Go.pptx
@@ -17,7 +17,6 @@
     <p:sldId id="262" r:id="rId14"/>
     <p:sldId id="263" r:id="rId15"/>
     <p:sldId id="264" r:id="rId16"/>
-    <p:sldId id="265" r:id="rId17"/>
   </p:sldIdLst>
   <p:sldSz cx="24384000" cy="13716000"/>
   <p:notesSz cx="6858000" cy="9144000"/>
@@ -5355,773 +5354,9 @@
       </p:par>
     </p:tnLst>
     <p:bldLst>
-      <p:bldP build="whole" bldLvl="1" animBg="1" rev="0" advAuto="0" spid="169" grpId="1"/>
       <p:bldP build="whole" bldLvl="1" animBg="1" rev="0" advAuto="0" spid="172" grpId="2"/>
       <p:bldP build="whole" bldLvl="1" animBg="1" rev="0" advAuto="0" spid="176" grpId="3"/>
-    </p:bldLst>
-  </p:timing>
-</p:sld>
-</file>
-
-<file path=ppt/slides/slide10.xml><?xml version="1.0" encoding="utf-8"?>
-<p:sld xmlns:a="http://schemas.openxmlformats.org/drawingml/2006/main" xmlns:r="http://schemas.openxmlformats.org/officeDocument/2006/relationships" xmlns:p="http://schemas.openxmlformats.org/presentationml/2006/main" xmlns:m="http://schemas.openxmlformats.org/officeDocument/2006/math" xmlns:a14="http://schemas.microsoft.com/office/drawing/2010/main" showMasterSp="1" showMasterPhAnim="1">
-  <p:cSld>
-    <p:bg>
-      <p:bgPr>
-        <a:solidFill>
-          <a:srgbClr val="0F0F0F"/>
-        </a:solidFill>
-      </p:bgPr>
-    </p:bg>
-    <p:spTree>
-      <p:nvGrpSpPr>
-        <p:cNvPr id="1" name=""/>
-        <p:cNvGrpSpPr/>
-        <p:nvPr/>
-      </p:nvGrpSpPr>
-      <p:grpSpPr>
-        <a:xfrm>
-          <a:off x="0" y="0"/>
-          <a:ext cx="0" cy="0"/>
-          <a:chOff x="0" y="0"/>
-          <a:chExt cx="0" cy="0"/>
-        </a:xfrm>
-      </p:grpSpPr>
-      <p:sp>
-        <p:nvSpPr>
-          <p:cNvPr id="298" name="Don’ts"/>
-          <p:cNvSpPr txBox="1"/>
-          <p:nvPr>
-            <p:ph type="title"/>
-          </p:nvPr>
-        </p:nvSpPr>
-        <p:spPr>
-          <a:xfrm>
-            <a:off x="5428561" y="1270000"/>
-            <a:ext cx="13526878" cy="1840721"/>
-          </a:xfrm>
-          <a:prstGeom prst="rect">
-            <a:avLst/>
-          </a:prstGeom>
-        </p:spPr>
-        <p:txBody>
-          <a:bodyPr/>
-          <a:lstStyle>
-            <a:lvl1pPr algn="ctr">
-              <a:defRPr sz="9000"/>
-            </a:lvl1pPr>
-          </a:lstStyle>
-          <a:p>
-            <a:pPr/>
-            <a:r>
-              <a:t>Don’ts</a:t>
-            </a:r>
-          </a:p>
-        </p:txBody>
-      </p:sp>
-      <p:grpSp>
-        <p:nvGrpSpPr>
-          <p:cNvPr id="301" name="Group"/>
-          <p:cNvGrpSpPr/>
-          <p:nvPr/>
-        </p:nvGrpSpPr>
-        <p:grpSpPr>
-          <a:xfrm>
-            <a:off x="1270000" y="4098698"/>
-            <a:ext cx="2260045" cy="1494835"/>
-            <a:chOff x="0" y="219666"/>
-            <a:chExt cx="2260044" cy="1494833"/>
-          </a:xfrm>
-        </p:grpSpPr>
-        <p:sp>
-          <p:nvSpPr>
-            <p:cNvPr id="299" name="Square"/>
-            <p:cNvSpPr/>
-            <p:nvPr/>
-          </p:nvSpPr>
-          <p:spPr>
-            <a:xfrm>
-              <a:off x="0" y="219666"/>
-              <a:ext cx="449667" cy="449668"/>
-            </a:xfrm>
-            <a:prstGeom prst="rect">
-              <a:avLst/>
-            </a:prstGeom>
-            <a:solidFill>
-              <a:srgbClr val="00C853"/>
-            </a:solidFill>
-            <a:ln w="12700" cap="flat">
-              <a:noFill/>
-              <a:miter lim="400000"/>
-            </a:ln>
-            <a:effectLst/>
-          </p:spPr>
-          <p:txBody>
-            <a:bodyPr wrap="square" lIns="50800" tIns="50800" rIns="50800" bIns="50800" numCol="1" anchor="ctr">
-              <a:noAutofit/>
-            </a:bodyPr>
-            <a:lstStyle/>
-            <a:p>
-              <a:pPr algn="ctr">
-                <a:lnSpc>
-                  <a:spcPct val="80000"/>
-                </a:lnSpc>
-                <a:spcBef>
-                  <a:spcPts val="0"/>
-                </a:spcBef>
-                <a:defRPr cap="all" sz="4000">
-                  <a:solidFill>
-                    <a:srgbClr val="FFFFFF"/>
-                  </a:solidFill>
-                  <a:latin typeface="+mn-lt"/>
-                  <a:ea typeface="+mn-ea"/>
-                  <a:cs typeface="+mn-cs"/>
-                  <a:sym typeface="DIN Condensed Bold"/>
-                </a:defRPr>
-              </a:pPr>
-            </a:p>
-          </p:txBody>
-        </p:sp>
-        <p:sp>
-          <p:nvSpPr>
-            <p:cNvPr id="300" name="Don’t focus on frameworks"/>
-            <p:cNvSpPr/>
-            <p:nvPr/>
-          </p:nvSpPr>
-          <p:spPr>
-            <a:xfrm>
-              <a:off x="990044" y="444499"/>
-              <a:ext cx="1270001" cy="1270001"/>
-            </a:xfrm>
-            <a:prstGeom prst="line">
-              <a:avLst/>
-            </a:prstGeom>
-            <a:noFill/>
-            <a:ln w="12700" cap="flat">
-              <a:noFill/>
-              <a:miter lim="400000"/>
-            </a:ln>
-            <a:effectLst/>
-            <a:extLst>
-              <a:ext uri="{C572A759-6A51-4108-AA02-DFA0A04FC94B}">
-                <ma14:wrappingTextBoxFlag xmlns:ma14="http://schemas.microsoft.com/office/mac/drawingml/2011/main" val="1"/>
-              </a:ext>
-            </a:extLst>
-          </p:spPr>
-          <p:txBody>
-            <a:bodyPr wrap="none" lIns="50800" tIns="50800" rIns="50800" bIns="50800" numCol="1" anchor="ctr">
-              <a:spAutoFit/>
-            </a:bodyPr>
-            <a:lstStyle/>
-            <a:p>
-              <a:pPr>
-                <a:defRPr spc="-200" sz="4000">
-                  <a:solidFill>
-                    <a:srgbClr val="FFFFFF"/>
-                  </a:solidFill>
-                  <a:latin typeface="Meslo LG L DZ Regular for Powerline"/>
-                  <a:ea typeface="Meslo LG L DZ Regular for Powerline"/>
-                  <a:cs typeface="Meslo LG L DZ Regular for Powerline"/>
-                  <a:sym typeface="Meslo LG L DZ Regular for Powerline"/>
-                </a:defRPr>
-              </a:pPr>
-              <a:r>
-                <a:t>Don’t focus on </a:t>
-              </a:r>
-              <a:r>
-                <a:rPr b="1"/>
-                <a:t>frameworks</a:t>
-              </a:r>
-            </a:p>
-          </p:txBody>
-        </p:sp>
-      </p:grpSp>
-      <p:grpSp>
-        <p:nvGrpSpPr>
-          <p:cNvPr id="304" name="Group"/>
-          <p:cNvGrpSpPr/>
-          <p:nvPr/>
-        </p:nvGrpSpPr>
-        <p:grpSpPr>
-          <a:xfrm>
-            <a:off x="1270000" y="5097457"/>
-            <a:ext cx="2260045" cy="1494835"/>
-            <a:chOff x="0" y="219666"/>
-            <a:chExt cx="2260044" cy="1494833"/>
-          </a:xfrm>
-        </p:grpSpPr>
-        <p:sp>
-          <p:nvSpPr>
-            <p:cNvPr id="302" name="Square"/>
-            <p:cNvSpPr/>
-            <p:nvPr/>
-          </p:nvSpPr>
-          <p:spPr>
-            <a:xfrm>
-              <a:off x="0" y="219666"/>
-              <a:ext cx="449667" cy="449668"/>
-            </a:xfrm>
-            <a:prstGeom prst="rect">
-              <a:avLst/>
-            </a:prstGeom>
-            <a:solidFill>
-              <a:srgbClr val="00C853"/>
-            </a:solidFill>
-            <a:ln w="12700" cap="flat">
-              <a:noFill/>
-              <a:miter lim="400000"/>
-            </a:ln>
-            <a:effectLst/>
-          </p:spPr>
-          <p:txBody>
-            <a:bodyPr wrap="square" lIns="50800" tIns="50800" rIns="50800" bIns="50800" numCol="1" anchor="ctr">
-              <a:noAutofit/>
-            </a:bodyPr>
-            <a:lstStyle/>
-            <a:p>
-              <a:pPr algn="ctr">
-                <a:lnSpc>
-                  <a:spcPct val="80000"/>
-                </a:lnSpc>
-                <a:spcBef>
-                  <a:spcPts val="0"/>
-                </a:spcBef>
-                <a:defRPr cap="all" sz="4000">
-                  <a:solidFill>
-                    <a:srgbClr val="FFFFFF"/>
-                  </a:solidFill>
-                  <a:latin typeface="+mn-lt"/>
-                  <a:ea typeface="+mn-ea"/>
-                  <a:cs typeface="+mn-cs"/>
-                  <a:sym typeface="DIN Condensed Bold"/>
-                </a:defRPr>
-              </a:pPr>
-            </a:p>
-          </p:txBody>
-        </p:sp>
-        <p:sp>
-          <p:nvSpPr>
-            <p:cNvPr id="303" name="Don’t violate liberty"/>
-            <p:cNvSpPr/>
-            <p:nvPr/>
-          </p:nvSpPr>
-          <p:spPr>
-            <a:xfrm>
-              <a:off x="990044" y="444499"/>
-              <a:ext cx="1270001" cy="1270001"/>
-            </a:xfrm>
-            <a:prstGeom prst="line">
-              <a:avLst/>
-            </a:prstGeom>
-            <a:noFill/>
-            <a:ln w="12700" cap="flat">
-              <a:noFill/>
-              <a:miter lim="400000"/>
-            </a:ln>
-            <a:effectLst/>
-            <a:extLst>
-              <a:ext uri="{C572A759-6A51-4108-AA02-DFA0A04FC94B}">
-                <ma14:wrappingTextBoxFlag xmlns:ma14="http://schemas.microsoft.com/office/mac/drawingml/2011/main" val="1"/>
-              </a:ext>
-            </a:extLst>
-          </p:spPr>
-          <p:txBody>
-            <a:bodyPr wrap="none" lIns="50800" tIns="50800" rIns="50800" bIns="50800" numCol="1" anchor="ctr">
-              <a:spAutoFit/>
-            </a:bodyPr>
-            <a:lstStyle/>
-            <a:p>
-              <a:pPr>
-                <a:defRPr spc="-200" sz="4000">
-                  <a:solidFill>
-                    <a:srgbClr val="FFFFFF"/>
-                  </a:solidFill>
-                  <a:latin typeface="Meslo LG L DZ Regular for Powerline"/>
-                  <a:ea typeface="Meslo LG L DZ Regular for Powerline"/>
-                  <a:cs typeface="Meslo LG L DZ Regular for Powerline"/>
-                  <a:sym typeface="Meslo LG L DZ Regular for Powerline"/>
-                </a:defRPr>
-              </a:pPr>
-              <a:r>
-                <a:t>Don’t violate </a:t>
-              </a:r>
-              <a:r>
-                <a:rPr b="1"/>
-                <a:t>liberty</a:t>
-              </a:r>
-            </a:p>
-          </p:txBody>
-        </p:sp>
-      </p:grpSp>
-      <p:grpSp>
-        <p:nvGrpSpPr>
-          <p:cNvPr id="307" name="Group"/>
-          <p:cNvGrpSpPr/>
-          <p:nvPr/>
-        </p:nvGrpSpPr>
-        <p:grpSpPr>
-          <a:xfrm>
-            <a:off x="1270000" y="6096217"/>
-            <a:ext cx="2260045" cy="1494834"/>
-            <a:chOff x="0" y="219666"/>
-            <a:chExt cx="2260044" cy="1494833"/>
-          </a:xfrm>
-        </p:grpSpPr>
-        <p:sp>
-          <p:nvSpPr>
-            <p:cNvPr id="305" name="Square"/>
-            <p:cNvSpPr/>
-            <p:nvPr/>
-          </p:nvSpPr>
-          <p:spPr>
-            <a:xfrm>
-              <a:off x="0" y="219666"/>
-              <a:ext cx="449667" cy="449668"/>
-            </a:xfrm>
-            <a:prstGeom prst="rect">
-              <a:avLst/>
-            </a:prstGeom>
-            <a:solidFill>
-              <a:srgbClr val="00C853"/>
-            </a:solidFill>
-            <a:ln w="12700" cap="flat">
-              <a:noFill/>
-              <a:miter lim="400000"/>
-            </a:ln>
-            <a:effectLst/>
-          </p:spPr>
-          <p:txBody>
-            <a:bodyPr wrap="square" lIns="50800" tIns="50800" rIns="50800" bIns="50800" numCol="1" anchor="ctr">
-              <a:noAutofit/>
-            </a:bodyPr>
-            <a:lstStyle/>
-            <a:p>
-              <a:pPr algn="ctr">
-                <a:lnSpc>
-                  <a:spcPct val="80000"/>
-                </a:lnSpc>
-                <a:spcBef>
-                  <a:spcPts val="0"/>
-                </a:spcBef>
-                <a:defRPr cap="all" sz="4000">
-                  <a:solidFill>
-                    <a:srgbClr val="FFFFFF"/>
-                  </a:solidFill>
-                  <a:latin typeface="+mn-lt"/>
-                  <a:ea typeface="+mn-ea"/>
-                  <a:cs typeface="+mn-cs"/>
-                  <a:sym typeface="DIN Condensed Bold"/>
-                </a:defRPr>
-              </a:pPr>
-            </a:p>
-          </p:txBody>
-        </p:sp>
-        <p:sp>
-          <p:nvSpPr>
-            <p:cNvPr id="306" name="Don’t use libs &amp; frameworks for everything"/>
-            <p:cNvSpPr/>
-            <p:nvPr/>
-          </p:nvSpPr>
-          <p:spPr>
-            <a:xfrm>
-              <a:off x="990044" y="444499"/>
-              <a:ext cx="1270001" cy="1270001"/>
-            </a:xfrm>
-            <a:prstGeom prst="line">
-              <a:avLst/>
-            </a:prstGeom>
-            <a:noFill/>
-            <a:ln w="12700" cap="flat">
-              <a:noFill/>
-              <a:miter lim="400000"/>
-            </a:ln>
-            <a:effectLst/>
-            <a:extLst>
-              <a:ext uri="{C572A759-6A51-4108-AA02-DFA0A04FC94B}">
-                <ma14:wrappingTextBoxFlag xmlns:ma14="http://schemas.microsoft.com/office/mac/drawingml/2011/main" val="1"/>
-              </a:ext>
-            </a:extLst>
-          </p:spPr>
-          <p:txBody>
-            <a:bodyPr wrap="none" lIns="50800" tIns="50800" rIns="50800" bIns="50800" numCol="1" anchor="ctr">
-              <a:spAutoFit/>
-            </a:bodyPr>
-            <a:lstStyle/>
-            <a:p>
-              <a:pPr>
-                <a:defRPr spc="-200" sz="4000">
-                  <a:solidFill>
-                    <a:srgbClr val="FFFFFF"/>
-                  </a:solidFill>
-                  <a:latin typeface="Meslo LG L DZ Regular for Powerline"/>
-                  <a:ea typeface="Meslo LG L DZ Regular for Powerline"/>
-                  <a:cs typeface="Meslo LG L DZ Regular for Powerline"/>
-                  <a:sym typeface="Meslo LG L DZ Regular for Powerline"/>
-                </a:defRPr>
-              </a:pPr>
-              <a:r>
-                <a:t>Don’t use libs &amp; frameworks for </a:t>
-              </a:r>
-              <a:r>
-                <a:rPr b="1"/>
-                <a:t>everything</a:t>
-              </a:r>
-            </a:p>
-          </p:txBody>
-        </p:sp>
-      </p:grpSp>
-      <p:pic>
-        <p:nvPicPr>
-          <p:cNvPr id="308" name="thumbs-down.png" descr="thumbs-down.png"/>
-          <p:cNvPicPr>
-            <a:picLocks noChangeAspect="1"/>
-          </p:cNvPicPr>
-          <p:nvPr/>
-        </p:nvPicPr>
-        <p:blipFill>
-          <a:blip r:embed="rId2">
-            <a:extLst/>
-          </a:blip>
-          <a:stretch>
-            <a:fillRect/>
-          </a:stretch>
-        </p:blipFill>
-        <p:spPr>
-          <a:xfrm>
-            <a:off x="21206775" y="3527282"/>
-            <a:ext cx="1592501" cy="1592501"/>
-          </a:xfrm>
-          <a:prstGeom prst="rect">
-            <a:avLst/>
-          </a:prstGeom>
-          <a:ln w="12700">
-            <a:miter lim="400000"/>
-          </a:ln>
-        </p:spPr>
-      </p:pic>
-    </p:spTree>
-  </p:cSld>
-  <p:clrMapOvr>
-    <a:masterClrMapping/>
-  </p:clrMapOvr>
-  <mc:AlternateContent xmlns:mc="http://schemas.openxmlformats.org/markup-compatibility/2006">
-    <mc:Choice xmlns:p14="http://schemas.microsoft.com/office/powerpoint/2010/main" Requires="p14">
-      <p:transition spd="fast" advClick="1" p14:dur="699">
-        <p:push dir="l"/>
-      </p:transition>
-    </mc:Choice>
-    <mc:Fallback>
-      <p:transition spd="fast">
-        <p:fade/>
-      </p:transition>
-    </mc:Fallback>
-  </mc:AlternateContent>
-  <p:timing>
-    <p:tnLst>
-      <p:par>
-        <p:cTn id="1" nodeType="tmRoot" restart="never" dur="indefinite" fill="hold">
-          <p:childTnLst>
-            <p:seq concurrent="1" prevAc="none" nextAc="seek">
-              <p:cTn id="2" nodeType="mainSeq" dur="indefinite" fill="hold">
-                <p:childTnLst>
-                  <p:par>
-                    <p:cTn id="3" fill="hold">
-                      <p:stCondLst>
-                        <p:cond delay="indefinite"/>
-                        <p:cond evt="onBegin">
-                          <p:tn val="2"/>
-                        </p:cond>
-                      </p:stCondLst>
-                      <p:childTnLst>
-                        <p:par>
-                          <p:cTn id="4" fill="hold">
-                            <p:stCondLst>
-                              <p:cond delay="0"/>
-                            </p:stCondLst>
-                            <p:childTnLst>
-                              <p:par>
-                                <p:cTn id="5" presetClass="entr" nodeType="afterEffect" presetSubtype="8" presetID="2" grpId="1" fill="hold">
-                                  <p:stCondLst>
-                                    <p:cond delay="0"/>
-                                  </p:stCondLst>
-                                  <p:iterate type="el" backwards="0">
-                                    <p:tmAbs val="0"/>
-                                  </p:iterate>
-                                  <p:childTnLst>
-                                    <p:set>
-                                      <p:cBhvr>
-                                        <p:cTn id="6" fill="hold"/>
-                                        <p:tgtEl>
-                                          <p:spTgt spid="301"/>
-                                        </p:tgtEl>
-                                        <p:attrNameLst>
-                                          <p:attrName>style.visibility</p:attrName>
-                                        </p:attrNameLst>
-                                      </p:cBhvr>
-                                      <p:to>
-                                        <p:strVal val="visible"/>
-                                      </p:to>
-                                    </p:set>
-                                    <p:anim calcmode="lin" valueType="num">
-                                      <p:cBhvr>
-                                        <p:cTn id="7" dur="800" fill="hold"/>
-                                        <p:tgtEl>
-                                          <p:spTgt spid="301"/>
-                                        </p:tgtEl>
-                                        <p:attrNameLst>
-                                          <p:attrName>ppt_x</p:attrName>
-                                        </p:attrNameLst>
-                                      </p:cBhvr>
-                                      <p:tavLst>
-                                        <p:tav tm="0">
-                                          <p:val>
-                                            <p:strVal val="0-#ppt_w/2"/>
-                                          </p:val>
-                                        </p:tav>
-                                        <p:tav tm="100000">
-                                          <p:val>
-                                            <p:strVal val="#ppt_x"/>
-                                          </p:val>
-                                        </p:tav>
-                                      </p:tavLst>
-                                    </p:anim>
-                                    <p:anim calcmode="lin" valueType="num">
-                                      <p:cBhvr>
-                                        <p:cTn id="8" dur="800" fill="hold"/>
-                                        <p:tgtEl>
-                                          <p:spTgt spid="301"/>
-                                        </p:tgtEl>
-                                        <p:attrNameLst>
-                                          <p:attrName>ppt_y</p:attrName>
-                                        </p:attrNameLst>
-                                      </p:cBhvr>
-                                      <p:tavLst>
-                                        <p:tav tm="0">
-                                          <p:val>
-                                            <p:strVal val="#ppt_y"/>
-                                          </p:val>
-                                        </p:tav>
-                                        <p:tav tm="100000">
-                                          <p:val>
-                                            <p:strVal val="#ppt_y"/>
-                                          </p:val>
-                                        </p:tav>
-                                      </p:tavLst>
-                                    </p:anim>
-                                  </p:childTnLst>
-                                </p:cTn>
-                              </p:par>
-                            </p:childTnLst>
-                          </p:cTn>
-                        </p:par>
-                      </p:childTnLst>
-                    </p:cTn>
-                  </p:par>
-                  <p:par>
-                    <p:cTn id="9" fill="hold">
-                      <p:stCondLst>
-                        <p:cond delay="indefinite"/>
-                      </p:stCondLst>
-                      <p:childTnLst>
-                        <p:par>
-                          <p:cTn id="10" fill="hold">
-                            <p:stCondLst>
-                              <p:cond delay="0"/>
-                            </p:stCondLst>
-                            <p:childTnLst>
-                              <p:par>
-                                <p:cTn id="11" presetClass="entr" nodeType="clickEffect" presetSubtype="8" presetID="2" grpId="2" fill="hold">
-                                  <p:stCondLst>
-                                    <p:cond delay="0"/>
-                                  </p:stCondLst>
-                                  <p:iterate type="el" backwards="0">
-                                    <p:tmAbs val="0"/>
-                                  </p:iterate>
-                                  <p:childTnLst>
-                                    <p:set>
-                                      <p:cBhvr>
-                                        <p:cTn id="12" fill="hold"/>
-                                        <p:tgtEl>
-                                          <p:spTgt spid="304"/>
-                                        </p:tgtEl>
-                                        <p:attrNameLst>
-                                          <p:attrName>style.visibility</p:attrName>
-                                        </p:attrNameLst>
-                                      </p:cBhvr>
-                                      <p:to>
-                                        <p:strVal val="visible"/>
-                                      </p:to>
-                                    </p:set>
-                                    <p:anim calcmode="lin" valueType="num">
-                                      <p:cBhvr>
-                                        <p:cTn id="13" dur="800" fill="hold"/>
-                                        <p:tgtEl>
-                                          <p:spTgt spid="304"/>
-                                        </p:tgtEl>
-                                        <p:attrNameLst>
-                                          <p:attrName>ppt_x</p:attrName>
-                                        </p:attrNameLst>
-                                      </p:cBhvr>
-                                      <p:tavLst>
-                                        <p:tav tm="0">
-                                          <p:val>
-                                            <p:strVal val="0-#ppt_w/2"/>
-                                          </p:val>
-                                        </p:tav>
-                                        <p:tav tm="100000">
-                                          <p:val>
-                                            <p:strVal val="#ppt_x"/>
-                                          </p:val>
-                                        </p:tav>
-                                      </p:tavLst>
-                                    </p:anim>
-                                    <p:anim calcmode="lin" valueType="num">
-                                      <p:cBhvr>
-                                        <p:cTn id="14" dur="800" fill="hold"/>
-                                        <p:tgtEl>
-                                          <p:spTgt spid="304"/>
-                                        </p:tgtEl>
-                                        <p:attrNameLst>
-                                          <p:attrName>ppt_y</p:attrName>
-                                        </p:attrNameLst>
-                                      </p:cBhvr>
-                                      <p:tavLst>
-                                        <p:tav tm="0">
-                                          <p:val>
-                                            <p:strVal val="#ppt_y"/>
-                                          </p:val>
-                                        </p:tav>
-                                        <p:tav tm="100000">
-                                          <p:val>
-                                            <p:strVal val="#ppt_y"/>
-                                          </p:val>
-                                        </p:tav>
-                                      </p:tavLst>
-                                    </p:anim>
-                                  </p:childTnLst>
-                                </p:cTn>
-                              </p:par>
-                            </p:childTnLst>
-                          </p:cTn>
-                        </p:par>
-                      </p:childTnLst>
-                    </p:cTn>
-                  </p:par>
-                  <p:par>
-                    <p:cTn id="15" fill="hold">
-                      <p:stCondLst>
-                        <p:cond delay="indefinite"/>
-                      </p:stCondLst>
-                      <p:childTnLst>
-                        <p:par>
-                          <p:cTn id="16" fill="hold">
-                            <p:stCondLst>
-                              <p:cond delay="0"/>
-                            </p:stCondLst>
-                            <p:childTnLst>
-                              <p:par>
-                                <p:cTn id="17" presetClass="entr" nodeType="clickEffect" presetSubtype="8" presetID="2" grpId="3" fill="hold">
-                                  <p:stCondLst>
-                                    <p:cond delay="0"/>
-                                  </p:stCondLst>
-                                  <p:iterate type="el" backwards="0">
-                                    <p:tmAbs val="0"/>
-                                  </p:iterate>
-                                  <p:childTnLst>
-                                    <p:set>
-                                      <p:cBhvr>
-                                        <p:cTn id="18" fill="hold"/>
-                                        <p:tgtEl>
-                                          <p:spTgt spid="307"/>
-                                        </p:tgtEl>
-                                        <p:attrNameLst>
-                                          <p:attrName>style.visibility</p:attrName>
-                                        </p:attrNameLst>
-                                      </p:cBhvr>
-                                      <p:to>
-                                        <p:strVal val="visible"/>
-                                      </p:to>
-                                    </p:set>
-                                    <p:anim calcmode="lin" valueType="num">
-                                      <p:cBhvr>
-                                        <p:cTn id="19" dur="800" fill="hold"/>
-                                        <p:tgtEl>
-                                          <p:spTgt spid="307"/>
-                                        </p:tgtEl>
-                                        <p:attrNameLst>
-                                          <p:attrName>ppt_x</p:attrName>
-                                        </p:attrNameLst>
-                                      </p:cBhvr>
-                                      <p:tavLst>
-                                        <p:tav tm="0">
-                                          <p:val>
-                                            <p:strVal val="0-#ppt_w/2"/>
-                                          </p:val>
-                                        </p:tav>
-                                        <p:tav tm="100000">
-                                          <p:val>
-                                            <p:strVal val="#ppt_x"/>
-                                          </p:val>
-                                        </p:tav>
-                                      </p:tavLst>
-                                    </p:anim>
-                                    <p:anim calcmode="lin" valueType="num">
-                                      <p:cBhvr>
-                                        <p:cTn id="20" dur="800" fill="hold"/>
-                                        <p:tgtEl>
-                                          <p:spTgt spid="307"/>
-                                        </p:tgtEl>
-                                        <p:attrNameLst>
-                                          <p:attrName>ppt_y</p:attrName>
-                                        </p:attrNameLst>
-                                      </p:cBhvr>
-                                      <p:tavLst>
-                                        <p:tav tm="0">
-                                          <p:val>
-                                            <p:strVal val="#ppt_y"/>
-                                          </p:val>
-                                        </p:tav>
-                                        <p:tav tm="100000">
-                                          <p:val>
-                                            <p:strVal val="#ppt_y"/>
-                                          </p:val>
-                                        </p:tav>
-                                      </p:tavLst>
-                                    </p:anim>
-                                  </p:childTnLst>
-                                </p:cTn>
-                              </p:par>
-                            </p:childTnLst>
-                          </p:cTn>
-                        </p:par>
-                      </p:childTnLst>
-                    </p:cTn>
-                  </p:par>
-                </p:childTnLst>
-              </p:cTn>
-              <p:prevCondLst>
-                <p:cond evt="onPrev">
-                  <p:tgtEl>
-                    <p:sldTgt/>
-                  </p:tgtEl>
-                </p:cond>
-              </p:prevCondLst>
-              <p:nextCondLst>
-                <p:cond evt="onNext">
-                  <p:tgtEl>
-                    <p:sldTgt/>
-                  </p:tgtEl>
-                </p:cond>
-              </p:nextCondLst>
-            </p:seq>
-          </p:childTnLst>
-        </p:cTn>
-      </p:par>
-    </p:tnLst>
-    <p:bldLst>
-      <p:bldP build="whole" bldLvl="1" animBg="1" rev="0" advAuto="0" spid="304" grpId="2"/>
-      <p:bldP build="whole" bldLvl="1" animBg="1" rev="0" advAuto="0" spid="307" grpId="3"/>
-      <p:bldP build="whole" bldLvl="1" animBg="1" rev="0" advAuto="0" spid="301" grpId="1"/>
+      <p:bldP build="whole" bldLvl="1" animBg="1" rev="0" advAuto="0" spid="169" grpId="1"/>
     </p:bldLst>
   </p:timing>
 </p:sld>
@@ -6153,7 +5388,7 @@
       </p:grpSpPr>
       <p:sp>
         <p:nvSpPr>
-          <p:cNvPr id="178" name="First steps"/>
+          <p:cNvPr id="178" name="First impressions"/>
           <p:cNvSpPr txBox="1"/>
           <p:nvPr>
             <p:ph type="title"/>
@@ -6178,7 +5413,7 @@
           <a:p>
             <a:pPr/>
             <a:r>
-              <a:t>First steps</a:t>
+              <a:t>First impressions</a:t>
             </a:r>
           </a:p>
         </p:txBody>
@@ -6248,7 +5483,7 @@
         </p:sp>
         <p:sp>
           <p:nvSpPr>
-            <p:cNvPr id="180" name="A tour of Go"/>
+            <p:cNvPr id="180" name="UGLY"/>
             <p:cNvSpPr/>
             <p:nvPr/>
           </p:nvSpPr>
@@ -6276,10 +5511,9 @@
             <a:bodyPr wrap="none" lIns="50800" tIns="50800" rIns="50800" bIns="50800" numCol="1" anchor="ctr">
               <a:spAutoFit/>
             </a:bodyPr>
-            <a:lstStyle/>
-            <a:p>
-              <a:pPr>
-                <a:defRPr spc="-200" sz="4000">
+            <a:lstStyle>
+              <a:lvl1pPr>
+                <a:defRPr b="1" spc="-200" sz="4000">
                   <a:solidFill>
                     <a:srgbClr val="FFFFFF"/>
                   </a:solidFill>
@@ -6288,13 +5522,15 @@
                   <a:cs typeface="Meslo LG L DZ Regular for Powerline"/>
                   <a:sym typeface="Meslo LG L DZ Regular for Powerline"/>
                 </a:defRPr>
+              </a:lvl1pPr>
+            </a:lstStyle>
+            <a:p>
+              <a:pPr>
+                <a:defRPr b="0"/>
               </a:pPr>
               <a:r>
-                <a:t>A </a:t>
-              </a:r>
-              <a:r>
                 <a:rPr b="1"/>
-                <a:t>tour of Go</a:t>
+                <a:t>UGLY</a:t>
               </a:r>
             </a:p>
           </p:txBody>
@@ -6308,7 +5544,7 @@
         </p:nvGrpSpPr>
         <p:grpSpPr>
           <a:xfrm>
-            <a:off x="1270000" y="5057507"/>
+            <a:off x="1270000" y="5077482"/>
             <a:ext cx="2260045" cy="1494835"/>
             <a:chOff x="0" y="219666"/>
             <a:chExt cx="2260044" cy="1494833"/>
@@ -6365,7 +5601,7 @@
         </p:sp>
         <p:sp>
           <p:nvSpPr>
-            <p:cNvPr id="183" name="Couple videos &amp; courses"/>
+            <p:cNvPr id="183" name="PRIMITIVE"/>
             <p:cNvSpPr/>
             <p:nvPr/>
           </p:nvSpPr>
@@ -6393,10 +5629,9 @@
             <a:bodyPr wrap="none" lIns="50800" tIns="50800" rIns="50800" bIns="50800" numCol="1" anchor="ctr">
               <a:spAutoFit/>
             </a:bodyPr>
-            <a:lstStyle/>
-            <a:p>
-              <a:pPr>
-                <a:defRPr spc="-200" sz="4000">
+            <a:lstStyle>
+              <a:lvl1pPr>
+                <a:defRPr b="1" spc="-200" sz="4000">
                   <a:solidFill>
                     <a:srgbClr val="FFFFFF"/>
                   </a:solidFill>
@@ -6405,20 +5640,15 @@
                   <a:cs typeface="Meslo LG L DZ Regular for Powerline"/>
                   <a:sym typeface="Meslo LG L DZ Regular for Powerline"/>
                 </a:defRPr>
+              </a:lvl1pPr>
+            </a:lstStyle>
+            <a:p>
+              <a:pPr>
+                <a:defRPr b="0"/>
               </a:pPr>
               <a:r>
-                <a:t>Couple </a:t>
-              </a:r>
-              <a:r>
                 <a:rPr b="1"/>
-                <a:t>videos</a:t>
-              </a:r>
-              <a:r>
-                <a:t> &amp; </a:t>
-              </a:r>
-              <a:r>
-                <a:rPr b="1"/>
-                <a:t>courses</a:t>
+                <a:t>PRIMITIVE</a:t>
               </a:r>
             </a:p>
           </p:txBody>
@@ -6432,7 +5662,7 @@
         </p:nvGrpSpPr>
         <p:grpSpPr>
           <a:xfrm>
-            <a:off x="1270000" y="6016316"/>
+            <a:off x="1270000" y="6056266"/>
             <a:ext cx="2260045" cy="1494835"/>
             <a:chOff x="0" y="219666"/>
             <a:chExt cx="2260044" cy="1494833"/>
@@ -6489,7 +5719,7 @@
         </p:sp>
         <p:sp>
           <p:nvSpPr>
-            <p:cNvPr id="186" name="Get a job"/>
+            <p:cNvPr id="186" name="TOO SIMPLE"/>
             <p:cNvSpPr/>
             <p:nvPr/>
           </p:nvSpPr>
@@ -6517,10 +5747,9 @@
             <a:bodyPr wrap="none" lIns="50800" tIns="50800" rIns="50800" bIns="50800" numCol="1" anchor="ctr">
               <a:spAutoFit/>
             </a:bodyPr>
-            <a:lstStyle/>
-            <a:p>
-              <a:pPr>
-                <a:defRPr spc="-200" sz="4000">
+            <a:lstStyle>
+              <a:lvl1pPr>
+                <a:defRPr b="1" spc="-200" sz="4000">
                   <a:solidFill>
                     <a:srgbClr val="FFFFFF"/>
                   </a:solidFill>
@@ -6529,13 +5758,15 @@
                   <a:cs typeface="Meslo LG L DZ Regular for Powerline"/>
                   <a:sym typeface="Meslo LG L DZ Regular for Powerline"/>
                 </a:defRPr>
+              </a:lvl1pPr>
+            </a:lstStyle>
+            <a:p>
+              <a:pPr>
+                <a:defRPr b="0"/>
               </a:pPr>
               <a:r>
-                <a:t>Get a </a:t>
-              </a:r>
-              <a:r>
                 <a:rPr b="1"/>
-                <a:t>job</a:t>
+                <a:t>TOO SIMPLE</a:t>
               </a:r>
             </a:p>
           </p:txBody>
@@ -6543,7 +5774,7 @@
       </p:grpSp>
       <p:pic>
         <p:nvPicPr>
-          <p:cNvPr id="188" name="stairs.png" descr="stairs.png"/>
+          <p:cNvPr id="188" name="love.png" descr="love.png"/>
           <p:cNvPicPr>
             <a:picLocks noChangeAspect="1"/>
           </p:cNvPicPr>
@@ -6559,8 +5790,8 @@
         </p:blipFill>
         <p:spPr>
           <a:xfrm>
-            <a:off x="21141100" y="3686811"/>
-            <a:ext cx="1273443" cy="1273443"/>
+            <a:off x="21151555" y="3697265"/>
+            <a:ext cx="1252534" cy="1252534"/>
           </a:xfrm>
           <a:prstGeom prst="rect">
             <a:avLst/>
@@ -6890,9 +6121,9 @@
       </p:par>
     </p:tnLst>
     <p:bldLst>
+      <p:bldP build="whole" bldLvl="1" animBg="1" rev="0" advAuto="0" spid="187" grpId="3"/>
       <p:bldP build="whole" bldLvl="1" animBg="1" rev="0" advAuto="0" spid="184" grpId="2"/>
       <p:bldP build="whole" bldLvl="1" animBg="1" rev="0" advAuto="0" spid="181" grpId="1"/>
-      <p:bldP build="whole" bldLvl="1" animBg="1" rev="0" advAuto="0" spid="187" grpId="3"/>
     </p:bldLst>
   </p:timing>
 </p:sld>
@@ -6924,7 +6155,7 @@
       </p:grpSpPr>
       <p:sp>
         <p:nvSpPr>
-          <p:cNvPr id="190" name="First impressions"/>
+          <p:cNvPr id="190" name="EXPECTATIONS"/>
           <p:cNvSpPr txBox="1"/>
           <p:nvPr>
             <p:ph type="title"/>
@@ -6949,7 +6180,7 @@
           <a:p>
             <a:pPr/>
             <a:r>
-              <a:t>First impressions</a:t>
+              <a:t>EXPECTATIONS</a:t>
             </a:r>
           </a:p>
         </p:txBody>
@@ -7019,7 +6250,7 @@
         </p:sp>
         <p:sp>
           <p:nvSpPr>
-            <p:cNvPr id="192" name="UGLY"/>
+            <p:cNvPr id="192" name="Loads of frameworks"/>
             <p:cNvSpPr/>
             <p:nvPr/>
           </p:nvSpPr>
@@ -7047,9 +6278,10 @@
             <a:bodyPr wrap="none" lIns="50800" tIns="50800" rIns="50800" bIns="50800" numCol="1" anchor="ctr">
               <a:spAutoFit/>
             </a:bodyPr>
-            <a:lstStyle>
-              <a:lvl1pPr>
-                <a:defRPr b="1" spc="-200" sz="4000">
+            <a:lstStyle/>
+            <a:p>
+              <a:pPr>
+                <a:defRPr spc="-200" sz="4000">
                   <a:solidFill>
                     <a:srgbClr val="FFFFFF"/>
                   </a:solidFill>
@@ -7058,15 +6290,13 @@
                   <a:cs typeface="Meslo LG L DZ Regular for Powerline"/>
                   <a:sym typeface="Meslo LG L DZ Regular for Powerline"/>
                 </a:defRPr>
-              </a:lvl1pPr>
-            </a:lstStyle>
-            <a:p>
-              <a:pPr>
-                <a:defRPr b="0"/>
               </a:pPr>
               <a:r>
+                <a:t>Loads of </a:t>
+              </a:r>
+              <a:r>
                 <a:rPr b="1"/>
-                <a:t>UGLY</a:t>
+                <a:t>frameworks</a:t>
               </a:r>
             </a:p>
           </p:txBody>
@@ -7137,7 +6367,7 @@
         </p:sp>
         <p:sp>
           <p:nvSpPr>
-            <p:cNvPr id="195" name="PRIMITIVE"/>
+            <p:cNvPr id="195" name="Clever ways of doing things"/>
             <p:cNvSpPr/>
             <p:nvPr/>
           </p:nvSpPr>
@@ -7165,9 +6395,10 @@
             <a:bodyPr wrap="none" lIns="50800" tIns="50800" rIns="50800" bIns="50800" numCol="1" anchor="ctr">
               <a:spAutoFit/>
             </a:bodyPr>
-            <a:lstStyle>
-              <a:lvl1pPr>
-                <a:defRPr b="1" spc="-200" sz="4000">
+            <a:lstStyle/>
+            <a:p>
+              <a:pPr>
+                <a:defRPr spc="-200" sz="4000">
                   <a:solidFill>
                     <a:srgbClr val="FFFFFF"/>
                   </a:solidFill>
@@ -7176,15 +6407,13 @@
                   <a:cs typeface="Meslo LG L DZ Regular for Powerline"/>
                   <a:sym typeface="Meslo LG L DZ Regular for Powerline"/>
                 </a:defRPr>
-              </a:lvl1pPr>
-            </a:lstStyle>
-            <a:p>
-              <a:pPr>
-                <a:defRPr b="0"/>
               </a:pPr>
               <a:r>
                 <a:rPr b="1"/>
-                <a:t>PRIMITIVE</a:t>
+                <a:t>Clever</a:t>
+              </a:r>
+              <a:r>
+                <a:t> ways of doing things</a:t>
               </a:r>
             </a:p>
           </p:txBody>
@@ -7255,7 +6484,7 @@
         </p:sp>
         <p:sp>
           <p:nvSpPr>
-            <p:cNvPr id="198" name="TOO SIMPLE"/>
+            <p:cNvPr id="198" name="Many gotchas &amp; magic"/>
             <p:cNvSpPr/>
             <p:nvPr/>
           </p:nvSpPr>
@@ -7283,9 +6512,10 @@
             <a:bodyPr wrap="none" lIns="50800" tIns="50800" rIns="50800" bIns="50800" numCol="1" anchor="ctr">
               <a:spAutoFit/>
             </a:bodyPr>
-            <a:lstStyle>
-              <a:lvl1pPr>
-                <a:defRPr b="1" spc="-200" sz="4000">
+            <a:lstStyle/>
+            <a:p>
+              <a:pPr>
+                <a:defRPr spc="-200" sz="4000">
                   <a:solidFill>
                     <a:srgbClr val="FFFFFF"/>
                   </a:solidFill>
@@ -7294,15 +6524,16 @@
                   <a:cs typeface="Meslo LG L DZ Regular for Powerline"/>
                   <a:sym typeface="Meslo LG L DZ Regular for Powerline"/>
                 </a:defRPr>
-              </a:lvl1pPr>
-            </a:lstStyle>
-            <a:p>
-              <a:pPr>
-                <a:defRPr b="0"/>
               </a:pPr>
               <a:r>
+                <a:t>Many </a:t>
+              </a:r>
+              <a:r>
                 <a:rPr b="1"/>
-                <a:t>TOO SIMPLE</a:t>
+                <a:t>gotchas</a:t>
+              </a:r>
+              <a:r>
+                <a:t> &amp; magic</a:t>
               </a:r>
             </a:p>
           </p:txBody>
@@ -7310,7 +6541,7 @@
       </p:grpSp>
       <p:pic>
         <p:nvPicPr>
-          <p:cNvPr id="200" name="love.png" descr="love.png"/>
+          <p:cNvPr id="200" name="in-love.png" descr="in-love.png"/>
           <p:cNvPicPr>
             <a:picLocks noChangeAspect="1"/>
           </p:cNvPicPr>
@@ -7326,8 +6557,8 @@
         </p:blipFill>
         <p:spPr>
           <a:xfrm>
-            <a:off x="21151555" y="3697265"/>
-            <a:ext cx="1252534" cy="1252534"/>
+            <a:off x="21115453" y="3661164"/>
+            <a:ext cx="1324737" cy="1324737"/>
           </a:xfrm>
           <a:prstGeom prst="rect">
             <a:avLst/>
@@ -7691,7 +6922,7 @@
       </p:grpSpPr>
       <p:sp>
         <p:nvSpPr>
-          <p:cNvPr id="202" name="EXPECTATIONS"/>
+          <p:cNvPr id="202" name="Similarities"/>
           <p:cNvSpPr txBox="1"/>
           <p:nvPr>
             <p:ph type="title"/>
@@ -7716,7 +6947,7 @@
           <a:p>
             <a:pPr/>
             <a:r>
-              <a:t>EXPECTATIONS</a:t>
+              <a:t>Similarities</a:t>
             </a:r>
           </a:p>
         </p:txBody>
@@ -7786,7 +7017,7 @@
         </p:sp>
         <p:sp>
           <p:nvSpPr>
-            <p:cNvPr id="204" name="Loads of frameworks"/>
+            <p:cNvPr id="204" name="Easy to prototype"/>
             <p:cNvSpPr/>
             <p:nvPr/>
           </p:nvSpPr>
@@ -7828,11 +7059,11 @@
                 </a:defRPr>
               </a:pPr>
               <a:r>
-                <a:t>Loads of </a:t>
+                <a:t>Easy to </a:t>
               </a:r>
               <a:r>
                 <a:rPr b="1"/>
-                <a:t>frameworks</a:t>
+                <a:t>prototype</a:t>
               </a:r>
             </a:p>
           </p:txBody>
@@ -7903,7 +7134,7 @@
         </p:sp>
         <p:sp>
           <p:nvSpPr>
-            <p:cNvPr id="207" name="Clever ways of doing things"/>
+            <p:cNvPr id="207" name="Can get ugly"/>
             <p:cNvSpPr/>
             <p:nvPr/>
           </p:nvSpPr>
@@ -7945,11 +7176,11 @@
                 </a:defRPr>
               </a:pPr>
               <a:r>
-                <a:rPr b="1"/>
-                <a:t>Clever</a:t>
+                <a:t>Can get </a:t>
               </a:r>
               <a:r>
-                <a:t> ways of doing things</a:t>
+                <a:rPr b="1"/>
+                <a:t>ugly</a:t>
               </a:r>
             </a:p>
           </p:txBody>
@@ -8020,7 +7251,7 @@
         </p:sp>
         <p:sp>
           <p:nvSpPr>
-            <p:cNvPr id="210" name="Many gotchas &amp; magic"/>
+            <p:cNvPr id="210" name="Very accessible &amp; productive"/>
             <p:cNvSpPr/>
             <p:nvPr/>
           </p:nvSpPr>
@@ -8062,14 +7293,18 @@
                 </a:defRPr>
               </a:pPr>
               <a:r>
-                <a:t>Many </a:t>
+                <a:t>Very </a:t>
               </a:r>
               <a:r>
                 <a:rPr b="1"/>
-                <a:t>gotchas</a:t>
+                <a:t>accessible </a:t>
               </a:r>
               <a:r>
-                <a:t> &amp; magic</a:t>
+                <a:t>&amp;</a:t>
+              </a:r>
+              <a:r>
+                <a:rPr b="1"/>
+                <a:t> productive</a:t>
               </a:r>
             </a:p>
           </p:txBody>
@@ -8077,7 +7312,7 @@
       </p:grpSp>
       <p:pic>
         <p:nvPicPr>
-          <p:cNvPr id="212" name="in-love.png" descr="in-love.png"/>
+          <p:cNvPr id="212" name="opacity.png" descr="opacity.png"/>
           <p:cNvPicPr>
             <a:picLocks noChangeAspect="1"/>
           </p:cNvPicPr>
@@ -8093,8 +7328,8 @@
         </p:blipFill>
         <p:spPr>
           <a:xfrm>
-            <a:off x="21115453" y="3661164"/>
-            <a:ext cx="1324737" cy="1324737"/>
+            <a:off x="21161742" y="3609914"/>
+            <a:ext cx="1427237" cy="1427237"/>
           </a:xfrm>
           <a:prstGeom prst="rect">
             <a:avLst/>
@@ -8458,7 +7693,7 @@
       </p:grpSpPr>
       <p:sp>
         <p:nvSpPr>
-          <p:cNvPr id="214" name="Similarities"/>
+          <p:cNvPr id="214" name="Differences"/>
           <p:cNvSpPr txBox="1"/>
           <p:nvPr>
             <p:ph type="title"/>
@@ -8483,7 +7718,7 @@
           <a:p>
             <a:pPr/>
             <a:r>
-              <a:t>Similarities</a:t>
+              <a:t>Differences</a:t>
             </a:r>
           </a:p>
         </p:txBody>
@@ -8553,7 +7788,7 @@
         </p:sp>
         <p:sp>
           <p:nvSpPr>
-            <p:cNvPr id="216" name="Easy to prototype"/>
+            <p:cNvPr id="216" name="Statically typed nature"/>
             <p:cNvSpPr/>
             <p:nvPr/>
           </p:nvSpPr>
@@ -8595,11 +7830,18 @@
                 </a:defRPr>
               </a:pPr>
               <a:r>
-                <a:t>Easy to </a:t>
+                <a:rPr b="1"/>
+                <a:t>Statically</a:t>
+              </a:r>
+              <a:r>
+                <a:t> </a:t>
               </a:r>
               <a:r>
                 <a:rPr b="1"/>
-                <a:t>prototype</a:t>
+                <a:t>typed</a:t>
+              </a:r>
+              <a:r>
+                <a:t> nature</a:t>
               </a:r>
             </a:p>
           </p:txBody>
@@ -8613,7 +7855,7 @@
         </p:nvGrpSpPr>
         <p:grpSpPr>
           <a:xfrm>
-            <a:off x="1270000" y="5077482"/>
+            <a:off x="1270000" y="6170760"/>
             <a:ext cx="2260045" cy="1494835"/>
             <a:chOff x="0" y="219666"/>
             <a:chExt cx="2260044" cy="1494833"/>
@@ -8670,7 +7912,7 @@
         </p:sp>
         <p:sp>
           <p:nvSpPr>
-            <p:cNvPr id="219" name="Can get ugly"/>
+            <p:cNvPr id="219" name="Stable without breaking changes"/>
             <p:cNvSpPr/>
             <p:nvPr/>
           </p:nvSpPr>
@@ -8712,11 +7954,11 @@
                 </a:defRPr>
               </a:pPr>
               <a:r>
-                <a:t>Can get </a:t>
+                <a:rPr b="1"/>
+                <a:t>Stable</a:t>
               </a:r>
               <a:r>
-                <a:rPr b="1"/>
-                <a:t>ugly</a:t>
+                <a:t> without breaking changes</a:t>
               </a:r>
             </a:p>
           </p:txBody>
@@ -8730,7 +7972,7 @@
         </p:nvGrpSpPr>
         <p:grpSpPr>
           <a:xfrm>
-            <a:off x="1270000" y="6056266"/>
+            <a:off x="1270000" y="7206791"/>
             <a:ext cx="2260045" cy="1494835"/>
             <a:chOff x="0" y="219666"/>
             <a:chExt cx="2260044" cy="1494833"/>
@@ -8787,7 +8029,122 @@
         </p:sp>
         <p:sp>
           <p:nvSpPr>
-            <p:cNvPr id="222" name="Very accessible &amp; productive"/>
+            <p:cNvPr id="222" name="Simple Design"/>
+            <p:cNvSpPr/>
+            <p:nvPr/>
+          </p:nvSpPr>
+          <p:spPr>
+            <a:xfrm>
+              <a:off x="990044" y="444499"/>
+              <a:ext cx="1270001" cy="1270001"/>
+            </a:xfrm>
+            <a:prstGeom prst="line">
+              <a:avLst/>
+            </a:prstGeom>
+            <a:noFill/>
+            <a:ln w="12700" cap="flat">
+              <a:noFill/>
+              <a:miter lim="400000"/>
+            </a:ln>
+            <a:effectLst/>
+            <a:extLst>
+              <a:ext uri="{C572A759-6A51-4108-AA02-DFA0A04FC94B}">
+                <ma14:wrappingTextBoxFlag xmlns:ma14="http://schemas.microsoft.com/office/mac/drawingml/2011/main" val="1"/>
+              </a:ext>
+            </a:extLst>
+          </p:spPr>
+          <p:txBody>
+            <a:bodyPr wrap="none" lIns="50800" tIns="50800" rIns="50800" bIns="50800" numCol="1" anchor="ctr">
+              <a:spAutoFit/>
+            </a:bodyPr>
+            <a:lstStyle>
+              <a:lvl1pPr>
+                <a:defRPr b="1" spc="-200" sz="4000">
+                  <a:solidFill>
+                    <a:srgbClr val="FFFFFF"/>
+                  </a:solidFill>
+                  <a:latin typeface="Meslo LG L DZ Regular for Powerline"/>
+                  <a:ea typeface="Meslo LG L DZ Regular for Powerline"/>
+                  <a:cs typeface="Meslo LG L DZ Regular for Powerline"/>
+                  <a:sym typeface="Meslo LG L DZ Regular for Powerline"/>
+                </a:defRPr>
+              </a:lvl1pPr>
+            </a:lstStyle>
+            <a:p>
+              <a:pPr/>
+              <a:r>
+                <a:t>Simple Design</a:t>
+              </a:r>
+            </a:p>
+          </p:txBody>
+        </p:sp>
+      </p:grpSp>
+      <p:grpSp>
+        <p:nvGrpSpPr>
+          <p:cNvPr id="226" name="Group"/>
+          <p:cNvGrpSpPr/>
+          <p:nvPr/>
+        </p:nvGrpSpPr>
+        <p:grpSpPr>
+          <a:xfrm>
+            <a:off x="1270000" y="8185575"/>
+            <a:ext cx="2260045" cy="1494835"/>
+            <a:chOff x="0" y="219666"/>
+            <a:chExt cx="2260044" cy="1494833"/>
+          </a:xfrm>
+        </p:grpSpPr>
+        <p:sp>
+          <p:nvSpPr>
+            <p:cNvPr id="224" name="Square"/>
+            <p:cNvSpPr/>
+            <p:nvPr/>
+          </p:nvSpPr>
+          <p:spPr>
+            <a:xfrm>
+              <a:off x="0" y="219666"/>
+              <a:ext cx="449667" cy="449668"/>
+            </a:xfrm>
+            <a:prstGeom prst="rect">
+              <a:avLst/>
+            </a:prstGeom>
+            <a:solidFill>
+              <a:srgbClr val="00C853"/>
+            </a:solidFill>
+            <a:ln w="12700" cap="flat">
+              <a:noFill/>
+              <a:miter lim="400000"/>
+            </a:ln>
+            <a:effectLst/>
+          </p:spPr>
+          <p:txBody>
+            <a:bodyPr wrap="square" lIns="50800" tIns="50800" rIns="50800" bIns="50800" numCol="1" anchor="ctr">
+              <a:noAutofit/>
+            </a:bodyPr>
+            <a:lstStyle/>
+            <a:p>
+              <a:pPr algn="ctr">
+                <a:lnSpc>
+                  <a:spcPct val="80000"/>
+                </a:lnSpc>
+                <a:spcBef>
+                  <a:spcPts val="0"/>
+                </a:spcBef>
+                <a:defRPr cap="all" sz="4000">
+                  <a:solidFill>
+                    <a:srgbClr val="FFFFFF"/>
+                  </a:solidFill>
+                  <a:latin typeface="+mn-lt"/>
+                  <a:ea typeface="+mn-ea"/>
+                  <a:cs typeface="+mn-cs"/>
+                  <a:sym typeface="DIN Condensed Bold"/>
+                </a:defRPr>
+              </a:pPr>
+            </a:p>
+          </p:txBody>
+        </p:sp>
+        <p:sp>
+          <p:nvSpPr>
+            <p:cNvPr id="225" name="Encourages libraries &amp; concepts vs fully fledged frameworks"/>
             <p:cNvSpPr/>
             <p:nvPr/>
           </p:nvSpPr>
@@ -8829,18 +8186,145 @@
                 </a:defRPr>
               </a:pPr>
               <a:r>
-                <a:t>Very </a:t>
+                <a:t>Encourages </a:t>
               </a:r>
               <a:r>
                 <a:rPr b="1"/>
-                <a:t>accessible </a:t>
+                <a:t>libraries</a:t>
               </a:r>
               <a:r>
-                <a:t>&amp;</a:t>
+                <a:t> &amp; </a:t>
               </a:r>
               <a:r>
                 <a:rPr b="1"/>
-                <a:t> productive</a:t>
+                <a:t>concepts</a:t>
+              </a:r>
+              <a:r>
+                <a:t> vs fully fledged frameworks</a:t>
+              </a:r>
+            </a:p>
+          </p:txBody>
+        </p:sp>
+      </p:grpSp>
+      <p:grpSp>
+        <p:nvGrpSpPr>
+          <p:cNvPr id="229" name="Group"/>
+          <p:cNvGrpSpPr/>
+          <p:nvPr/>
+        </p:nvGrpSpPr>
+        <p:grpSpPr>
+          <a:xfrm>
+            <a:off x="1270000" y="9164360"/>
+            <a:ext cx="2260045" cy="1494834"/>
+            <a:chOff x="0" y="219666"/>
+            <a:chExt cx="2260044" cy="1494833"/>
+          </a:xfrm>
+        </p:grpSpPr>
+        <p:sp>
+          <p:nvSpPr>
+            <p:cNvPr id="227" name="Square"/>
+            <p:cNvSpPr/>
+            <p:nvPr/>
+          </p:nvSpPr>
+          <p:spPr>
+            <a:xfrm>
+              <a:off x="0" y="219666"/>
+              <a:ext cx="449667" cy="449668"/>
+            </a:xfrm>
+            <a:prstGeom prst="rect">
+              <a:avLst/>
+            </a:prstGeom>
+            <a:solidFill>
+              <a:srgbClr val="00C853"/>
+            </a:solidFill>
+            <a:ln w="12700" cap="flat">
+              <a:noFill/>
+              <a:miter lim="400000"/>
+            </a:ln>
+            <a:effectLst/>
+          </p:spPr>
+          <p:txBody>
+            <a:bodyPr wrap="square" lIns="50800" tIns="50800" rIns="50800" bIns="50800" numCol="1" anchor="ctr">
+              <a:noAutofit/>
+            </a:bodyPr>
+            <a:lstStyle/>
+            <a:p>
+              <a:pPr algn="ctr">
+                <a:lnSpc>
+                  <a:spcPct val="80000"/>
+                </a:lnSpc>
+                <a:spcBef>
+                  <a:spcPts val="0"/>
+                </a:spcBef>
+                <a:defRPr cap="all" sz="4000">
+                  <a:solidFill>
+                    <a:srgbClr val="FFFFFF"/>
+                  </a:solidFill>
+                  <a:latin typeface="+mn-lt"/>
+                  <a:ea typeface="+mn-ea"/>
+                  <a:cs typeface="+mn-cs"/>
+                  <a:sym typeface="DIN Condensed Bold"/>
+                </a:defRPr>
+              </a:pPr>
+            </a:p>
+          </p:txBody>
+        </p:sp>
+        <p:sp>
+          <p:nvSpPr>
+            <p:cNvPr id="228" name="No centralised package repository"/>
+            <p:cNvSpPr/>
+            <p:nvPr/>
+          </p:nvSpPr>
+          <p:spPr>
+            <a:xfrm>
+              <a:off x="990044" y="444499"/>
+              <a:ext cx="1270001" cy="1270001"/>
+            </a:xfrm>
+            <a:prstGeom prst="line">
+              <a:avLst/>
+            </a:prstGeom>
+            <a:noFill/>
+            <a:ln w="12700" cap="flat">
+              <a:noFill/>
+              <a:miter lim="400000"/>
+            </a:ln>
+            <a:effectLst/>
+            <a:extLst>
+              <a:ext uri="{C572A759-6A51-4108-AA02-DFA0A04FC94B}">
+                <ma14:wrappingTextBoxFlag xmlns:ma14="http://schemas.microsoft.com/office/mac/drawingml/2011/main" val="1"/>
+              </a:ext>
+            </a:extLst>
+          </p:spPr>
+          <p:txBody>
+            <a:bodyPr wrap="none" lIns="50800" tIns="50800" rIns="50800" bIns="50800" numCol="1" anchor="ctr">
+              <a:spAutoFit/>
+            </a:bodyPr>
+            <a:lstStyle/>
+            <a:p>
+              <a:pPr>
+                <a:defRPr spc="-200" sz="4000">
+                  <a:solidFill>
+                    <a:srgbClr val="FFFFFF"/>
+                  </a:solidFill>
+                  <a:latin typeface="Meslo LG L DZ Regular for Powerline"/>
+                  <a:ea typeface="Meslo LG L DZ Regular for Powerline"/>
+                  <a:cs typeface="Meslo LG L DZ Regular for Powerline"/>
+                  <a:sym typeface="Meslo LG L DZ Regular for Powerline"/>
+                </a:defRPr>
+              </a:pPr>
+              <a:r>
+                <a:t>No </a:t>
+              </a:r>
+              <a:r>
+                <a:rPr b="1"/>
+                <a:t>centralised</a:t>
+              </a:r>
+              <a:r>
+                <a:t> package </a:t>
+              </a:r>
+              <a:r>
+                <a:rPr b="1"/>
+                <a:t>repository</a:t>
               </a:r>
             </a:p>
           </p:txBody>
@@ -8848,7 +8332,7 @@
       </p:grpSp>
       <p:pic>
         <p:nvPicPr>
-          <p:cNvPr id="224" name="opacity.png" descr="opacity.png"/>
+          <p:cNvPr id="230" name="junction.png" descr="junction.png"/>
           <p:cNvPicPr>
             <a:picLocks noChangeAspect="1"/>
           </p:cNvPicPr>
@@ -8864,8 +8348,8 @@
         </p:blipFill>
         <p:spPr>
           <a:xfrm>
-            <a:off x="21161742" y="3609914"/>
-            <a:ext cx="1427237" cy="1427237"/>
+            <a:off x="21222927" y="3671099"/>
+            <a:ext cx="1304867" cy="1304867"/>
           </a:xfrm>
           <a:prstGeom prst="rect">
             <a:avLst/>
@@ -8875,6 +8359,356 @@
           </a:ln>
         </p:spPr>
       </p:pic>
+      <p:grpSp>
+        <p:nvGrpSpPr>
+          <p:cNvPr id="233" name="Group"/>
+          <p:cNvGrpSpPr/>
+          <p:nvPr/>
+        </p:nvGrpSpPr>
+        <p:grpSpPr>
+          <a:xfrm>
+            <a:off x="1270000" y="5134729"/>
+            <a:ext cx="2260045" cy="1494835"/>
+            <a:chOff x="0" y="219666"/>
+            <a:chExt cx="2260044" cy="1494833"/>
+          </a:xfrm>
+        </p:grpSpPr>
+        <p:sp>
+          <p:nvSpPr>
+            <p:cNvPr id="231" name="Square"/>
+            <p:cNvSpPr/>
+            <p:nvPr/>
+          </p:nvSpPr>
+          <p:spPr>
+            <a:xfrm>
+              <a:off x="0" y="219666"/>
+              <a:ext cx="449667" cy="449668"/>
+            </a:xfrm>
+            <a:prstGeom prst="rect">
+              <a:avLst/>
+            </a:prstGeom>
+            <a:solidFill>
+              <a:srgbClr val="00C853"/>
+            </a:solidFill>
+            <a:ln w="12700" cap="flat">
+              <a:noFill/>
+              <a:miter lim="400000"/>
+            </a:ln>
+            <a:effectLst/>
+          </p:spPr>
+          <p:txBody>
+            <a:bodyPr wrap="square" lIns="50800" tIns="50800" rIns="50800" bIns="50800" numCol="1" anchor="ctr">
+              <a:noAutofit/>
+            </a:bodyPr>
+            <a:lstStyle/>
+            <a:p>
+              <a:pPr algn="ctr">
+                <a:lnSpc>
+                  <a:spcPct val="80000"/>
+                </a:lnSpc>
+                <a:spcBef>
+                  <a:spcPts val="0"/>
+                </a:spcBef>
+                <a:defRPr cap="all" sz="4000">
+                  <a:solidFill>
+                    <a:srgbClr val="FFFFFF"/>
+                  </a:solidFill>
+                  <a:latin typeface="+mn-lt"/>
+                  <a:ea typeface="+mn-ea"/>
+                  <a:cs typeface="+mn-cs"/>
+                  <a:sym typeface="DIN Condensed Bold"/>
+                </a:defRPr>
+              </a:pPr>
+            </a:p>
+          </p:txBody>
+        </p:sp>
+        <p:sp>
+          <p:nvSpPr>
+            <p:cNvPr id="232" name="Mostly used for Backend/Systems only"/>
+            <p:cNvSpPr/>
+            <p:nvPr/>
+          </p:nvSpPr>
+          <p:spPr>
+            <a:xfrm>
+              <a:off x="990044" y="444499"/>
+              <a:ext cx="1270001" cy="1270001"/>
+            </a:xfrm>
+            <a:prstGeom prst="line">
+              <a:avLst/>
+            </a:prstGeom>
+            <a:noFill/>
+            <a:ln w="12700" cap="flat">
+              <a:noFill/>
+              <a:miter lim="400000"/>
+            </a:ln>
+            <a:effectLst/>
+            <a:extLst>
+              <a:ext uri="{C572A759-6A51-4108-AA02-DFA0A04FC94B}">
+                <ma14:wrappingTextBoxFlag xmlns:ma14="http://schemas.microsoft.com/office/mac/drawingml/2011/main" val="1"/>
+              </a:ext>
+            </a:extLst>
+          </p:spPr>
+          <p:txBody>
+            <a:bodyPr wrap="none" lIns="50800" tIns="50800" rIns="50800" bIns="50800" numCol="1" anchor="ctr">
+              <a:spAutoFit/>
+            </a:bodyPr>
+            <a:lstStyle/>
+            <a:p>
+              <a:pPr>
+                <a:defRPr spc="-200" sz="4000">
+                  <a:solidFill>
+                    <a:srgbClr val="FFFFFF"/>
+                  </a:solidFill>
+                  <a:latin typeface="Meslo LG L DZ Regular for Powerline"/>
+                  <a:ea typeface="Meslo LG L DZ Regular for Powerline"/>
+                  <a:cs typeface="Meslo LG L DZ Regular for Powerline"/>
+                  <a:sym typeface="Meslo LG L DZ Regular for Powerline"/>
+                </a:defRPr>
+              </a:pPr>
+              <a:r>
+                <a:t>Mostly used for </a:t>
+              </a:r>
+              <a:r>
+                <a:rPr b="1"/>
+                <a:t>Backend/Systems</a:t>
+              </a:r>
+              <a:r>
+                <a:t> only</a:t>
+              </a:r>
+            </a:p>
+          </p:txBody>
+        </p:sp>
+      </p:grpSp>
+      <p:grpSp>
+        <p:nvGrpSpPr>
+          <p:cNvPr id="236" name="Group"/>
+          <p:cNvGrpSpPr/>
+          <p:nvPr/>
+        </p:nvGrpSpPr>
+        <p:grpSpPr>
+          <a:xfrm>
+            <a:off x="1270000" y="10200391"/>
+            <a:ext cx="2260045" cy="1494834"/>
+            <a:chOff x="0" y="219666"/>
+            <a:chExt cx="2260044" cy="1494833"/>
+          </a:xfrm>
+        </p:grpSpPr>
+        <p:sp>
+          <p:nvSpPr>
+            <p:cNvPr id="234" name="Square"/>
+            <p:cNvSpPr/>
+            <p:nvPr/>
+          </p:nvSpPr>
+          <p:spPr>
+            <a:xfrm>
+              <a:off x="0" y="219666"/>
+              <a:ext cx="449667" cy="449668"/>
+            </a:xfrm>
+            <a:prstGeom prst="rect">
+              <a:avLst/>
+            </a:prstGeom>
+            <a:solidFill>
+              <a:srgbClr val="00C853"/>
+            </a:solidFill>
+            <a:ln w="12700" cap="flat">
+              <a:noFill/>
+              <a:miter lim="400000"/>
+            </a:ln>
+            <a:effectLst/>
+          </p:spPr>
+          <p:txBody>
+            <a:bodyPr wrap="square" lIns="50800" tIns="50800" rIns="50800" bIns="50800" numCol="1" anchor="ctr">
+              <a:noAutofit/>
+            </a:bodyPr>
+            <a:lstStyle/>
+            <a:p>
+              <a:pPr algn="ctr">
+                <a:lnSpc>
+                  <a:spcPct val="80000"/>
+                </a:lnSpc>
+                <a:spcBef>
+                  <a:spcPts val="0"/>
+                </a:spcBef>
+                <a:defRPr cap="all" sz="4000">
+                  <a:solidFill>
+                    <a:srgbClr val="FFFFFF"/>
+                  </a:solidFill>
+                  <a:latin typeface="+mn-lt"/>
+                  <a:ea typeface="+mn-ea"/>
+                  <a:cs typeface="+mn-cs"/>
+                  <a:sym typeface="DIN Condensed Bold"/>
+                </a:defRPr>
+              </a:pPr>
+            </a:p>
+          </p:txBody>
+        </p:sp>
+        <p:sp>
+          <p:nvSpPr>
+            <p:cNvPr id="235" name="Powerful toolchain &amp; standard library"/>
+            <p:cNvSpPr/>
+            <p:nvPr/>
+          </p:nvSpPr>
+          <p:spPr>
+            <a:xfrm>
+              <a:off x="990044" y="444499"/>
+              <a:ext cx="1270001" cy="1270001"/>
+            </a:xfrm>
+            <a:prstGeom prst="line">
+              <a:avLst/>
+            </a:prstGeom>
+            <a:noFill/>
+            <a:ln w="12700" cap="flat">
+              <a:noFill/>
+              <a:miter lim="400000"/>
+            </a:ln>
+            <a:effectLst/>
+            <a:extLst>
+              <a:ext uri="{C572A759-6A51-4108-AA02-DFA0A04FC94B}">
+                <ma14:wrappingTextBoxFlag xmlns:ma14="http://schemas.microsoft.com/office/mac/drawingml/2011/main" val="1"/>
+              </a:ext>
+            </a:extLst>
+          </p:spPr>
+          <p:txBody>
+            <a:bodyPr wrap="none" lIns="50800" tIns="50800" rIns="50800" bIns="50800" numCol="1" anchor="ctr">
+              <a:spAutoFit/>
+            </a:bodyPr>
+            <a:lstStyle>
+              <a:lvl1pPr>
+                <a:defRPr spc="-200" sz="4000">
+                  <a:solidFill>
+                    <a:srgbClr val="FFFFFF"/>
+                  </a:solidFill>
+                  <a:latin typeface="Meslo LG L DZ Regular for Powerline"/>
+                  <a:ea typeface="Meslo LG L DZ Regular for Powerline"/>
+                  <a:cs typeface="Meslo LG L DZ Regular for Powerline"/>
+                  <a:sym typeface="Meslo LG L DZ Regular for Powerline"/>
+                </a:defRPr>
+              </a:lvl1pPr>
+            </a:lstStyle>
+            <a:p>
+              <a:pPr/>
+              <a:r>
+                <a:t>Powerful toolchain &amp; standard library</a:t>
+              </a:r>
+            </a:p>
+          </p:txBody>
+        </p:sp>
+      </p:grpSp>
+      <p:grpSp>
+        <p:nvGrpSpPr>
+          <p:cNvPr id="239" name="Group"/>
+          <p:cNvGrpSpPr/>
+          <p:nvPr/>
+        </p:nvGrpSpPr>
+        <p:grpSpPr>
+          <a:xfrm>
+            <a:off x="1270000" y="11236421"/>
+            <a:ext cx="2260045" cy="1494835"/>
+            <a:chOff x="0" y="219666"/>
+            <a:chExt cx="2260044" cy="1494833"/>
+          </a:xfrm>
+        </p:grpSpPr>
+        <p:sp>
+          <p:nvSpPr>
+            <p:cNvPr id="237" name="Square"/>
+            <p:cNvSpPr/>
+            <p:nvPr/>
+          </p:nvSpPr>
+          <p:spPr>
+            <a:xfrm>
+              <a:off x="0" y="219666"/>
+              <a:ext cx="449667" cy="449668"/>
+            </a:xfrm>
+            <a:prstGeom prst="rect">
+              <a:avLst/>
+            </a:prstGeom>
+            <a:solidFill>
+              <a:srgbClr val="00C853"/>
+            </a:solidFill>
+            <a:ln w="12700" cap="flat">
+              <a:noFill/>
+              <a:miter lim="400000"/>
+            </a:ln>
+            <a:effectLst/>
+          </p:spPr>
+          <p:txBody>
+            <a:bodyPr wrap="square" lIns="50800" tIns="50800" rIns="50800" bIns="50800" numCol="1" anchor="ctr">
+              <a:noAutofit/>
+            </a:bodyPr>
+            <a:lstStyle/>
+            <a:p>
+              <a:pPr algn="ctr">
+                <a:lnSpc>
+                  <a:spcPct val="80000"/>
+                </a:lnSpc>
+                <a:spcBef>
+                  <a:spcPts val="0"/>
+                </a:spcBef>
+                <a:defRPr cap="all" sz="4000">
+                  <a:solidFill>
+                    <a:srgbClr val="FFFFFF"/>
+                  </a:solidFill>
+                  <a:latin typeface="+mn-lt"/>
+                  <a:ea typeface="+mn-ea"/>
+                  <a:cs typeface="+mn-cs"/>
+                  <a:sym typeface="DIN Condensed Bold"/>
+                </a:defRPr>
+              </a:pPr>
+            </a:p>
+          </p:txBody>
+        </p:sp>
+        <p:sp>
+          <p:nvSpPr>
+            <p:cNvPr id="238" name="Workhorse Performance"/>
+            <p:cNvSpPr/>
+            <p:nvPr/>
+          </p:nvSpPr>
+          <p:spPr>
+            <a:xfrm>
+              <a:off x="990044" y="444499"/>
+              <a:ext cx="1270001" cy="1270001"/>
+            </a:xfrm>
+            <a:prstGeom prst="line">
+              <a:avLst/>
+            </a:prstGeom>
+            <a:noFill/>
+            <a:ln w="12700" cap="flat">
+              <a:noFill/>
+              <a:miter lim="400000"/>
+            </a:ln>
+            <a:effectLst/>
+            <a:extLst>
+              <a:ext uri="{C572A759-6A51-4108-AA02-DFA0A04FC94B}">
+                <ma14:wrappingTextBoxFlag xmlns:ma14="http://schemas.microsoft.com/office/mac/drawingml/2011/main" val="1"/>
+              </a:ext>
+            </a:extLst>
+          </p:spPr>
+          <p:txBody>
+            <a:bodyPr wrap="none" lIns="50800" tIns="50800" rIns="50800" bIns="50800" numCol="1" anchor="ctr">
+              <a:spAutoFit/>
+            </a:bodyPr>
+            <a:lstStyle>
+              <a:lvl1pPr>
+                <a:defRPr spc="-200" sz="4000">
+                  <a:solidFill>
+                    <a:srgbClr val="FFFFFF"/>
+                  </a:solidFill>
+                  <a:latin typeface="Meslo LG L DZ Regular for Powerline"/>
+                  <a:ea typeface="Meslo LG L DZ Regular for Powerline"/>
+                  <a:cs typeface="Meslo LG L DZ Regular for Powerline"/>
+                  <a:sym typeface="Meslo LG L DZ Regular for Powerline"/>
+                </a:defRPr>
+              </a:lvl1pPr>
+            </a:lstStyle>
+            <a:p>
+              <a:pPr/>
+              <a:r>
+                <a:t>Workhorse Performance</a:t>
+              </a:r>
+            </a:p>
+          </p:txBody>
+        </p:sp>
+      </p:grpSp>
     </p:spTree>
   </p:cSld>
   <p:clrMapOvr>
@@ -9018,7 +8852,7 @@
                                       <p:cBhvr>
                                         <p:cTn id="12" fill="hold"/>
                                         <p:tgtEl>
-                                          <p:spTgt spid="220"/>
+                                          <p:spTgt spid="233"/>
                                         </p:tgtEl>
                                         <p:attrNameLst>
                                           <p:attrName>style.visibility</p:attrName>
@@ -9032,7 +8866,7 @@
                                       <p:cBhvr>
                                         <p:cTn id="13" dur="800" fill="hold"/>
                                         <p:tgtEl>
-                                          <p:spTgt spid="220"/>
+                                          <p:spTgt spid="233"/>
                                         </p:tgtEl>
                                         <p:attrNameLst>
                                           <p:attrName>ppt_x</p:attrName>
@@ -9055,7 +8889,7 @@
                                       <p:cBhvr>
                                         <p:cTn id="14" dur="800" fill="hold"/>
                                         <p:tgtEl>
-                                          <p:spTgt spid="220"/>
+                                          <p:spTgt spid="233"/>
                                         </p:tgtEl>
                                         <p:attrNameLst>
                                           <p:attrName>ppt_y</p:attrName>
@@ -9108,6 +8942,96 @@
                                       <p:cBhvr>
                                         <p:cTn id="18" fill="hold"/>
                                         <p:tgtEl>
+                                          <p:spTgt spid="220"/>
+                                        </p:tgtEl>
+                                        <p:attrNameLst>
+                                          <p:attrName>style.visibility</p:attrName>
+                                        </p:attrNameLst>
+                                      </p:cBhvr>
+                                      <p:to>
+                                        <p:strVal val="visible"/>
+                                      </p:to>
+                                    </p:set>
+                                    <p:anim calcmode="lin" valueType="num">
+                                      <p:cBhvr>
+                                        <p:cTn id="19" dur="800" fill="hold"/>
+                                        <p:tgtEl>
+                                          <p:spTgt spid="220"/>
+                                        </p:tgtEl>
+                                        <p:attrNameLst>
+                                          <p:attrName>ppt_x</p:attrName>
+                                        </p:attrNameLst>
+                                      </p:cBhvr>
+                                      <p:tavLst>
+                                        <p:tav tm="0">
+                                          <p:val>
+                                            <p:strVal val="0-#ppt_w/2"/>
+                                          </p:val>
+                                        </p:tav>
+                                        <p:tav tm="100000">
+                                          <p:val>
+                                            <p:strVal val="#ppt_x"/>
+                                          </p:val>
+                                        </p:tav>
+                                      </p:tavLst>
+                                    </p:anim>
+                                    <p:anim calcmode="lin" valueType="num">
+                                      <p:cBhvr>
+                                        <p:cTn id="20" dur="800" fill="hold"/>
+                                        <p:tgtEl>
+                                          <p:spTgt spid="220"/>
+                                        </p:tgtEl>
+                                        <p:attrNameLst>
+                                          <p:attrName>ppt_y</p:attrName>
+                                        </p:attrNameLst>
+                                      </p:cBhvr>
+                                      <p:tavLst>
+                                        <p:tav tm="0">
+                                          <p:val>
+                                            <p:strVal val="#ppt_y"/>
+                                          </p:val>
+                                        </p:tav>
+                                        <p:tav tm="100000">
+                                          <p:val>
+                                            <p:strVal val="#ppt_y"/>
+                                          </p:val>
+                                        </p:tav>
+                                      </p:tavLst>
+                                    </p:anim>
+                                  </p:childTnLst>
+                                </p:cTn>
+                              </p:par>
+                            </p:childTnLst>
+                          </p:cTn>
+                        </p:par>
+                      </p:childTnLst>
+                    </p:cTn>
+                  </p:par>
+                  <p:par>
+                    <p:cTn id="21" fill="hold">
+                      <p:stCondLst>
+                        <p:cond delay="indefinite"/>
+                      </p:stCondLst>
+                      <p:childTnLst>
+                        <p:par>
+                          <p:cTn id="22" fill="hold">
+                            <p:stCondLst>
+                              <p:cond delay="0"/>
+                            </p:stCondLst>
+                            <p:childTnLst>
+                              <p:par>
+                                <p:cTn id="23" presetClass="entr" nodeType="clickEffect" presetSubtype="8" presetID="2" grpId="4" fill="hold">
+                                  <p:stCondLst>
+                                    <p:cond delay="0"/>
+                                  </p:stCondLst>
+                                  <p:iterate type="el" backwards="0">
+                                    <p:tmAbs val="0"/>
+                                  </p:iterate>
+                                  <p:childTnLst>
+                                    <p:set>
+                                      <p:cBhvr>
+                                        <p:cTn id="24" fill="hold"/>
+                                        <p:tgtEl>
                                           <p:spTgt spid="223"/>
                                         </p:tgtEl>
                                         <p:attrNameLst>
@@ -9120,7 +9044,7 @@
                                     </p:set>
                                     <p:anim calcmode="lin" valueType="num">
                                       <p:cBhvr>
-                                        <p:cTn id="19" dur="800" fill="hold"/>
+                                        <p:cTn id="25" dur="800" fill="hold"/>
                                         <p:tgtEl>
                                           <p:spTgt spid="223"/>
                                         </p:tgtEl>
@@ -9143,9 +9067,369 @@
                                     </p:anim>
                                     <p:anim calcmode="lin" valueType="num">
                                       <p:cBhvr>
-                                        <p:cTn id="20" dur="800" fill="hold"/>
+                                        <p:cTn id="26" dur="800" fill="hold"/>
                                         <p:tgtEl>
                                           <p:spTgt spid="223"/>
+                                        </p:tgtEl>
+                                        <p:attrNameLst>
+                                          <p:attrName>ppt_y</p:attrName>
+                                        </p:attrNameLst>
+                                      </p:cBhvr>
+                                      <p:tavLst>
+                                        <p:tav tm="0">
+                                          <p:val>
+                                            <p:strVal val="#ppt_y"/>
+                                          </p:val>
+                                        </p:tav>
+                                        <p:tav tm="100000">
+                                          <p:val>
+                                            <p:strVal val="#ppt_y"/>
+                                          </p:val>
+                                        </p:tav>
+                                      </p:tavLst>
+                                    </p:anim>
+                                  </p:childTnLst>
+                                </p:cTn>
+                              </p:par>
+                            </p:childTnLst>
+                          </p:cTn>
+                        </p:par>
+                      </p:childTnLst>
+                    </p:cTn>
+                  </p:par>
+                  <p:par>
+                    <p:cTn id="27" fill="hold">
+                      <p:stCondLst>
+                        <p:cond delay="indefinite"/>
+                      </p:stCondLst>
+                      <p:childTnLst>
+                        <p:par>
+                          <p:cTn id="28" fill="hold">
+                            <p:stCondLst>
+                              <p:cond delay="0"/>
+                            </p:stCondLst>
+                            <p:childTnLst>
+                              <p:par>
+                                <p:cTn id="29" presetClass="entr" nodeType="clickEffect" presetSubtype="8" presetID="2" grpId="5" fill="hold">
+                                  <p:stCondLst>
+                                    <p:cond delay="0"/>
+                                  </p:stCondLst>
+                                  <p:iterate type="el" backwards="0">
+                                    <p:tmAbs val="0"/>
+                                  </p:iterate>
+                                  <p:childTnLst>
+                                    <p:set>
+                                      <p:cBhvr>
+                                        <p:cTn id="30" fill="hold"/>
+                                        <p:tgtEl>
+                                          <p:spTgt spid="226"/>
+                                        </p:tgtEl>
+                                        <p:attrNameLst>
+                                          <p:attrName>style.visibility</p:attrName>
+                                        </p:attrNameLst>
+                                      </p:cBhvr>
+                                      <p:to>
+                                        <p:strVal val="visible"/>
+                                      </p:to>
+                                    </p:set>
+                                    <p:anim calcmode="lin" valueType="num">
+                                      <p:cBhvr>
+                                        <p:cTn id="31" dur="800" fill="hold"/>
+                                        <p:tgtEl>
+                                          <p:spTgt spid="226"/>
+                                        </p:tgtEl>
+                                        <p:attrNameLst>
+                                          <p:attrName>ppt_x</p:attrName>
+                                        </p:attrNameLst>
+                                      </p:cBhvr>
+                                      <p:tavLst>
+                                        <p:tav tm="0">
+                                          <p:val>
+                                            <p:strVal val="0-#ppt_w/2"/>
+                                          </p:val>
+                                        </p:tav>
+                                        <p:tav tm="100000">
+                                          <p:val>
+                                            <p:strVal val="#ppt_x"/>
+                                          </p:val>
+                                        </p:tav>
+                                      </p:tavLst>
+                                    </p:anim>
+                                    <p:anim calcmode="lin" valueType="num">
+                                      <p:cBhvr>
+                                        <p:cTn id="32" dur="800" fill="hold"/>
+                                        <p:tgtEl>
+                                          <p:spTgt spid="226"/>
+                                        </p:tgtEl>
+                                        <p:attrNameLst>
+                                          <p:attrName>ppt_y</p:attrName>
+                                        </p:attrNameLst>
+                                      </p:cBhvr>
+                                      <p:tavLst>
+                                        <p:tav tm="0">
+                                          <p:val>
+                                            <p:strVal val="#ppt_y"/>
+                                          </p:val>
+                                        </p:tav>
+                                        <p:tav tm="100000">
+                                          <p:val>
+                                            <p:strVal val="#ppt_y"/>
+                                          </p:val>
+                                        </p:tav>
+                                      </p:tavLst>
+                                    </p:anim>
+                                  </p:childTnLst>
+                                </p:cTn>
+                              </p:par>
+                            </p:childTnLst>
+                          </p:cTn>
+                        </p:par>
+                      </p:childTnLst>
+                    </p:cTn>
+                  </p:par>
+                  <p:par>
+                    <p:cTn id="33" fill="hold">
+                      <p:stCondLst>
+                        <p:cond delay="indefinite"/>
+                      </p:stCondLst>
+                      <p:childTnLst>
+                        <p:par>
+                          <p:cTn id="34" fill="hold">
+                            <p:stCondLst>
+                              <p:cond delay="0"/>
+                            </p:stCondLst>
+                            <p:childTnLst>
+                              <p:par>
+                                <p:cTn id="35" presetClass="entr" nodeType="clickEffect" presetSubtype="8" presetID="2" grpId="6" fill="hold">
+                                  <p:stCondLst>
+                                    <p:cond delay="0"/>
+                                  </p:stCondLst>
+                                  <p:iterate type="el" backwards="0">
+                                    <p:tmAbs val="0"/>
+                                  </p:iterate>
+                                  <p:childTnLst>
+                                    <p:set>
+                                      <p:cBhvr>
+                                        <p:cTn id="36" fill="hold"/>
+                                        <p:tgtEl>
+                                          <p:spTgt spid="229"/>
+                                        </p:tgtEl>
+                                        <p:attrNameLst>
+                                          <p:attrName>style.visibility</p:attrName>
+                                        </p:attrNameLst>
+                                      </p:cBhvr>
+                                      <p:to>
+                                        <p:strVal val="visible"/>
+                                      </p:to>
+                                    </p:set>
+                                    <p:anim calcmode="lin" valueType="num">
+                                      <p:cBhvr>
+                                        <p:cTn id="37" dur="800" fill="hold"/>
+                                        <p:tgtEl>
+                                          <p:spTgt spid="229"/>
+                                        </p:tgtEl>
+                                        <p:attrNameLst>
+                                          <p:attrName>ppt_x</p:attrName>
+                                        </p:attrNameLst>
+                                      </p:cBhvr>
+                                      <p:tavLst>
+                                        <p:tav tm="0">
+                                          <p:val>
+                                            <p:strVal val="0-#ppt_w/2"/>
+                                          </p:val>
+                                        </p:tav>
+                                        <p:tav tm="100000">
+                                          <p:val>
+                                            <p:strVal val="#ppt_x"/>
+                                          </p:val>
+                                        </p:tav>
+                                      </p:tavLst>
+                                    </p:anim>
+                                    <p:anim calcmode="lin" valueType="num">
+                                      <p:cBhvr>
+                                        <p:cTn id="38" dur="800" fill="hold"/>
+                                        <p:tgtEl>
+                                          <p:spTgt spid="229"/>
+                                        </p:tgtEl>
+                                        <p:attrNameLst>
+                                          <p:attrName>ppt_y</p:attrName>
+                                        </p:attrNameLst>
+                                      </p:cBhvr>
+                                      <p:tavLst>
+                                        <p:tav tm="0">
+                                          <p:val>
+                                            <p:strVal val="#ppt_y"/>
+                                          </p:val>
+                                        </p:tav>
+                                        <p:tav tm="100000">
+                                          <p:val>
+                                            <p:strVal val="#ppt_y"/>
+                                          </p:val>
+                                        </p:tav>
+                                      </p:tavLst>
+                                    </p:anim>
+                                  </p:childTnLst>
+                                </p:cTn>
+                              </p:par>
+                            </p:childTnLst>
+                          </p:cTn>
+                        </p:par>
+                      </p:childTnLst>
+                    </p:cTn>
+                  </p:par>
+                  <p:par>
+                    <p:cTn id="39" fill="hold">
+                      <p:stCondLst>
+                        <p:cond delay="indefinite"/>
+                      </p:stCondLst>
+                      <p:childTnLst>
+                        <p:par>
+                          <p:cTn id="40" fill="hold">
+                            <p:stCondLst>
+                              <p:cond delay="0"/>
+                            </p:stCondLst>
+                            <p:childTnLst>
+                              <p:par>
+                                <p:cTn id="41" presetClass="entr" nodeType="clickEffect" presetSubtype="8" presetID="2" grpId="7" fill="hold">
+                                  <p:stCondLst>
+                                    <p:cond delay="0"/>
+                                  </p:stCondLst>
+                                  <p:iterate type="el" backwards="0">
+                                    <p:tmAbs val="0"/>
+                                  </p:iterate>
+                                  <p:childTnLst>
+                                    <p:set>
+                                      <p:cBhvr>
+                                        <p:cTn id="42" fill="hold"/>
+                                        <p:tgtEl>
+                                          <p:spTgt spid="236"/>
+                                        </p:tgtEl>
+                                        <p:attrNameLst>
+                                          <p:attrName>style.visibility</p:attrName>
+                                        </p:attrNameLst>
+                                      </p:cBhvr>
+                                      <p:to>
+                                        <p:strVal val="visible"/>
+                                      </p:to>
+                                    </p:set>
+                                    <p:anim calcmode="lin" valueType="num">
+                                      <p:cBhvr>
+                                        <p:cTn id="43" dur="800" fill="hold"/>
+                                        <p:tgtEl>
+                                          <p:spTgt spid="236"/>
+                                        </p:tgtEl>
+                                        <p:attrNameLst>
+                                          <p:attrName>ppt_x</p:attrName>
+                                        </p:attrNameLst>
+                                      </p:cBhvr>
+                                      <p:tavLst>
+                                        <p:tav tm="0">
+                                          <p:val>
+                                            <p:strVal val="0-#ppt_w/2"/>
+                                          </p:val>
+                                        </p:tav>
+                                        <p:tav tm="100000">
+                                          <p:val>
+                                            <p:strVal val="#ppt_x"/>
+                                          </p:val>
+                                        </p:tav>
+                                      </p:tavLst>
+                                    </p:anim>
+                                    <p:anim calcmode="lin" valueType="num">
+                                      <p:cBhvr>
+                                        <p:cTn id="44" dur="800" fill="hold"/>
+                                        <p:tgtEl>
+                                          <p:spTgt spid="236"/>
+                                        </p:tgtEl>
+                                        <p:attrNameLst>
+                                          <p:attrName>ppt_y</p:attrName>
+                                        </p:attrNameLst>
+                                      </p:cBhvr>
+                                      <p:tavLst>
+                                        <p:tav tm="0">
+                                          <p:val>
+                                            <p:strVal val="#ppt_y"/>
+                                          </p:val>
+                                        </p:tav>
+                                        <p:tav tm="100000">
+                                          <p:val>
+                                            <p:strVal val="#ppt_y"/>
+                                          </p:val>
+                                        </p:tav>
+                                      </p:tavLst>
+                                    </p:anim>
+                                  </p:childTnLst>
+                                </p:cTn>
+                              </p:par>
+                            </p:childTnLst>
+                          </p:cTn>
+                        </p:par>
+                      </p:childTnLst>
+                    </p:cTn>
+                  </p:par>
+                  <p:par>
+                    <p:cTn id="45" fill="hold">
+                      <p:stCondLst>
+                        <p:cond delay="indefinite"/>
+                      </p:stCondLst>
+                      <p:childTnLst>
+                        <p:par>
+                          <p:cTn id="46" fill="hold">
+                            <p:stCondLst>
+                              <p:cond delay="0"/>
+                            </p:stCondLst>
+                            <p:childTnLst>
+                              <p:par>
+                                <p:cTn id="47" presetClass="entr" nodeType="clickEffect" presetSubtype="8" presetID="2" grpId="8" fill="hold">
+                                  <p:stCondLst>
+                                    <p:cond delay="0"/>
+                                  </p:stCondLst>
+                                  <p:iterate type="el" backwards="0">
+                                    <p:tmAbs val="0"/>
+                                  </p:iterate>
+                                  <p:childTnLst>
+                                    <p:set>
+                                      <p:cBhvr>
+                                        <p:cTn id="48" fill="hold"/>
+                                        <p:tgtEl>
+                                          <p:spTgt spid="239"/>
+                                        </p:tgtEl>
+                                        <p:attrNameLst>
+                                          <p:attrName>style.visibility</p:attrName>
+                                        </p:attrNameLst>
+                                      </p:cBhvr>
+                                      <p:to>
+                                        <p:strVal val="visible"/>
+                                      </p:to>
+                                    </p:set>
+                                    <p:anim calcmode="lin" valueType="num">
+                                      <p:cBhvr>
+                                        <p:cTn id="49" dur="800" fill="hold"/>
+                                        <p:tgtEl>
+                                          <p:spTgt spid="239"/>
+                                        </p:tgtEl>
+                                        <p:attrNameLst>
+                                          <p:attrName>ppt_x</p:attrName>
+                                        </p:attrNameLst>
+                                      </p:cBhvr>
+                                      <p:tavLst>
+                                        <p:tav tm="0">
+                                          <p:val>
+                                            <p:strVal val="0-#ppt_w/2"/>
+                                          </p:val>
+                                        </p:tav>
+                                        <p:tav tm="100000">
+                                          <p:val>
+                                            <p:strVal val="#ppt_x"/>
+                                          </p:val>
+                                        </p:tav>
+                                      </p:tavLst>
+                                    </p:anim>
+                                    <p:anim calcmode="lin" valueType="num">
+                                      <p:cBhvr>
+                                        <p:cTn id="50" dur="800" fill="hold"/>
+                                        <p:tgtEl>
+                                          <p:spTgt spid="239"/>
                                         </p:tgtEl>
                                         <p:attrNameLst>
                                           <p:attrName>ppt_y</p:attrName>
@@ -9195,9 +9479,14 @@
       </p:par>
     </p:tnLst>
     <p:bldLst>
+      <p:bldP build="whole" bldLvl="1" animBg="1" rev="0" advAuto="0" spid="233" grpId="2"/>
+      <p:bldP build="whole" bldLvl="1" animBg="1" rev="0" advAuto="0" spid="236" grpId="7"/>
+      <p:bldP build="whole" bldLvl="1" animBg="1" rev="0" advAuto="0" spid="223" grpId="4"/>
+      <p:bldP build="whole" bldLvl="1" animBg="1" rev="0" advAuto="0" spid="239" grpId="8"/>
+      <p:bldP build="whole" bldLvl="1" animBg="1" rev="0" advAuto="0" spid="226" grpId="5"/>
+      <p:bldP build="whole" bldLvl="1" animBg="1" rev="0" advAuto="0" spid="229" grpId="6"/>
       <p:bldP build="whole" bldLvl="1" animBg="1" rev="0" advAuto="0" spid="217" grpId="1"/>
-      <p:bldP build="whole" bldLvl="1" animBg="1" rev="0" advAuto="0" spid="220" grpId="2"/>
-      <p:bldP build="whole" bldLvl="1" animBg="1" rev="0" advAuto="0" spid="223" grpId="3"/>
+      <p:bldP build="whole" bldLvl="1" animBg="1" rev="0" advAuto="0" spid="220" grpId="3"/>
     </p:bldLst>
   </p:timing>
 </p:sld>
@@ -9229,7 +9518,7 @@
       </p:grpSpPr>
       <p:sp>
         <p:nvSpPr>
-          <p:cNvPr id="226" name="Differences"/>
+          <p:cNvPr id="241" name="Things I like"/>
           <p:cNvSpPr txBox="1"/>
           <p:nvPr>
             <p:ph type="title"/>
@@ -9254,611 +9543,11 @@
           <a:p>
             <a:pPr/>
             <a:r>
-              <a:t>Differences</a:t>
+              <a:t>Things I like</a:t>
             </a:r>
           </a:p>
         </p:txBody>
       </p:sp>
-      <p:grpSp>
-        <p:nvGrpSpPr>
-          <p:cNvPr id="229" name="Group"/>
-          <p:cNvGrpSpPr/>
-          <p:nvPr/>
-        </p:nvGrpSpPr>
-        <p:grpSpPr>
-          <a:xfrm>
-            <a:off x="1270000" y="4098698"/>
-            <a:ext cx="2260045" cy="1494835"/>
-            <a:chOff x="0" y="219666"/>
-            <a:chExt cx="2260044" cy="1494833"/>
-          </a:xfrm>
-        </p:grpSpPr>
-        <p:sp>
-          <p:nvSpPr>
-            <p:cNvPr id="227" name="Square"/>
-            <p:cNvSpPr/>
-            <p:nvPr/>
-          </p:nvSpPr>
-          <p:spPr>
-            <a:xfrm>
-              <a:off x="0" y="219666"/>
-              <a:ext cx="449667" cy="449668"/>
-            </a:xfrm>
-            <a:prstGeom prst="rect">
-              <a:avLst/>
-            </a:prstGeom>
-            <a:solidFill>
-              <a:srgbClr val="00C853"/>
-            </a:solidFill>
-            <a:ln w="12700" cap="flat">
-              <a:noFill/>
-              <a:miter lim="400000"/>
-            </a:ln>
-            <a:effectLst/>
-          </p:spPr>
-          <p:txBody>
-            <a:bodyPr wrap="square" lIns="50800" tIns="50800" rIns="50800" bIns="50800" numCol="1" anchor="ctr">
-              <a:noAutofit/>
-            </a:bodyPr>
-            <a:lstStyle/>
-            <a:p>
-              <a:pPr algn="ctr">
-                <a:lnSpc>
-                  <a:spcPct val="80000"/>
-                </a:lnSpc>
-                <a:spcBef>
-                  <a:spcPts val="0"/>
-                </a:spcBef>
-                <a:defRPr cap="all" sz="4000">
-                  <a:solidFill>
-                    <a:srgbClr val="FFFFFF"/>
-                  </a:solidFill>
-                  <a:latin typeface="+mn-lt"/>
-                  <a:ea typeface="+mn-ea"/>
-                  <a:cs typeface="+mn-cs"/>
-                  <a:sym typeface="DIN Condensed Bold"/>
-                </a:defRPr>
-              </a:pPr>
-            </a:p>
-          </p:txBody>
-        </p:sp>
-        <p:sp>
-          <p:nvSpPr>
-            <p:cNvPr id="228" name="Statically typed nature"/>
-            <p:cNvSpPr/>
-            <p:nvPr/>
-          </p:nvSpPr>
-          <p:spPr>
-            <a:xfrm>
-              <a:off x="990044" y="444499"/>
-              <a:ext cx="1270001" cy="1270001"/>
-            </a:xfrm>
-            <a:prstGeom prst="line">
-              <a:avLst/>
-            </a:prstGeom>
-            <a:noFill/>
-            <a:ln w="12700" cap="flat">
-              <a:noFill/>
-              <a:miter lim="400000"/>
-            </a:ln>
-            <a:effectLst/>
-            <a:extLst>
-              <a:ext uri="{C572A759-6A51-4108-AA02-DFA0A04FC94B}">
-                <ma14:wrappingTextBoxFlag xmlns:ma14="http://schemas.microsoft.com/office/mac/drawingml/2011/main" val="1"/>
-              </a:ext>
-            </a:extLst>
-          </p:spPr>
-          <p:txBody>
-            <a:bodyPr wrap="none" lIns="50800" tIns="50800" rIns="50800" bIns="50800" numCol="1" anchor="ctr">
-              <a:spAutoFit/>
-            </a:bodyPr>
-            <a:lstStyle/>
-            <a:p>
-              <a:pPr>
-                <a:defRPr spc="-200" sz="4000">
-                  <a:solidFill>
-                    <a:srgbClr val="FFFFFF"/>
-                  </a:solidFill>
-                  <a:latin typeface="Meslo LG L DZ Regular for Powerline"/>
-                  <a:ea typeface="Meslo LG L DZ Regular for Powerline"/>
-                  <a:cs typeface="Meslo LG L DZ Regular for Powerline"/>
-                  <a:sym typeface="Meslo LG L DZ Regular for Powerline"/>
-                </a:defRPr>
-              </a:pPr>
-              <a:r>
-                <a:rPr b="1"/>
-                <a:t>Static</a:t>
-              </a:r>
-              <a:r>
-                <a:t>ally typed nature</a:t>
-              </a:r>
-            </a:p>
-          </p:txBody>
-        </p:sp>
-      </p:grpSp>
-      <p:grpSp>
-        <p:nvGrpSpPr>
-          <p:cNvPr id="232" name="Group"/>
-          <p:cNvGrpSpPr/>
-          <p:nvPr/>
-        </p:nvGrpSpPr>
-        <p:grpSpPr>
-          <a:xfrm>
-            <a:off x="1270000" y="6170761"/>
-            <a:ext cx="2260045" cy="1494834"/>
-            <a:chOff x="0" y="219666"/>
-            <a:chExt cx="2260044" cy="1494833"/>
-          </a:xfrm>
-        </p:grpSpPr>
-        <p:sp>
-          <p:nvSpPr>
-            <p:cNvPr id="230" name="Square"/>
-            <p:cNvSpPr/>
-            <p:nvPr/>
-          </p:nvSpPr>
-          <p:spPr>
-            <a:xfrm>
-              <a:off x="0" y="219666"/>
-              <a:ext cx="449667" cy="449668"/>
-            </a:xfrm>
-            <a:prstGeom prst="rect">
-              <a:avLst/>
-            </a:prstGeom>
-            <a:solidFill>
-              <a:srgbClr val="00C853"/>
-            </a:solidFill>
-            <a:ln w="12700" cap="flat">
-              <a:noFill/>
-              <a:miter lim="400000"/>
-            </a:ln>
-            <a:effectLst/>
-          </p:spPr>
-          <p:txBody>
-            <a:bodyPr wrap="square" lIns="50800" tIns="50800" rIns="50800" bIns="50800" numCol="1" anchor="ctr">
-              <a:noAutofit/>
-            </a:bodyPr>
-            <a:lstStyle/>
-            <a:p>
-              <a:pPr algn="ctr">
-                <a:lnSpc>
-                  <a:spcPct val="80000"/>
-                </a:lnSpc>
-                <a:spcBef>
-                  <a:spcPts val="0"/>
-                </a:spcBef>
-                <a:defRPr cap="all" sz="4000">
-                  <a:solidFill>
-                    <a:srgbClr val="FFFFFF"/>
-                  </a:solidFill>
-                  <a:latin typeface="+mn-lt"/>
-                  <a:ea typeface="+mn-ea"/>
-                  <a:cs typeface="+mn-cs"/>
-                  <a:sym typeface="DIN Condensed Bold"/>
-                </a:defRPr>
-              </a:pPr>
-            </a:p>
-          </p:txBody>
-        </p:sp>
-        <p:sp>
-          <p:nvSpPr>
-            <p:cNvPr id="231" name="Stable without breaking changes"/>
-            <p:cNvSpPr/>
-            <p:nvPr/>
-          </p:nvSpPr>
-          <p:spPr>
-            <a:xfrm>
-              <a:off x="990044" y="444499"/>
-              <a:ext cx="1270001" cy="1270001"/>
-            </a:xfrm>
-            <a:prstGeom prst="line">
-              <a:avLst/>
-            </a:prstGeom>
-            <a:noFill/>
-            <a:ln w="12700" cap="flat">
-              <a:noFill/>
-              <a:miter lim="400000"/>
-            </a:ln>
-            <a:effectLst/>
-            <a:extLst>
-              <a:ext uri="{C572A759-6A51-4108-AA02-DFA0A04FC94B}">
-                <ma14:wrappingTextBoxFlag xmlns:ma14="http://schemas.microsoft.com/office/mac/drawingml/2011/main" val="1"/>
-              </a:ext>
-            </a:extLst>
-          </p:spPr>
-          <p:txBody>
-            <a:bodyPr wrap="none" lIns="50800" tIns="50800" rIns="50800" bIns="50800" numCol="1" anchor="ctr">
-              <a:spAutoFit/>
-            </a:bodyPr>
-            <a:lstStyle/>
-            <a:p>
-              <a:pPr>
-                <a:defRPr spc="-200" sz="4000">
-                  <a:solidFill>
-                    <a:srgbClr val="FFFFFF"/>
-                  </a:solidFill>
-                  <a:latin typeface="Meslo LG L DZ Regular for Powerline"/>
-                  <a:ea typeface="Meslo LG L DZ Regular for Powerline"/>
-                  <a:cs typeface="Meslo LG L DZ Regular for Powerline"/>
-                  <a:sym typeface="Meslo LG L DZ Regular for Powerline"/>
-                </a:defRPr>
-              </a:pPr>
-              <a:r>
-                <a:rPr b="1"/>
-                <a:t>Stable</a:t>
-              </a:r>
-              <a:r>
-                <a:t> without breaking changes</a:t>
-              </a:r>
-            </a:p>
-          </p:txBody>
-        </p:sp>
-      </p:grpSp>
-      <p:grpSp>
-        <p:nvGrpSpPr>
-          <p:cNvPr id="235" name="Group"/>
-          <p:cNvGrpSpPr/>
-          <p:nvPr/>
-        </p:nvGrpSpPr>
-        <p:grpSpPr>
-          <a:xfrm>
-            <a:off x="1270000" y="7149545"/>
-            <a:ext cx="2260045" cy="1494834"/>
-            <a:chOff x="0" y="219666"/>
-            <a:chExt cx="2260044" cy="1494833"/>
-          </a:xfrm>
-        </p:grpSpPr>
-        <p:sp>
-          <p:nvSpPr>
-            <p:cNvPr id="233" name="Square"/>
-            <p:cNvSpPr/>
-            <p:nvPr/>
-          </p:nvSpPr>
-          <p:spPr>
-            <a:xfrm>
-              <a:off x="0" y="219666"/>
-              <a:ext cx="449667" cy="449668"/>
-            </a:xfrm>
-            <a:prstGeom prst="rect">
-              <a:avLst/>
-            </a:prstGeom>
-            <a:solidFill>
-              <a:srgbClr val="00C853"/>
-            </a:solidFill>
-            <a:ln w="12700" cap="flat">
-              <a:noFill/>
-              <a:miter lim="400000"/>
-            </a:ln>
-            <a:effectLst/>
-          </p:spPr>
-          <p:txBody>
-            <a:bodyPr wrap="square" lIns="50800" tIns="50800" rIns="50800" bIns="50800" numCol="1" anchor="ctr">
-              <a:noAutofit/>
-            </a:bodyPr>
-            <a:lstStyle/>
-            <a:p>
-              <a:pPr algn="ctr">
-                <a:lnSpc>
-                  <a:spcPct val="80000"/>
-                </a:lnSpc>
-                <a:spcBef>
-                  <a:spcPts val="0"/>
-                </a:spcBef>
-                <a:defRPr cap="all" sz="4000">
-                  <a:solidFill>
-                    <a:srgbClr val="FFFFFF"/>
-                  </a:solidFill>
-                  <a:latin typeface="+mn-lt"/>
-                  <a:ea typeface="+mn-ea"/>
-                  <a:cs typeface="+mn-cs"/>
-                  <a:sym typeface="DIN Condensed Bold"/>
-                </a:defRPr>
-              </a:pPr>
-            </a:p>
-          </p:txBody>
-        </p:sp>
-        <p:sp>
-          <p:nvSpPr>
-            <p:cNvPr id="234" name="Little to no changes in the ecosystem"/>
-            <p:cNvSpPr/>
-            <p:nvPr/>
-          </p:nvSpPr>
-          <p:spPr>
-            <a:xfrm>
-              <a:off x="990044" y="444499"/>
-              <a:ext cx="1270001" cy="1270001"/>
-            </a:xfrm>
-            <a:prstGeom prst="line">
-              <a:avLst/>
-            </a:prstGeom>
-            <a:noFill/>
-            <a:ln w="12700" cap="flat">
-              <a:noFill/>
-              <a:miter lim="400000"/>
-            </a:ln>
-            <a:effectLst/>
-            <a:extLst>
-              <a:ext uri="{C572A759-6A51-4108-AA02-DFA0A04FC94B}">
-                <ma14:wrappingTextBoxFlag xmlns:ma14="http://schemas.microsoft.com/office/mac/drawingml/2011/main" val="1"/>
-              </a:ext>
-            </a:extLst>
-          </p:spPr>
-          <p:txBody>
-            <a:bodyPr wrap="none" lIns="50800" tIns="50800" rIns="50800" bIns="50800" numCol="1" anchor="ctr">
-              <a:spAutoFit/>
-            </a:bodyPr>
-            <a:lstStyle/>
-            <a:p>
-              <a:pPr>
-                <a:defRPr spc="-200" sz="4000">
-                  <a:solidFill>
-                    <a:srgbClr val="FFFFFF"/>
-                  </a:solidFill>
-                  <a:latin typeface="Meslo LG L DZ Regular for Powerline"/>
-                  <a:ea typeface="Meslo LG L DZ Regular for Powerline"/>
-                  <a:cs typeface="Meslo LG L DZ Regular for Powerline"/>
-                  <a:sym typeface="Meslo LG L DZ Regular for Powerline"/>
-                </a:defRPr>
-              </a:pPr>
-              <a:r>
-                <a:rPr b="1"/>
-                <a:t>Little</a:t>
-              </a:r>
-              <a:r>
-                <a:t> to no </a:t>
-              </a:r>
-              <a:r>
-                <a:rPr b="1"/>
-                <a:t>changes</a:t>
-              </a:r>
-              <a:r>
-                <a:t> in the ecosystem</a:t>
-              </a:r>
-            </a:p>
-          </p:txBody>
-        </p:sp>
-      </p:grpSp>
-      <p:grpSp>
-        <p:nvGrpSpPr>
-          <p:cNvPr id="238" name="Group"/>
-          <p:cNvGrpSpPr/>
-          <p:nvPr/>
-        </p:nvGrpSpPr>
-        <p:grpSpPr>
-          <a:xfrm>
-            <a:off x="1270000" y="8128329"/>
-            <a:ext cx="2260045" cy="1494835"/>
-            <a:chOff x="0" y="219666"/>
-            <a:chExt cx="2260044" cy="1494833"/>
-          </a:xfrm>
-        </p:grpSpPr>
-        <p:sp>
-          <p:nvSpPr>
-            <p:cNvPr id="236" name="Square"/>
-            <p:cNvSpPr/>
-            <p:nvPr/>
-          </p:nvSpPr>
-          <p:spPr>
-            <a:xfrm>
-              <a:off x="0" y="219666"/>
-              <a:ext cx="449667" cy="449668"/>
-            </a:xfrm>
-            <a:prstGeom prst="rect">
-              <a:avLst/>
-            </a:prstGeom>
-            <a:solidFill>
-              <a:srgbClr val="00C853"/>
-            </a:solidFill>
-            <a:ln w="12700" cap="flat">
-              <a:noFill/>
-              <a:miter lim="400000"/>
-            </a:ln>
-            <a:effectLst/>
-          </p:spPr>
-          <p:txBody>
-            <a:bodyPr wrap="square" lIns="50800" tIns="50800" rIns="50800" bIns="50800" numCol="1" anchor="ctr">
-              <a:noAutofit/>
-            </a:bodyPr>
-            <a:lstStyle/>
-            <a:p>
-              <a:pPr algn="ctr">
-                <a:lnSpc>
-                  <a:spcPct val="80000"/>
-                </a:lnSpc>
-                <a:spcBef>
-                  <a:spcPts val="0"/>
-                </a:spcBef>
-                <a:defRPr cap="all" sz="4000">
-                  <a:solidFill>
-                    <a:srgbClr val="FFFFFF"/>
-                  </a:solidFill>
-                  <a:latin typeface="+mn-lt"/>
-                  <a:ea typeface="+mn-ea"/>
-                  <a:cs typeface="+mn-cs"/>
-                  <a:sym typeface="DIN Condensed Bold"/>
-                </a:defRPr>
-              </a:pPr>
-            </a:p>
-          </p:txBody>
-        </p:sp>
-        <p:sp>
-          <p:nvSpPr>
-            <p:cNvPr id="237" name="Simple Design"/>
-            <p:cNvSpPr/>
-            <p:nvPr/>
-          </p:nvSpPr>
-          <p:spPr>
-            <a:xfrm>
-              <a:off x="990044" y="444499"/>
-              <a:ext cx="1270001" cy="1270001"/>
-            </a:xfrm>
-            <a:prstGeom prst="line">
-              <a:avLst/>
-            </a:prstGeom>
-            <a:noFill/>
-            <a:ln w="12700" cap="flat">
-              <a:noFill/>
-              <a:miter lim="400000"/>
-            </a:ln>
-            <a:effectLst/>
-            <a:extLst>
-              <a:ext uri="{C572A759-6A51-4108-AA02-DFA0A04FC94B}">
-                <ma14:wrappingTextBoxFlag xmlns:ma14="http://schemas.microsoft.com/office/mac/drawingml/2011/main" val="1"/>
-              </a:ext>
-            </a:extLst>
-          </p:spPr>
-          <p:txBody>
-            <a:bodyPr wrap="none" lIns="50800" tIns="50800" rIns="50800" bIns="50800" numCol="1" anchor="ctr">
-              <a:spAutoFit/>
-            </a:bodyPr>
-            <a:lstStyle>
-              <a:lvl1pPr>
-                <a:defRPr b="1" spc="-200" sz="4000">
-                  <a:solidFill>
-                    <a:srgbClr val="FFFFFF"/>
-                  </a:solidFill>
-                  <a:latin typeface="Meslo LG L DZ Regular for Powerline"/>
-                  <a:ea typeface="Meslo LG L DZ Regular for Powerline"/>
-                  <a:cs typeface="Meslo LG L DZ Regular for Powerline"/>
-                  <a:sym typeface="Meslo LG L DZ Regular for Powerline"/>
-                </a:defRPr>
-              </a:lvl1pPr>
-            </a:lstStyle>
-            <a:p>
-              <a:pPr/>
-              <a:r>
-                <a:t>Simple Design</a:t>
-              </a:r>
-            </a:p>
-          </p:txBody>
-        </p:sp>
-      </p:grpSp>
-      <p:grpSp>
-        <p:nvGrpSpPr>
-          <p:cNvPr id="241" name="Group"/>
-          <p:cNvGrpSpPr/>
-          <p:nvPr/>
-        </p:nvGrpSpPr>
-        <p:grpSpPr>
-          <a:xfrm>
-            <a:off x="1270000" y="9107113"/>
-            <a:ext cx="2260045" cy="1494834"/>
-            <a:chOff x="0" y="219666"/>
-            <a:chExt cx="2260044" cy="1494833"/>
-          </a:xfrm>
-        </p:grpSpPr>
-        <p:sp>
-          <p:nvSpPr>
-            <p:cNvPr id="239" name="Square"/>
-            <p:cNvSpPr/>
-            <p:nvPr/>
-          </p:nvSpPr>
-          <p:spPr>
-            <a:xfrm>
-              <a:off x="0" y="219666"/>
-              <a:ext cx="449667" cy="449668"/>
-            </a:xfrm>
-            <a:prstGeom prst="rect">
-              <a:avLst/>
-            </a:prstGeom>
-            <a:solidFill>
-              <a:srgbClr val="00C853"/>
-            </a:solidFill>
-            <a:ln w="12700" cap="flat">
-              <a:noFill/>
-              <a:miter lim="400000"/>
-            </a:ln>
-            <a:effectLst/>
-          </p:spPr>
-          <p:txBody>
-            <a:bodyPr wrap="square" lIns="50800" tIns="50800" rIns="50800" bIns="50800" numCol="1" anchor="ctr">
-              <a:noAutofit/>
-            </a:bodyPr>
-            <a:lstStyle/>
-            <a:p>
-              <a:pPr algn="ctr">
-                <a:lnSpc>
-                  <a:spcPct val="80000"/>
-                </a:lnSpc>
-                <a:spcBef>
-                  <a:spcPts val="0"/>
-                </a:spcBef>
-                <a:defRPr cap="all" sz="4000">
-                  <a:solidFill>
-                    <a:srgbClr val="FFFFFF"/>
-                  </a:solidFill>
-                  <a:latin typeface="+mn-lt"/>
-                  <a:ea typeface="+mn-ea"/>
-                  <a:cs typeface="+mn-cs"/>
-                  <a:sym typeface="DIN Condensed Bold"/>
-                </a:defRPr>
-              </a:pPr>
-            </a:p>
-          </p:txBody>
-        </p:sp>
-        <p:sp>
-          <p:nvSpPr>
-            <p:cNvPr id="240" name="Encourages libraries &amp; concepts vs fully fledged frameworks"/>
-            <p:cNvSpPr/>
-            <p:nvPr/>
-          </p:nvSpPr>
-          <p:spPr>
-            <a:xfrm>
-              <a:off x="990044" y="444499"/>
-              <a:ext cx="1270001" cy="1270001"/>
-            </a:xfrm>
-            <a:prstGeom prst="line">
-              <a:avLst/>
-            </a:prstGeom>
-            <a:noFill/>
-            <a:ln w="12700" cap="flat">
-              <a:noFill/>
-              <a:miter lim="400000"/>
-            </a:ln>
-            <a:effectLst/>
-            <a:extLst>
-              <a:ext uri="{C572A759-6A51-4108-AA02-DFA0A04FC94B}">
-                <ma14:wrappingTextBoxFlag xmlns:ma14="http://schemas.microsoft.com/office/mac/drawingml/2011/main" val="1"/>
-              </a:ext>
-            </a:extLst>
-          </p:spPr>
-          <p:txBody>
-            <a:bodyPr wrap="none" lIns="50800" tIns="50800" rIns="50800" bIns="50800" numCol="1" anchor="ctr">
-              <a:spAutoFit/>
-            </a:bodyPr>
-            <a:lstStyle/>
-            <a:p>
-              <a:pPr>
-                <a:defRPr spc="-200" sz="4000">
-                  <a:solidFill>
-                    <a:srgbClr val="FFFFFF"/>
-                  </a:solidFill>
-                  <a:latin typeface="Meslo LG L DZ Regular for Powerline"/>
-                  <a:ea typeface="Meslo LG L DZ Regular for Powerline"/>
-                  <a:cs typeface="Meslo LG L DZ Regular for Powerline"/>
-                  <a:sym typeface="Meslo LG L DZ Regular for Powerline"/>
-                </a:defRPr>
-              </a:pPr>
-              <a:r>
-                <a:t>Encourages </a:t>
-              </a:r>
-              <a:r>
-                <a:rPr b="1"/>
-                <a:t>libraries</a:t>
-              </a:r>
-              <a:r>
-                <a:t> &amp; </a:t>
-              </a:r>
-              <a:r>
-                <a:rPr b="1"/>
-                <a:t>concepts</a:t>
-              </a:r>
-              <a:r>
-                <a:t> vs fully fledged frameworks</a:t>
-              </a:r>
-            </a:p>
-          </p:txBody>
-        </p:sp>
-      </p:grpSp>
       <p:grpSp>
         <p:nvGrpSpPr>
           <p:cNvPr id="244" name="Group"/>
@@ -9867,7 +9556,7 @@
         </p:nvGrpSpPr>
         <p:grpSpPr>
           <a:xfrm>
-            <a:off x="1270000" y="10085897"/>
+            <a:off x="1270000" y="4098698"/>
             <a:ext cx="2260045" cy="1494835"/>
             <a:chOff x="0" y="219666"/>
             <a:chExt cx="2260044" cy="1494833"/>
@@ -9924,7 +9613,7 @@
         </p:sp>
         <p:sp>
           <p:nvSpPr>
-            <p:cNvPr id="243" name="No centralised package repository"/>
+            <p:cNvPr id="243" name="Simplicity"/>
             <p:cNvSpPr/>
             <p:nvPr/>
           </p:nvSpPr>
@@ -9952,10 +9641,9 @@
             <a:bodyPr wrap="none" lIns="50800" tIns="50800" rIns="50800" bIns="50800" numCol="1" anchor="ctr">
               <a:spAutoFit/>
             </a:bodyPr>
-            <a:lstStyle/>
-            <a:p>
-              <a:pPr>
-                <a:defRPr spc="-200" sz="4000">
+            <a:lstStyle>
+              <a:lvl1pPr>
+                <a:defRPr b="1" spc="-200" sz="4000">
                   <a:solidFill>
                     <a:srgbClr val="FFFFFF"/>
                   </a:solidFill>
@@ -9964,63 +9652,26 @@
                   <a:cs typeface="Meslo LG L DZ Regular for Powerline"/>
                   <a:sym typeface="Meslo LG L DZ Regular for Powerline"/>
                 </a:defRPr>
-              </a:pPr>
+              </a:lvl1pPr>
+            </a:lstStyle>
+            <a:p>
+              <a:pPr/>
               <a:r>
-                <a:t>No </a:t>
-              </a:r>
-              <a:r>
-                <a:rPr b="1"/>
-                <a:t>centralised</a:t>
-              </a:r>
-              <a:r>
-                <a:t> package </a:t>
-              </a:r>
-              <a:r>
-                <a:rPr b="1"/>
-                <a:t>repository</a:t>
+                <a:t>Simplicity</a:t>
               </a:r>
             </a:p>
           </p:txBody>
         </p:sp>
       </p:grpSp>
-      <p:pic>
-        <p:nvPicPr>
-          <p:cNvPr id="245" name="junction.png" descr="junction.png"/>
-          <p:cNvPicPr>
-            <a:picLocks noChangeAspect="1"/>
-          </p:cNvPicPr>
-          <p:nvPr/>
-        </p:nvPicPr>
-        <p:blipFill>
-          <a:blip r:embed="rId2">
-            <a:extLst/>
-          </a:blip>
-          <a:stretch>
-            <a:fillRect/>
-          </a:stretch>
-        </p:blipFill>
-        <p:spPr>
-          <a:xfrm>
-            <a:off x="21222927" y="3671099"/>
-            <a:ext cx="1304867" cy="1304867"/>
-          </a:xfrm>
-          <a:prstGeom prst="rect">
-            <a:avLst/>
-          </a:prstGeom>
-          <a:ln w="12700">
-            <a:miter lim="400000"/>
-          </a:ln>
-        </p:spPr>
-      </p:pic>
       <p:grpSp>
         <p:nvGrpSpPr>
-          <p:cNvPr id="248" name="Group"/>
+          <p:cNvPr id="247" name="Group"/>
           <p:cNvGrpSpPr/>
           <p:nvPr/>
         </p:nvGrpSpPr>
         <p:grpSpPr>
           <a:xfrm>
-            <a:off x="1270000" y="5134729"/>
+            <a:off x="1270000" y="5037532"/>
             <a:ext cx="2260045" cy="1494835"/>
             <a:chOff x="0" y="219666"/>
             <a:chExt cx="2260044" cy="1494833"/>
@@ -10028,7 +9679,7 @@
         </p:grpSpPr>
         <p:sp>
           <p:nvSpPr>
-            <p:cNvPr id="246" name="Square"/>
+            <p:cNvPr id="245" name="Square"/>
             <p:cNvSpPr/>
             <p:nvPr/>
           </p:nvSpPr>
@@ -10077,7 +9728,7 @@
         </p:sp>
         <p:sp>
           <p:nvSpPr>
-            <p:cNvPr id="247" name="Mostly used for Backend/Systems only"/>
+            <p:cNvPr id="246" name="Robustness &amp; Strictness"/>
             <p:cNvSpPr/>
             <p:nvPr/>
           </p:nvSpPr>
@@ -10119,767 +9770,133 @@
                 </a:defRPr>
               </a:pPr>
               <a:r>
-                <a:t>Mostly used for </a:t>
+                <a:rPr b="1"/>
+                <a:t>Robustness</a:t>
               </a:r>
               <a:r>
-                <a:rPr b="1"/>
-                <a:t>Backend/Systems</a:t>
-              </a:r>
-              <a:r>
-                <a:t> only</a:t>
+                <a:t> &amp; Strictness</a:t>
               </a:r>
             </a:p>
           </p:txBody>
         </p:sp>
       </p:grpSp>
-    </p:spTree>
-  </p:cSld>
-  <p:clrMapOvr>
-    <a:masterClrMapping/>
-  </p:clrMapOvr>
-  <mc:AlternateContent xmlns:mc="http://schemas.openxmlformats.org/markup-compatibility/2006">
-    <mc:Choice xmlns:p14="http://schemas.microsoft.com/office/powerpoint/2010/main" Requires="p14">
-      <p:transition spd="fast" advClick="1" p14:dur="699">
-        <p:push dir="l"/>
-      </p:transition>
-    </mc:Choice>
-    <mc:Fallback>
-      <p:transition spd="fast">
-        <p:fade/>
-      </p:transition>
-    </mc:Fallback>
-  </mc:AlternateContent>
-  <p:timing>
-    <p:tnLst>
-      <p:par>
-        <p:cTn id="1" nodeType="tmRoot" restart="never" dur="indefinite" fill="hold">
-          <p:childTnLst>
-            <p:seq concurrent="1" prevAc="none" nextAc="seek">
-              <p:cTn id="2" nodeType="mainSeq" dur="indefinite" fill="hold">
-                <p:childTnLst>
-                  <p:par>
-                    <p:cTn id="3" fill="hold">
-                      <p:stCondLst>
-                        <p:cond delay="indefinite"/>
-                        <p:cond evt="onBegin">
-                          <p:tn val="2"/>
-                        </p:cond>
-                      </p:stCondLst>
-                      <p:childTnLst>
-                        <p:par>
-                          <p:cTn id="4" fill="hold">
-                            <p:stCondLst>
-                              <p:cond delay="0"/>
-                            </p:stCondLst>
-                            <p:childTnLst>
-                              <p:par>
-                                <p:cTn id="5" presetClass="entr" nodeType="afterEffect" presetSubtype="8" presetID="2" grpId="1" fill="hold">
-                                  <p:stCondLst>
-                                    <p:cond delay="0"/>
-                                  </p:stCondLst>
-                                  <p:iterate type="el" backwards="0">
-                                    <p:tmAbs val="0"/>
-                                  </p:iterate>
-                                  <p:childTnLst>
-                                    <p:set>
-                                      <p:cBhvr>
-                                        <p:cTn id="6" fill="hold"/>
-                                        <p:tgtEl>
-                                          <p:spTgt spid="229"/>
-                                        </p:tgtEl>
-                                        <p:attrNameLst>
-                                          <p:attrName>style.visibility</p:attrName>
-                                        </p:attrNameLst>
-                                      </p:cBhvr>
-                                      <p:to>
-                                        <p:strVal val="visible"/>
-                                      </p:to>
-                                    </p:set>
-                                    <p:anim calcmode="lin" valueType="num">
-                                      <p:cBhvr>
-                                        <p:cTn id="7" dur="800" fill="hold"/>
-                                        <p:tgtEl>
-                                          <p:spTgt spid="229"/>
-                                        </p:tgtEl>
-                                        <p:attrNameLst>
-                                          <p:attrName>ppt_x</p:attrName>
-                                        </p:attrNameLst>
-                                      </p:cBhvr>
-                                      <p:tavLst>
-                                        <p:tav tm="0">
-                                          <p:val>
-                                            <p:strVal val="0-#ppt_w/2"/>
-                                          </p:val>
-                                        </p:tav>
-                                        <p:tav tm="100000">
-                                          <p:val>
-                                            <p:strVal val="#ppt_x"/>
-                                          </p:val>
-                                        </p:tav>
-                                      </p:tavLst>
-                                    </p:anim>
-                                    <p:anim calcmode="lin" valueType="num">
-                                      <p:cBhvr>
-                                        <p:cTn id="8" dur="800" fill="hold"/>
-                                        <p:tgtEl>
-                                          <p:spTgt spid="229"/>
-                                        </p:tgtEl>
-                                        <p:attrNameLst>
-                                          <p:attrName>ppt_y</p:attrName>
-                                        </p:attrNameLst>
-                                      </p:cBhvr>
-                                      <p:tavLst>
-                                        <p:tav tm="0">
-                                          <p:val>
-                                            <p:strVal val="#ppt_y"/>
-                                          </p:val>
-                                        </p:tav>
-                                        <p:tav tm="100000">
-                                          <p:val>
-                                            <p:strVal val="#ppt_y"/>
-                                          </p:val>
-                                        </p:tav>
-                                      </p:tavLst>
-                                    </p:anim>
-                                  </p:childTnLst>
-                                </p:cTn>
-                              </p:par>
-                            </p:childTnLst>
-                          </p:cTn>
-                        </p:par>
-                      </p:childTnLst>
-                    </p:cTn>
-                  </p:par>
-                  <p:par>
-                    <p:cTn id="9" fill="hold">
-                      <p:stCondLst>
-                        <p:cond delay="indefinite"/>
-                      </p:stCondLst>
-                      <p:childTnLst>
-                        <p:par>
-                          <p:cTn id="10" fill="hold">
-                            <p:stCondLst>
-                              <p:cond delay="0"/>
-                            </p:stCondLst>
-                            <p:childTnLst>
-                              <p:par>
-                                <p:cTn id="11" presetClass="entr" nodeType="clickEffect" presetSubtype="8" presetID="2" grpId="2" fill="hold">
-                                  <p:stCondLst>
-                                    <p:cond delay="0"/>
-                                  </p:stCondLst>
-                                  <p:iterate type="el" backwards="0">
-                                    <p:tmAbs val="0"/>
-                                  </p:iterate>
-                                  <p:childTnLst>
-                                    <p:set>
-                                      <p:cBhvr>
-                                        <p:cTn id="12" fill="hold"/>
-                                        <p:tgtEl>
-                                          <p:spTgt spid="248"/>
-                                        </p:tgtEl>
-                                        <p:attrNameLst>
-                                          <p:attrName>style.visibility</p:attrName>
-                                        </p:attrNameLst>
-                                      </p:cBhvr>
-                                      <p:to>
-                                        <p:strVal val="visible"/>
-                                      </p:to>
-                                    </p:set>
-                                    <p:anim calcmode="lin" valueType="num">
-                                      <p:cBhvr>
-                                        <p:cTn id="13" dur="800" fill="hold"/>
-                                        <p:tgtEl>
-                                          <p:spTgt spid="248"/>
-                                        </p:tgtEl>
-                                        <p:attrNameLst>
-                                          <p:attrName>ppt_x</p:attrName>
-                                        </p:attrNameLst>
-                                      </p:cBhvr>
-                                      <p:tavLst>
-                                        <p:tav tm="0">
-                                          <p:val>
-                                            <p:strVal val="0-#ppt_w/2"/>
-                                          </p:val>
-                                        </p:tav>
-                                        <p:tav tm="100000">
-                                          <p:val>
-                                            <p:strVal val="#ppt_x"/>
-                                          </p:val>
-                                        </p:tav>
-                                      </p:tavLst>
-                                    </p:anim>
-                                    <p:anim calcmode="lin" valueType="num">
-                                      <p:cBhvr>
-                                        <p:cTn id="14" dur="800" fill="hold"/>
-                                        <p:tgtEl>
-                                          <p:spTgt spid="248"/>
-                                        </p:tgtEl>
-                                        <p:attrNameLst>
-                                          <p:attrName>ppt_y</p:attrName>
-                                        </p:attrNameLst>
-                                      </p:cBhvr>
-                                      <p:tavLst>
-                                        <p:tav tm="0">
-                                          <p:val>
-                                            <p:strVal val="#ppt_y"/>
-                                          </p:val>
-                                        </p:tav>
-                                        <p:tav tm="100000">
-                                          <p:val>
-                                            <p:strVal val="#ppt_y"/>
-                                          </p:val>
-                                        </p:tav>
-                                      </p:tavLst>
-                                    </p:anim>
-                                  </p:childTnLst>
-                                </p:cTn>
-                              </p:par>
-                            </p:childTnLst>
-                          </p:cTn>
-                        </p:par>
-                      </p:childTnLst>
-                    </p:cTn>
-                  </p:par>
-                  <p:par>
-                    <p:cTn id="15" fill="hold">
-                      <p:stCondLst>
-                        <p:cond delay="indefinite"/>
-                      </p:stCondLst>
-                      <p:childTnLst>
-                        <p:par>
-                          <p:cTn id="16" fill="hold">
-                            <p:stCondLst>
-                              <p:cond delay="0"/>
-                            </p:stCondLst>
-                            <p:childTnLst>
-                              <p:par>
-                                <p:cTn id="17" presetClass="entr" nodeType="clickEffect" presetSubtype="8" presetID="2" grpId="3" fill="hold">
-                                  <p:stCondLst>
-                                    <p:cond delay="0"/>
-                                  </p:stCondLst>
-                                  <p:iterate type="el" backwards="0">
-                                    <p:tmAbs val="0"/>
-                                  </p:iterate>
-                                  <p:childTnLst>
-                                    <p:set>
-                                      <p:cBhvr>
-                                        <p:cTn id="18" fill="hold"/>
-                                        <p:tgtEl>
-                                          <p:spTgt spid="232"/>
-                                        </p:tgtEl>
-                                        <p:attrNameLst>
-                                          <p:attrName>style.visibility</p:attrName>
-                                        </p:attrNameLst>
-                                      </p:cBhvr>
-                                      <p:to>
-                                        <p:strVal val="visible"/>
-                                      </p:to>
-                                    </p:set>
-                                    <p:anim calcmode="lin" valueType="num">
-                                      <p:cBhvr>
-                                        <p:cTn id="19" dur="800" fill="hold"/>
-                                        <p:tgtEl>
-                                          <p:spTgt spid="232"/>
-                                        </p:tgtEl>
-                                        <p:attrNameLst>
-                                          <p:attrName>ppt_x</p:attrName>
-                                        </p:attrNameLst>
-                                      </p:cBhvr>
-                                      <p:tavLst>
-                                        <p:tav tm="0">
-                                          <p:val>
-                                            <p:strVal val="0-#ppt_w/2"/>
-                                          </p:val>
-                                        </p:tav>
-                                        <p:tav tm="100000">
-                                          <p:val>
-                                            <p:strVal val="#ppt_x"/>
-                                          </p:val>
-                                        </p:tav>
-                                      </p:tavLst>
-                                    </p:anim>
-                                    <p:anim calcmode="lin" valueType="num">
-                                      <p:cBhvr>
-                                        <p:cTn id="20" dur="800" fill="hold"/>
-                                        <p:tgtEl>
-                                          <p:spTgt spid="232"/>
-                                        </p:tgtEl>
-                                        <p:attrNameLst>
-                                          <p:attrName>ppt_y</p:attrName>
-                                        </p:attrNameLst>
-                                      </p:cBhvr>
-                                      <p:tavLst>
-                                        <p:tav tm="0">
-                                          <p:val>
-                                            <p:strVal val="#ppt_y"/>
-                                          </p:val>
-                                        </p:tav>
-                                        <p:tav tm="100000">
-                                          <p:val>
-                                            <p:strVal val="#ppt_y"/>
-                                          </p:val>
-                                        </p:tav>
-                                      </p:tavLst>
-                                    </p:anim>
-                                  </p:childTnLst>
-                                </p:cTn>
-                              </p:par>
-                            </p:childTnLst>
-                          </p:cTn>
-                        </p:par>
-                      </p:childTnLst>
-                    </p:cTn>
-                  </p:par>
-                  <p:par>
-                    <p:cTn id="21" fill="hold">
-                      <p:stCondLst>
-                        <p:cond delay="indefinite"/>
-                      </p:stCondLst>
-                      <p:childTnLst>
-                        <p:par>
-                          <p:cTn id="22" fill="hold">
-                            <p:stCondLst>
-                              <p:cond delay="0"/>
-                            </p:stCondLst>
-                            <p:childTnLst>
-                              <p:par>
-                                <p:cTn id="23" presetClass="entr" nodeType="clickEffect" presetSubtype="8" presetID="2" grpId="4" fill="hold">
-                                  <p:stCondLst>
-                                    <p:cond delay="0"/>
-                                  </p:stCondLst>
-                                  <p:iterate type="el" backwards="0">
-                                    <p:tmAbs val="0"/>
-                                  </p:iterate>
-                                  <p:childTnLst>
-                                    <p:set>
-                                      <p:cBhvr>
-                                        <p:cTn id="24" fill="hold"/>
-                                        <p:tgtEl>
-                                          <p:spTgt spid="235"/>
-                                        </p:tgtEl>
-                                        <p:attrNameLst>
-                                          <p:attrName>style.visibility</p:attrName>
-                                        </p:attrNameLst>
-                                      </p:cBhvr>
-                                      <p:to>
-                                        <p:strVal val="visible"/>
-                                      </p:to>
-                                    </p:set>
-                                    <p:anim calcmode="lin" valueType="num">
-                                      <p:cBhvr>
-                                        <p:cTn id="25" dur="800" fill="hold"/>
-                                        <p:tgtEl>
-                                          <p:spTgt spid="235"/>
-                                        </p:tgtEl>
-                                        <p:attrNameLst>
-                                          <p:attrName>ppt_x</p:attrName>
-                                        </p:attrNameLst>
-                                      </p:cBhvr>
-                                      <p:tavLst>
-                                        <p:tav tm="0">
-                                          <p:val>
-                                            <p:strVal val="0-#ppt_w/2"/>
-                                          </p:val>
-                                        </p:tav>
-                                        <p:tav tm="100000">
-                                          <p:val>
-                                            <p:strVal val="#ppt_x"/>
-                                          </p:val>
-                                        </p:tav>
-                                      </p:tavLst>
-                                    </p:anim>
-                                    <p:anim calcmode="lin" valueType="num">
-                                      <p:cBhvr>
-                                        <p:cTn id="26" dur="800" fill="hold"/>
-                                        <p:tgtEl>
-                                          <p:spTgt spid="235"/>
-                                        </p:tgtEl>
-                                        <p:attrNameLst>
-                                          <p:attrName>ppt_y</p:attrName>
-                                        </p:attrNameLst>
-                                      </p:cBhvr>
-                                      <p:tavLst>
-                                        <p:tav tm="0">
-                                          <p:val>
-                                            <p:strVal val="#ppt_y"/>
-                                          </p:val>
-                                        </p:tav>
-                                        <p:tav tm="100000">
-                                          <p:val>
-                                            <p:strVal val="#ppt_y"/>
-                                          </p:val>
-                                        </p:tav>
-                                      </p:tavLst>
-                                    </p:anim>
-                                  </p:childTnLst>
-                                </p:cTn>
-                              </p:par>
-                            </p:childTnLst>
-                          </p:cTn>
-                        </p:par>
-                      </p:childTnLst>
-                    </p:cTn>
-                  </p:par>
-                  <p:par>
-                    <p:cTn id="27" fill="hold">
-                      <p:stCondLst>
-                        <p:cond delay="indefinite"/>
-                      </p:stCondLst>
-                      <p:childTnLst>
-                        <p:par>
-                          <p:cTn id="28" fill="hold">
-                            <p:stCondLst>
-                              <p:cond delay="0"/>
-                            </p:stCondLst>
-                            <p:childTnLst>
-                              <p:par>
-                                <p:cTn id="29" presetClass="entr" nodeType="clickEffect" presetSubtype="8" presetID="2" grpId="5" fill="hold">
-                                  <p:stCondLst>
-                                    <p:cond delay="0"/>
-                                  </p:stCondLst>
-                                  <p:iterate type="el" backwards="0">
-                                    <p:tmAbs val="0"/>
-                                  </p:iterate>
-                                  <p:childTnLst>
-                                    <p:set>
-                                      <p:cBhvr>
-                                        <p:cTn id="30" fill="hold"/>
-                                        <p:tgtEl>
-                                          <p:spTgt spid="238"/>
-                                        </p:tgtEl>
-                                        <p:attrNameLst>
-                                          <p:attrName>style.visibility</p:attrName>
-                                        </p:attrNameLst>
-                                      </p:cBhvr>
-                                      <p:to>
-                                        <p:strVal val="visible"/>
-                                      </p:to>
-                                    </p:set>
-                                    <p:anim calcmode="lin" valueType="num">
-                                      <p:cBhvr>
-                                        <p:cTn id="31" dur="800" fill="hold"/>
-                                        <p:tgtEl>
-                                          <p:spTgt spid="238"/>
-                                        </p:tgtEl>
-                                        <p:attrNameLst>
-                                          <p:attrName>ppt_x</p:attrName>
-                                        </p:attrNameLst>
-                                      </p:cBhvr>
-                                      <p:tavLst>
-                                        <p:tav tm="0">
-                                          <p:val>
-                                            <p:strVal val="0-#ppt_w/2"/>
-                                          </p:val>
-                                        </p:tav>
-                                        <p:tav tm="100000">
-                                          <p:val>
-                                            <p:strVal val="#ppt_x"/>
-                                          </p:val>
-                                        </p:tav>
-                                      </p:tavLst>
-                                    </p:anim>
-                                    <p:anim calcmode="lin" valueType="num">
-                                      <p:cBhvr>
-                                        <p:cTn id="32" dur="800" fill="hold"/>
-                                        <p:tgtEl>
-                                          <p:spTgt spid="238"/>
-                                        </p:tgtEl>
-                                        <p:attrNameLst>
-                                          <p:attrName>ppt_y</p:attrName>
-                                        </p:attrNameLst>
-                                      </p:cBhvr>
-                                      <p:tavLst>
-                                        <p:tav tm="0">
-                                          <p:val>
-                                            <p:strVal val="#ppt_y"/>
-                                          </p:val>
-                                        </p:tav>
-                                        <p:tav tm="100000">
-                                          <p:val>
-                                            <p:strVal val="#ppt_y"/>
-                                          </p:val>
-                                        </p:tav>
-                                      </p:tavLst>
-                                    </p:anim>
-                                  </p:childTnLst>
-                                </p:cTn>
-                              </p:par>
-                            </p:childTnLst>
-                          </p:cTn>
-                        </p:par>
-                      </p:childTnLst>
-                    </p:cTn>
-                  </p:par>
-                  <p:par>
-                    <p:cTn id="33" fill="hold">
-                      <p:stCondLst>
-                        <p:cond delay="indefinite"/>
-                      </p:stCondLst>
-                      <p:childTnLst>
-                        <p:par>
-                          <p:cTn id="34" fill="hold">
-                            <p:stCondLst>
-                              <p:cond delay="0"/>
-                            </p:stCondLst>
-                            <p:childTnLst>
-                              <p:par>
-                                <p:cTn id="35" presetClass="entr" nodeType="clickEffect" presetSubtype="8" presetID="2" grpId="6" fill="hold">
-                                  <p:stCondLst>
-                                    <p:cond delay="0"/>
-                                  </p:stCondLst>
-                                  <p:iterate type="el" backwards="0">
-                                    <p:tmAbs val="0"/>
-                                  </p:iterate>
-                                  <p:childTnLst>
-                                    <p:set>
-                                      <p:cBhvr>
-                                        <p:cTn id="36" fill="hold"/>
-                                        <p:tgtEl>
-                                          <p:spTgt spid="241"/>
-                                        </p:tgtEl>
-                                        <p:attrNameLst>
-                                          <p:attrName>style.visibility</p:attrName>
-                                        </p:attrNameLst>
-                                      </p:cBhvr>
-                                      <p:to>
-                                        <p:strVal val="visible"/>
-                                      </p:to>
-                                    </p:set>
-                                    <p:anim calcmode="lin" valueType="num">
-                                      <p:cBhvr>
-                                        <p:cTn id="37" dur="800" fill="hold"/>
-                                        <p:tgtEl>
-                                          <p:spTgt spid="241"/>
-                                        </p:tgtEl>
-                                        <p:attrNameLst>
-                                          <p:attrName>ppt_x</p:attrName>
-                                        </p:attrNameLst>
-                                      </p:cBhvr>
-                                      <p:tavLst>
-                                        <p:tav tm="0">
-                                          <p:val>
-                                            <p:strVal val="0-#ppt_w/2"/>
-                                          </p:val>
-                                        </p:tav>
-                                        <p:tav tm="100000">
-                                          <p:val>
-                                            <p:strVal val="#ppt_x"/>
-                                          </p:val>
-                                        </p:tav>
-                                      </p:tavLst>
-                                    </p:anim>
-                                    <p:anim calcmode="lin" valueType="num">
-                                      <p:cBhvr>
-                                        <p:cTn id="38" dur="800" fill="hold"/>
-                                        <p:tgtEl>
-                                          <p:spTgt spid="241"/>
-                                        </p:tgtEl>
-                                        <p:attrNameLst>
-                                          <p:attrName>ppt_y</p:attrName>
-                                        </p:attrNameLst>
-                                      </p:cBhvr>
-                                      <p:tavLst>
-                                        <p:tav tm="0">
-                                          <p:val>
-                                            <p:strVal val="#ppt_y"/>
-                                          </p:val>
-                                        </p:tav>
-                                        <p:tav tm="100000">
-                                          <p:val>
-                                            <p:strVal val="#ppt_y"/>
-                                          </p:val>
-                                        </p:tav>
-                                      </p:tavLst>
-                                    </p:anim>
-                                  </p:childTnLst>
-                                </p:cTn>
-                              </p:par>
-                            </p:childTnLst>
-                          </p:cTn>
-                        </p:par>
-                      </p:childTnLst>
-                    </p:cTn>
-                  </p:par>
-                  <p:par>
-                    <p:cTn id="39" fill="hold">
-                      <p:stCondLst>
-                        <p:cond delay="indefinite"/>
-                      </p:stCondLst>
-                      <p:childTnLst>
-                        <p:par>
-                          <p:cTn id="40" fill="hold">
-                            <p:stCondLst>
-                              <p:cond delay="0"/>
-                            </p:stCondLst>
-                            <p:childTnLst>
-                              <p:par>
-                                <p:cTn id="41" presetClass="entr" nodeType="clickEffect" presetSubtype="8" presetID="2" grpId="7" fill="hold">
-                                  <p:stCondLst>
-                                    <p:cond delay="0"/>
-                                  </p:stCondLst>
-                                  <p:iterate type="el" backwards="0">
-                                    <p:tmAbs val="0"/>
-                                  </p:iterate>
-                                  <p:childTnLst>
-                                    <p:set>
-                                      <p:cBhvr>
-                                        <p:cTn id="42" fill="hold"/>
-                                        <p:tgtEl>
-                                          <p:spTgt spid="244"/>
-                                        </p:tgtEl>
-                                        <p:attrNameLst>
-                                          <p:attrName>style.visibility</p:attrName>
-                                        </p:attrNameLst>
-                                      </p:cBhvr>
-                                      <p:to>
-                                        <p:strVal val="visible"/>
-                                      </p:to>
-                                    </p:set>
-                                    <p:anim calcmode="lin" valueType="num">
-                                      <p:cBhvr>
-                                        <p:cTn id="43" dur="800" fill="hold"/>
-                                        <p:tgtEl>
-                                          <p:spTgt spid="244"/>
-                                        </p:tgtEl>
-                                        <p:attrNameLst>
-                                          <p:attrName>ppt_x</p:attrName>
-                                        </p:attrNameLst>
-                                      </p:cBhvr>
-                                      <p:tavLst>
-                                        <p:tav tm="0">
-                                          <p:val>
-                                            <p:strVal val="0-#ppt_w/2"/>
-                                          </p:val>
-                                        </p:tav>
-                                        <p:tav tm="100000">
-                                          <p:val>
-                                            <p:strVal val="#ppt_x"/>
-                                          </p:val>
-                                        </p:tav>
-                                      </p:tavLst>
-                                    </p:anim>
-                                    <p:anim calcmode="lin" valueType="num">
-                                      <p:cBhvr>
-                                        <p:cTn id="44" dur="800" fill="hold"/>
-                                        <p:tgtEl>
-                                          <p:spTgt spid="244"/>
-                                        </p:tgtEl>
-                                        <p:attrNameLst>
-                                          <p:attrName>ppt_y</p:attrName>
-                                        </p:attrNameLst>
-                                      </p:cBhvr>
-                                      <p:tavLst>
-                                        <p:tav tm="0">
-                                          <p:val>
-                                            <p:strVal val="#ppt_y"/>
-                                          </p:val>
-                                        </p:tav>
-                                        <p:tav tm="100000">
-                                          <p:val>
-                                            <p:strVal val="#ppt_y"/>
-                                          </p:val>
-                                        </p:tav>
-                                      </p:tavLst>
-                                    </p:anim>
-                                  </p:childTnLst>
-                                </p:cTn>
-                              </p:par>
-                            </p:childTnLst>
-                          </p:cTn>
-                        </p:par>
-                      </p:childTnLst>
-                    </p:cTn>
-                  </p:par>
-                </p:childTnLst>
-              </p:cTn>
-              <p:prevCondLst>
-                <p:cond evt="onPrev">
-                  <p:tgtEl>
-                    <p:sldTgt/>
-                  </p:tgtEl>
-                </p:cond>
-              </p:prevCondLst>
-              <p:nextCondLst>
-                <p:cond evt="onNext">
-                  <p:tgtEl>
-                    <p:sldTgt/>
-                  </p:tgtEl>
-                </p:cond>
-              </p:nextCondLst>
-            </p:seq>
-          </p:childTnLst>
-        </p:cTn>
-      </p:par>
-    </p:tnLst>
-    <p:bldLst>
-      <p:bldP build="whole" bldLvl="1" animBg="1" rev="0" advAuto="0" spid="241" grpId="6"/>
-      <p:bldP build="whole" bldLvl="1" animBg="1" rev="0" advAuto="0" spid="244" grpId="7"/>
-      <p:bldP build="whole" bldLvl="1" animBg="1" rev="0" advAuto="0" spid="235" grpId="4"/>
-      <p:bldP build="whole" bldLvl="1" animBg="1" rev="0" advAuto="0" spid="232" grpId="3"/>
-      <p:bldP build="whole" bldLvl="1" animBg="1" rev="0" advAuto="0" spid="238" grpId="5"/>
-      <p:bldP build="whole" bldLvl="1" animBg="1" rev="0" advAuto="0" spid="229" grpId="1"/>
-      <p:bldP build="whole" bldLvl="1" animBg="1" rev="0" advAuto="0" spid="248" grpId="2"/>
-    </p:bldLst>
-  </p:timing>
-</p:sld>
-</file>
-
-<file path=ppt/slides/slide7.xml><?xml version="1.0" encoding="utf-8"?>
-<p:sld xmlns:a="http://schemas.openxmlformats.org/drawingml/2006/main" xmlns:r="http://schemas.openxmlformats.org/officeDocument/2006/relationships" xmlns:p="http://schemas.openxmlformats.org/presentationml/2006/main" xmlns:m="http://schemas.openxmlformats.org/officeDocument/2006/math" xmlns:a14="http://schemas.microsoft.com/office/drawing/2010/main" showMasterSp="1" showMasterPhAnim="1">
-  <p:cSld>
-    <p:bg>
-      <p:bgPr>
-        <a:solidFill>
-          <a:srgbClr val="0F0F0F"/>
-        </a:solidFill>
-      </p:bgPr>
-    </p:bg>
-    <p:spTree>
-      <p:nvGrpSpPr>
-        <p:cNvPr id="1" name=""/>
-        <p:cNvGrpSpPr/>
-        <p:nvPr/>
-      </p:nvGrpSpPr>
-      <p:grpSpPr>
-        <a:xfrm>
-          <a:off x="0" y="0"/>
-          <a:ext cx="0" cy="0"/>
-          <a:chOff x="0" y="0"/>
-          <a:chExt cx="0" cy="0"/>
-        </a:xfrm>
-      </p:grpSpPr>
-      <p:sp>
-        <p:nvSpPr>
-          <p:cNvPr id="250" name="Things I like"/>
-          <p:cNvSpPr txBox="1"/>
-          <p:nvPr>
-            <p:ph type="title"/>
-          </p:nvPr>
-        </p:nvSpPr>
-        <p:spPr>
+      <p:grpSp>
+        <p:nvGrpSpPr>
+          <p:cNvPr id="250" name="Group"/>
+          <p:cNvGrpSpPr/>
+          <p:nvPr/>
+        </p:nvGrpSpPr>
+        <p:grpSpPr>
           <a:xfrm>
-            <a:off x="5428561" y="1270000"/>
-            <a:ext cx="13526878" cy="1840721"/>
+            <a:off x="1270000" y="5976365"/>
+            <a:ext cx="2260045" cy="1494835"/>
+            <a:chOff x="0" y="219666"/>
+            <a:chExt cx="2260044" cy="1494833"/>
           </a:xfrm>
-          <a:prstGeom prst="rect">
-            <a:avLst/>
-          </a:prstGeom>
-        </p:spPr>
-        <p:txBody>
-          <a:bodyPr/>
-          <a:lstStyle>
-            <a:lvl1pPr algn="ctr">
-              <a:defRPr sz="9000"/>
-            </a:lvl1pPr>
-          </a:lstStyle>
-          <a:p>
-            <a:pPr/>
-            <a:r>
-              <a:t>Things I like</a:t>
-            </a:r>
-          </a:p>
-        </p:txBody>
-      </p:sp>
+        </p:grpSpPr>
+        <p:sp>
+          <p:nvSpPr>
+            <p:cNvPr id="248" name="Square"/>
+            <p:cNvSpPr/>
+            <p:nvPr/>
+          </p:nvSpPr>
+          <p:spPr>
+            <a:xfrm>
+              <a:off x="0" y="219666"/>
+              <a:ext cx="449667" cy="449668"/>
+            </a:xfrm>
+            <a:prstGeom prst="rect">
+              <a:avLst/>
+            </a:prstGeom>
+            <a:solidFill>
+              <a:srgbClr val="00C853"/>
+            </a:solidFill>
+            <a:ln w="12700" cap="flat">
+              <a:noFill/>
+              <a:miter lim="400000"/>
+            </a:ln>
+            <a:effectLst/>
+          </p:spPr>
+          <p:txBody>
+            <a:bodyPr wrap="square" lIns="50800" tIns="50800" rIns="50800" bIns="50800" numCol="1" anchor="ctr">
+              <a:noAutofit/>
+            </a:bodyPr>
+            <a:lstStyle/>
+            <a:p>
+              <a:pPr algn="ctr">
+                <a:lnSpc>
+                  <a:spcPct val="80000"/>
+                </a:lnSpc>
+                <a:spcBef>
+                  <a:spcPts val="0"/>
+                </a:spcBef>
+                <a:defRPr cap="all" sz="4000">
+                  <a:solidFill>
+                    <a:srgbClr val="FFFFFF"/>
+                  </a:solidFill>
+                  <a:latin typeface="+mn-lt"/>
+                  <a:ea typeface="+mn-ea"/>
+                  <a:cs typeface="+mn-cs"/>
+                  <a:sym typeface="DIN Condensed Bold"/>
+                </a:defRPr>
+              </a:pPr>
+            </a:p>
+          </p:txBody>
+        </p:sp>
+        <p:sp>
+          <p:nvSpPr>
+            <p:cNvPr id="249" name="Safety &amp; Stability"/>
+            <p:cNvSpPr/>
+            <p:nvPr/>
+          </p:nvSpPr>
+          <p:spPr>
+            <a:xfrm>
+              <a:off x="990044" y="444499"/>
+              <a:ext cx="1270001" cy="1270001"/>
+            </a:xfrm>
+            <a:prstGeom prst="line">
+              <a:avLst/>
+            </a:prstGeom>
+            <a:noFill/>
+            <a:ln w="12700" cap="flat">
+              <a:noFill/>
+              <a:miter lim="400000"/>
+            </a:ln>
+            <a:effectLst/>
+            <a:extLst>
+              <a:ext uri="{C572A759-6A51-4108-AA02-DFA0A04FC94B}">
+                <ma14:wrappingTextBoxFlag xmlns:ma14="http://schemas.microsoft.com/office/mac/drawingml/2011/main" val="1"/>
+              </a:ext>
+            </a:extLst>
+          </p:spPr>
+          <p:txBody>
+            <a:bodyPr wrap="none" lIns="50800" tIns="50800" rIns="50800" bIns="50800" numCol="1" anchor="ctr">
+              <a:spAutoFit/>
+            </a:bodyPr>
+            <a:lstStyle/>
+            <a:p>
+              <a:pPr>
+                <a:defRPr spc="-200" sz="4000">
+                  <a:solidFill>
+                    <a:srgbClr val="FFFFFF"/>
+                  </a:solidFill>
+                  <a:latin typeface="Meslo LG L DZ Regular for Powerline"/>
+                  <a:ea typeface="Meslo LG L DZ Regular for Powerline"/>
+                  <a:cs typeface="Meslo LG L DZ Regular for Powerline"/>
+                  <a:sym typeface="Meslo LG L DZ Regular for Powerline"/>
+                </a:defRPr>
+              </a:pPr>
+              <a:r>
+                <a:t>Safety &amp; </a:t>
+              </a:r>
+              <a:r>
+                <a:rPr b="1"/>
+                <a:t>Stability</a:t>
+              </a:r>
+            </a:p>
+          </p:txBody>
+        </p:sp>
+      </p:grpSp>
       <p:grpSp>
         <p:nvGrpSpPr>
           <p:cNvPr id="253" name="Group"/>
@@ -10888,7 +9905,7 @@
         </p:nvGrpSpPr>
         <p:grpSpPr>
           <a:xfrm>
-            <a:off x="1270000" y="4098698"/>
+            <a:off x="1270000" y="6915199"/>
             <a:ext cx="2260045" cy="1494835"/>
             <a:chOff x="0" y="219666"/>
             <a:chExt cx="2260044" cy="1494833"/>
@@ -10945,7 +9962,7 @@
         </p:sp>
         <p:sp>
           <p:nvSpPr>
-            <p:cNvPr id="252" name="Simplicity"/>
+            <p:cNvPr id="252" name="Productive"/>
             <p:cNvSpPr/>
             <p:nvPr/>
           </p:nvSpPr>
@@ -10989,7 +10006,7 @@
             <a:p>
               <a:pPr/>
               <a:r>
-                <a:t>Simplicity</a:t>
+                <a:t>Productive</a:t>
               </a:r>
             </a:p>
           </p:txBody>
@@ -11003,8 +10020,8 @@
         </p:nvGrpSpPr>
         <p:grpSpPr>
           <a:xfrm>
-            <a:off x="1270000" y="5037532"/>
-            <a:ext cx="2260045" cy="1494835"/>
+            <a:off x="1270000" y="7854033"/>
+            <a:ext cx="2260045" cy="1494834"/>
             <a:chOff x="0" y="219666"/>
             <a:chExt cx="2260044" cy="1494833"/>
           </a:xfrm>
@@ -11060,7 +10077,7 @@
         </p:sp>
         <p:sp>
           <p:nvSpPr>
-            <p:cNvPr id="255" name="Robustness &amp; Strictness"/>
+            <p:cNvPr id="255" name="Can get hired without Go experience"/>
             <p:cNvSpPr/>
             <p:nvPr/>
           </p:nvSpPr>
@@ -11091,7 +10108,7 @@
             <a:lstStyle/>
             <a:p>
               <a:pPr>
-                <a:defRPr spc="-200" sz="4000">
+                <a:defRPr b="1" spc="-200" sz="4000">
                   <a:solidFill>
                     <a:srgbClr val="FFFFFF"/>
                   </a:solidFill>
@@ -11102,374 +10119,11 @@
                 </a:defRPr>
               </a:pPr>
               <a:r>
-                <a:rPr b="1"/>
-                <a:t>Robustness</a:t>
+                <a:rPr b="0"/>
+                <a:t>Can get</a:t>
               </a:r>
               <a:r>
-                <a:t> &amp; Strictness</a:t>
-              </a:r>
-            </a:p>
-          </p:txBody>
-        </p:sp>
-      </p:grpSp>
-      <p:grpSp>
-        <p:nvGrpSpPr>
-          <p:cNvPr id="259" name="Group"/>
-          <p:cNvGrpSpPr/>
-          <p:nvPr/>
-        </p:nvGrpSpPr>
-        <p:grpSpPr>
-          <a:xfrm>
-            <a:off x="1270000" y="5976365"/>
-            <a:ext cx="2260045" cy="1494835"/>
-            <a:chOff x="0" y="219666"/>
-            <a:chExt cx="2260044" cy="1494833"/>
-          </a:xfrm>
-        </p:grpSpPr>
-        <p:sp>
-          <p:nvSpPr>
-            <p:cNvPr id="257" name="Square"/>
-            <p:cNvSpPr/>
-            <p:nvPr/>
-          </p:nvSpPr>
-          <p:spPr>
-            <a:xfrm>
-              <a:off x="0" y="219666"/>
-              <a:ext cx="449667" cy="449668"/>
-            </a:xfrm>
-            <a:prstGeom prst="rect">
-              <a:avLst/>
-            </a:prstGeom>
-            <a:solidFill>
-              <a:srgbClr val="00C853"/>
-            </a:solidFill>
-            <a:ln w="12700" cap="flat">
-              <a:noFill/>
-              <a:miter lim="400000"/>
-            </a:ln>
-            <a:effectLst/>
-          </p:spPr>
-          <p:txBody>
-            <a:bodyPr wrap="square" lIns="50800" tIns="50800" rIns="50800" bIns="50800" numCol="1" anchor="ctr">
-              <a:noAutofit/>
-            </a:bodyPr>
-            <a:lstStyle/>
-            <a:p>
-              <a:pPr algn="ctr">
-                <a:lnSpc>
-                  <a:spcPct val="80000"/>
-                </a:lnSpc>
-                <a:spcBef>
-                  <a:spcPts val="0"/>
-                </a:spcBef>
-                <a:defRPr cap="all" sz="4000">
-                  <a:solidFill>
-                    <a:srgbClr val="FFFFFF"/>
-                  </a:solidFill>
-                  <a:latin typeface="+mn-lt"/>
-                  <a:ea typeface="+mn-ea"/>
-                  <a:cs typeface="+mn-cs"/>
-                  <a:sym typeface="DIN Condensed Bold"/>
-                </a:defRPr>
-              </a:pPr>
-            </a:p>
-          </p:txBody>
-        </p:sp>
-        <p:sp>
-          <p:nvSpPr>
-            <p:cNvPr id="258" name="Safety &amp; Stability"/>
-            <p:cNvSpPr/>
-            <p:nvPr/>
-          </p:nvSpPr>
-          <p:spPr>
-            <a:xfrm>
-              <a:off x="990044" y="444499"/>
-              <a:ext cx="1270001" cy="1270001"/>
-            </a:xfrm>
-            <a:prstGeom prst="line">
-              <a:avLst/>
-            </a:prstGeom>
-            <a:noFill/>
-            <a:ln w="12700" cap="flat">
-              <a:noFill/>
-              <a:miter lim="400000"/>
-            </a:ln>
-            <a:effectLst/>
-            <a:extLst>
-              <a:ext uri="{C572A759-6A51-4108-AA02-DFA0A04FC94B}">
-                <ma14:wrappingTextBoxFlag xmlns:ma14="http://schemas.microsoft.com/office/mac/drawingml/2011/main" val="1"/>
-              </a:ext>
-            </a:extLst>
-          </p:spPr>
-          <p:txBody>
-            <a:bodyPr wrap="none" lIns="50800" tIns="50800" rIns="50800" bIns="50800" numCol="1" anchor="ctr">
-              <a:spAutoFit/>
-            </a:bodyPr>
-            <a:lstStyle/>
-            <a:p>
-              <a:pPr>
-                <a:defRPr spc="-200" sz="4000">
-                  <a:solidFill>
-                    <a:srgbClr val="FFFFFF"/>
-                  </a:solidFill>
-                  <a:latin typeface="Meslo LG L DZ Regular for Powerline"/>
-                  <a:ea typeface="Meslo LG L DZ Regular for Powerline"/>
-                  <a:cs typeface="Meslo LG L DZ Regular for Powerline"/>
-                  <a:sym typeface="Meslo LG L DZ Regular for Powerline"/>
-                </a:defRPr>
-              </a:pPr>
-              <a:r>
-                <a:t>Safety &amp; </a:t>
-              </a:r>
-              <a:r>
-                <a:rPr b="1"/>
-                <a:t>Stability</a:t>
-              </a:r>
-            </a:p>
-          </p:txBody>
-        </p:sp>
-      </p:grpSp>
-      <p:grpSp>
-        <p:nvGrpSpPr>
-          <p:cNvPr id="262" name="Group"/>
-          <p:cNvGrpSpPr/>
-          <p:nvPr/>
-        </p:nvGrpSpPr>
-        <p:grpSpPr>
-          <a:xfrm>
-            <a:off x="1270000" y="6915199"/>
-            <a:ext cx="2260045" cy="1494835"/>
-            <a:chOff x="0" y="219666"/>
-            <a:chExt cx="2260044" cy="1494833"/>
-          </a:xfrm>
-        </p:grpSpPr>
-        <p:sp>
-          <p:nvSpPr>
-            <p:cNvPr id="260" name="Square"/>
-            <p:cNvSpPr/>
-            <p:nvPr/>
-          </p:nvSpPr>
-          <p:spPr>
-            <a:xfrm>
-              <a:off x="0" y="219666"/>
-              <a:ext cx="449667" cy="449668"/>
-            </a:xfrm>
-            <a:prstGeom prst="rect">
-              <a:avLst/>
-            </a:prstGeom>
-            <a:solidFill>
-              <a:srgbClr val="00C853"/>
-            </a:solidFill>
-            <a:ln w="12700" cap="flat">
-              <a:noFill/>
-              <a:miter lim="400000"/>
-            </a:ln>
-            <a:effectLst/>
-          </p:spPr>
-          <p:txBody>
-            <a:bodyPr wrap="square" lIns="50800" tIns="50800" rIns="50800" bIns="50800" numCol="1" anchor="ctr">
-              <a:noAutofit/>
-            </a:bodyPr>
-            <a:lstStyle/>
-            <a:p>
-              <a:pPr algn="ctr">
-                <a:lnSpc>
-                  <a:spcPct val="80000"/>
-                </a:lnSpc>
-                <a:spcBef>
-                  <a:spcPts val="0"/>
-                </a:spcBef>
-                <a:defRPr cap="all" sz="4000">
-                  <a:solidFill>
-                    <a:srgbClr val="FFFFFF"/>
-                  </a:solidFill>
-                  <a:latin typeface="+mn-lt"/>
-                  <a:ea typeface="+mn-ea"/>
-                  <a:cs typeface="+mn-cs"/>
-                  <a:sym typeface="DIN Condensed Bold"/>
-                </a:defRPr>
-              </a:pPr>
-            </a:p>
-          </p:txBody>
-        </p:sp>
-        <p:sp>
-          <p:nvSpPr>
-            <p:cNvPr id="261" name="Can get hired without Go experience"/>
-            <p:cNvSpPr/>
-            <p:nvPr/>
-          </p:nvSpPr>
-          <p:spPr>
-            <a:xfrm>
-              <a:off x="990044" y="444499"/>
-              <a:ext cx="1270001" cy="1270001"/>
-            </a:xfrm>
-            <a:prstGeom prst="line">
-              <a:avLst/>
-            </a:prstGeom>
-            <a:noFill/>
-            <a:ln w="12700" cap="flat">
-              <a:noFill/>
-              <a:miter lim="400000"/>
-            </a:ln>
-            <a:effectLst/>
-            <a:extLst>
-              <a:ext uri="{C572A759-6A51-4108-AA02-DFA0A04FC94B}">
-                <ma14:wrappingTextBoxFlag xmlns:ma14="http://schemas.microsoft.com/office/mac/drawingml/2011/main" val="1"/>
-              </a:ext>
-            </a:extLst>
-          </p:spPr>
-          <p:txBody>
-            <a:bodyPr wrap="none" lIns="50800" tIns="50800" rIns="50800" bIns="50800" numCol="1" anchor="ctr">
-              <a:spAutoFit/>
-            </a:bodyPr>
-            <a:lstStyle/>
-            <a:p>
-              <a:pPr>
-                <a:defRPr spc="-200" sz="4000">
-                  <a:solidFill>
-                    <a:srgbClr val="FFFFFF"/>
-                  </a:solidFill>
-                  <a:latin typeface="Meslo LG L DZ Regular for Powerline"/>
-                  <a:ea typeface="Meslo LG L DZ Regular for Powerline"/>
-                  <a:cs typeface="Meslo LG L DZ Regular for Powerline"/>
-                  <a:sym typeface="Meslo LG L DZ Regular for Powerline"/>
-                </a:defRPr>
-              </a:pPr>
-              <a:r>
-                <a:t>Can get </a:t>
-              </a:r>
-              <a:r>
-                <a:rPr b="1"/>
-                <a:t>hired</a:t>
-              </a:r>
-              <a:r>
-                <a:t> </a:t>
-              </a:r>
-              <a:r>
-                <a:rPr b="1"/>
-                <a:t>without</a:t>
-              </a:r>
-              <a:r>
-                <a:t> Go </a:t>
-              </a:r>
-              <a:r>
-                <a:rPr b="1"/>
-                <a:t>experience</a:t>
-              </a:r>
-            </a:p>
-          </p:txBody>
-        </p:sp>
-      </p:grpSp>
-      <p:grpSp>
-        <p:nvGrpSpPr>
-          <p:cNvPr id="265" name="Group"/>
-          <p:cNvGrpSpPr/>
-          <p:nvPr/>
-        </p:nvGrpSpPr>
-        <p:grpSpPr>
-          <a:xfrm>
-            <a:off x="1270000" y="7854033"/>
-            <a:ext cx="2260045" cy="1494834"/>
-            <a:chOff x="0" y="219666"/>
-            <a:chExt cx="2260044" cy="1494833"/>
-          </a:xfrm>
-        </p:grpSpPr>
-        <p:sp>
-          <p:nvSpPr>
-            <p:cNvPr id="263" name="Square"/>
-            <p:cNvSpPr/>
-            <p:nvPr/>
-          </p:nvSpPr>
-          <p:spPr>
-            <a:xfrm>
-              <a:off x="0" y="219666"/>
-              <a:ext cx="449667" cy="449668"/>
-            </a:xfrm>
-            <a:prstGeom prst="rect">
-              <a:avLst/>
-            </a:prstGeom>
-            <a:solidFill>
-              <a:srgbClr val="00C853"/>
-            </a:solidFill>
-            <a:ln w="12700" cap="flat">
-              <a:noFill/>
-              <a:miter lim="400000"/>
-            </a:ln>
-            <a:effectLst/>
-          </p:spPr>
-          <p:txBody>
-            <a:bodyPr wrap="square" lIns="50800" tIns="50800" rIns="50800" bIns="50800" numCol="1" anchor="ctr">
-              <a:noAutofit/>
-            </a:bodyPr>
-            <a:lstStyle/>
-            <a:p>
-              <a:pPr algn="ctr">
-                <a:lnSpc>
-                  <a:spcPct val="80000"/>
-                </a:lnSpc>
-                <a:spcBef>
-                  <a:spcPts val="0"/>
-                </a:spcBef>
-                <a:defRPr cap="all" sz="4000">
-                  <a:solidFill>
-                    <a:srgbClr val="FFFFFF"/>
-                  </a:solidFill>
-                  <a:latin typeface="+mn-lt"/>
-                  <a:ea typeface="+mn-ea"/>
-                  <a:cs typeface="+mn-cs"/>
-                  <a:sym typeface="DIN Condensed Bold"/>
-                </a:defRPr>
-              </a:pPr>
-            </a:p>
-          </p:txBody>
-        </p:sp>
-        <p:sp>
-          <p:nvSpPr>
-            <p:cNvPr id="264" name="Productive"/>
-            <p:cNvSpPr/>
-            <p:nvPr/>
-          </p:nvSpPr>
-          <p:spPr>
-            <a:xfrm>
-              <a:off x="990044" y="444499"/>
-              <a:ext cx="1270001" cy="1270001"/>
-            </a:xfrm>
-            <a:prstGeom prst="line">
-              <a:avLst/>
-            </a:prstGeom>
-            <a:noFill/>
-            <a:ln w="12700" cap="flat">
-              <a:noFill/>
-              <a:miter lim="400000"/>
-            </a:ln>
-            <a:effectLst/>
-            <a:extLst>
-              <a:ext uri="{C572A759-6A51-4108-AA02-DFA0A04FC94B}">
-                <ma14:wrappingTextBoxFlag xmlns:ma14="http://schemas.microsoft.com/office/mac/drawingml/2011/main" val="1"/>
-              </a:ext>
-            </a:extLst>
-          </p:spPr>
-          <p:txBody>
-            <a:bodyPr wrap="none" lIns="50800" tIns="50800" rIns="50800" bIns="50800" numCol="1" anchor="ctr">
-              <a:spAutoFit/>
-            </a:bodyPr>
-            <a:lstStyle>
-              <a:lvl1pPr>
-                <a:defRPr b="1" spc="-200" sz="4000">
-                  <a:solidFill>
-                    <a:srgbClr val="FFFFFF"/>
-                  </a:solidFill>
-                  <a:latin typeface="Meslo LG L DZ Regular for Powerline"/>
-                  <a:ea typeface="Meslo LG L DZ Regular for Powerline"/>
-                  <a:cs typeface="Meslo LG L DZ Regular for Powerline"/>
-                  <a:sym typeface="Meslo LG L DZ Regular for Powerline"/>
-                </a:defRPr>
-              </a:lvl1pPr>
-            </a:lstStyle>
-            <a:p>
-              <a:pPr/>
-              <a:r>
-                <a:t>Productive</a:t>
+                <a:t> hired without Go experience</a:t>
               </a:r>
             </a:p>
           </p:txBody>
@@ -11477,7 +10131,7 @@
       </p:grpSp>
       <p:pic>
         <p:nvPicPr>
-          <p:cNvPr id="266" name="thumbs-up.png" descr="thumbs-up.png"/>
+          <p:cNvPr id="257" name="thumbs-up.png" descr="thumbs-up.png"/>
           <p:cNvPicPr>
             <a:picLocks noChangeAspect="1"/>
           </p:cNvPicPr>
@@ -11557,7 +10211,7 @@
                                       <p:cBhvr>
                                         <p:cTn id="6" fill="hold"/>
                                         <p:tgtEl>
-                                          <p:spTgt spid="253"/>
+                                          <p:spTgt spid="244"/>
                                         </p:tgtEl>
                                         <p:attrNameLst>
                                           <p:attrName>style.visibility</p:attrName>
@@ -11571,7 +10225,7 @@
                                       <p:cBhvr>
                                         <p:cTn id="7" dur="800" fill="hold"/>
                                         <p:tgtEl>
-                                          <p:spTgt spid="253"/>
+                                          <p:spTgt spid="244"/>
                                         </p:tgtEl>
                                         <p:attrNameLst>
                                           <p:attrName>ppt_x</p:attrName>
@@ -11594,7 +10248,7 @@
                                       <p:cBhvr>
                                         <p:cTn id="8" dur="800" fill="hold"/>
                                         <p:tgtEl>
-                                          <p:spTgt spid="253"/>
+                                          <p:spTgt spid="244"/>
                                         </p:tgtEl>
                                         <p:attrNameLst>
                                           <p:attrName>ppt_y</p:attrName>
@@ -11647,7 +10301,7 @@
                                       <p:cBhvr>
                                         <p:cTn id="12" fill="hold"/>
                                         <p:tgtEl>
-                                          <p:spTgt spid="256"/>
+                                          <p:spTgt spid="247"/>
                                         </p:tgtEl>
                                         <p:attrNameLst>
                                           <p:attrName>style.visibility</p:attrName>
@@ -11661,7 +10315,7 @@
                                       <p:cBhvr>
                                         <p:cTn id="13" dur="800" fill="hold"/>
                                         <p:tgtEl>
-                                          <p:spTgt spid="256"/>
+                                          <p:spTgt spid="247"/>
                                         </p:tgtEl>
                                         <p:attrNameLst>
                                           <p:attrName>ppt_x</p:attrName>
@@ -11684,7 +10338,7 @@
                                       <p:cBhvr>
                                         <p:cTn id="14" dur="800" fill="hold"/>
                                         <p:tgtEl>
-                                          <p:spTgt spid="256"/>
+                                          <p:spTgt spid="247"/>
                                         </p:tgtEl>
                                         <p:attrNameLst>
                                           <p:attrName>ppt_y</p:attrName>
@@ -11737,7 +10391,7 @@
                                       <p:cBhvr>
                                         <p:cTn id="18" fill="hold"/>
                                         <p:tgtEl>
-                                          <p:spTgt spid="259"/>
+                                          <p:spTgt spid="250"/>
                                         </p:tgtEl>
                                         <p:attrNameLst>
                                           <p:attrName>style.visibility</p:attrName>
@@ -11751,7 +10405,7 @@
                                       <p:cBhvr>
                                         <p:cTn id="19" dur="800" fill="hold"/>
                                         <p:tgtEl>
-                                          <p:spTgt spid="259"/>
+                                          <p:spTgt spid="250"/>
                                         </p:tgtEl>
                                         <p:attrNameLst>
                                           <p:attrName>ppt_x</p:attrName>
@@ -11774,7 +10428,7 @@
                                       <p:cBhvr>
                                         <p:cTn id="20" dur="800" fill="hold"/>
                                         <p:tgtEl>
-                                          <p:spTgt spid="259"/>
+                                          <p:spTgt spid="250"/>
                                         </p:tgtEl>
                                         <p:attrNameLst>
                                           <p:attrName>ppt_y</p:attrName>
@@ -11827,7 +10481,7 @@
                                       <p:cBhvr>
                                         <p:cTn id="24" fill="hold"/>
                                         <p:tgtEl>
-                                          <p:spTgt spid="262"/>
+                                          <p:spTgt spid="253"/>
                                         </p:tgtEl>
                                         <p:attrNameLst>
                                           <p:attrName>style.visibility</p:attrName>
@@ -11841,7 +10495,7 @@
                                       <p:cBhvr>
                                         <p:cTn id="25" dur="800" fill="hold"/>
                                         <p:tgtEl>
-                                          <p:spTgt spid="262"/>
+                                          <p:spTgt spid="253"/>
                                         </p:tgtEl>
                                         <p:attrNameLst>
                                           <p:attrName>ppt_x</p:attrName>
@@ -11864,7 +10518,7 @@
                                       <p:cBhvr>
                                         <p:cTn id="26" dur="800" fill="hold"/>
                                         <p:tgtEl>
-                                          <p:spTgt spid="262"/>
+                                          <p:spTgt spid="253"/>
                                         </p:tgtEl>
                                         <p:attrNameLst>
                                           <p:attrName>ppt_y</p:attrName>
@@ -11917,7 +10571,7 @@
                                       <p:cBhvr>
                                         <p:cTn id="30" fill="hold"/>
                                         <p:tgtEl>
-                                          <p:spTgt spid="265"/>
+                                          <p:spTgt spid="256"/>
                                         </p:tgtEl>
                                         <p:attrNameLst>
                                           <p:attrName>style.visibility</p:attrName>
@@ -11931,7 +10585,7 @@
                                       <p:cBhvr>
                                         <p:cTn id="31" dur="800" fill="hold"/>
                                         <p:tgtEl>
-                                          <p:spTgt spid="265"/>
+                                          <p:spTgt spid="256"/>
                                         </p:tgtEl>
                                         <p:attrNameLst>
                                           <p:attrName>ppt_x</p:attrName>
@@ -11954,7 +10608,7 @@
                                       <p:cBhvr>
                                         <p:cTn id="32" dur="800" fill="hold"/>
                                         <p:tgtEl>
-                                          <p:spTgt spid="265"/>
+                                          <p:spTgt spid="256"/>
                                         </p:tgtEl>
                                         <p:attrNameLst>
                                           <p:attrName>ppt_y</p:attrName>
@@ -12004,17 +10658,17 @@
       </p:par>
     </p:tnLst>
     <p:bldLst>
-      <p:bldP build="whole" bldLvl="1" animBg="1" rev="0" advAuto="0" spid="265" grpId="5"/>
-      <p:bldP build="whole" bldLvl="1" animBg="1" rev="0" advAuto="0" spid="253" grpId="1"/>
-      <p:bldP build="whole" bldLvl="1" animBg="1" rev="0" advAuto="0" spid="256" grpId="2"/>
-      <p:bldP build="whole" bldLvl="1" animBg="1" rev="0" advAuto="0" spid="262" grpId="4"/>
-      <p:bldP build="whole" bldLvl="1" animBg="1" rev="0" advAuto="0" spid="259" grpId="3"/>
+      <p:bldP build="whole" bldLvl="1" animBg="1" rev="0" advAuto="0" spid="250" grpId="3"/>
+      <p:bldP build="whole" bldLvl="1" animBg="1" rev="0" advAuto="0" spid="247" grpId="2"/>
+      <p:bldP build="whole" bldLvl="1" animBg="1" rev="0" advAuto="0" spid="253" grpId="4"/>
+      <p:bldP build="whole" bldLvl="1" animBg="1" rev="0" advAuto="0" spid="256" grpId="5"/>
+      <p:bldP build="whole" bldLvl="1" animBg="1" rev="0" advAuto="0" spid="244" grpId="1"/>
     </p:bldLst>
   </p:timing>
 </p:sld>
 </file>
 
-<file path=ppt/slides/slide8.xml><?xml version="1.0" encoding="utf-8"?>
+<file path=ppt/slides/slide7.xml><?xml version="1.0" encoding="utf-8"?>
 <p:sld xmlns:a="http://schemas.openxmlformats.org/drawingml/2006/main" xmlns:r="http://schemas.openxmlformats.org/officeDocument/2006/relationships" xmlns:p="http://schemas.openxmlformats.org/presentationml/2006/main" xmlns:m="http://schemas.openxmlformats.org/officeDocument/2006/math" xmlns:a14="http://schemas.microsoft.com/office/drawing/2010/main" showMasterSp="1" showMasterPhAnim="1">
   <p:cSld>
     <p:bg>
@@ -12040,7 +10694,7 @@
       </p:grpSpPr>
       <p:sp>
         <p:nvSpPr>
-          <p:cNvPr id="268" name="Things I don’t like"/>
+          <p:cNvPr id="259" name="Things I don’t like"/>
           <p:cNvSpPr txBox="1"/>
           <p:nvPr>
             <p:ph type="title"/>
@@ -12072,7 +10726,7 @@
       </p:sp>
       <p:grpSp>
         <p:nvGrpSpPr>
-          <p:cNvPr id="271" name="Group"/>
+          <p:cNvPr id="262" name="Group"/>
           <p:cNvGrpSpPr/>
           <p:nvPr/>
         </p:nvGrpSpPr>
@@ -12086,7 +10740,7 @@
         </p:grpSpPr>
         <p:sp>
           <p:nvSpPr>
-            <p:cNvPr id="269" name="Square"/>
+            <p:cNvPr id="260" name="Square"/>
             <p:cNvSpPr/>
             <p:nvPr/>
           </p:nvSpPr>
@@ -12135,7 +10789,7 @@
         </p:sp>
         <p:sp>
           <p:nvSpPr>
-            <p:cNvPr id="270" name="Too simple"/>
+            <p:cNvPr id="261" name="Too simple"/>
             <p:cNvSpPr/>
             <p:nvPr/>
           </p:nvSpPr>
@@ -12189,7 +10843,7 @@
       </p:grpSp>
       <p:grpSp>
         <p:nvGrpSpPr>
-          <p:cNvPr id="274" name="Group"/>
+          <p:cNvPr id="265" name="Group"/>
           <p:cNvGrpSpPr/>
           <p:nvPr/>
         </p:nvGrpSpPr>
@@ -12203,7 +10857,7 @@
         </p:grpSpPr>
         <p:sp>
           <p:nvSpPr>
-            <p:cNvPr id="272" name="Square"/>
+            <p:cNvPr id="263" name="Square"/>
             <p:cNvSpPr/>
             <p:nvPr/>
           </p:nvSpPr>
@@ -12252,7 +10906,7 @@
         </p:sp>
         <p:sp>
           <p:nvSpPr>
-            <p:cNvPr id="273" name="Can get ugly"/>
+            <p:cNvPr id="264" name="Can get ugly"/>
             <p:cNvSpPr/>
             <p:nvPr/>
           </p:nvSpPr>
@@ -12306,7 +10960,7 @@
       </p:grpSp>
       <p:grpSp>
         <p:nvGrpSpPr>
-          <p:cNvPr id="277" name="Group"/>
+          <p:cNvPr id="268" name="Group"/>
           <p:cNvGrpSpPr/>
           <p:nvPr/>
         </p:nvGrpSpPr>
@@ -12320,7 +10974,7 @@
         </p:grpSpPr>
         <p:sp>
           <p:nvSpPr>
-            <p:cNvPr id="275" name="Square"/>
+            <p:cNvPr id="266" name="Square"/>
             <p:cNvSpPr/>
             <p:nvPr/>
           </p:nvSpPr>
@@ -12369,7 +11023,7 @@
         </p:sp>
         <p:sp>
           <p:nvSpPr>
-            <p:cNvPr id="276" name="Small adoption"/>
+            <p:cNvPr id="267" name="Small adoption"/>
             <p:cNvSpPr/>
             <p:nvPr/>
           </p:nvSpPr>
@@ -12421,126 +11075,9 @@
           </p:txBody>
         </p:sp>
       </p:grpSp>
-      <p:grpSp>
-        <p:nvGrpSpPr>
-          <p:cNvPr id="280" name="Group"/>
-          <p:cNvGrpSpPr/>
-          <p:nvPr/>
-        </p:nvGrpSpPr>
-        <p:grpSpPr>
-          <a:xfrm>
-            <a:off x="1270000" y="6915199"/>
-            <a:ext cx="2260045" cy="1494835"/>
-            <a:chOff x="0" y="219666"/>
-            <a:chExt cx="2260044" cy="1494833"/>
-          </a:xfrm>
-        </p:grpSpPr>
-        <p:sp>
-          <p:nvSpPr>
-            <p:cNvPr id="278" name="Square"/>
-            <p:cNvSpPr/>
-            <p:nvPr/>
-          </p:nvSpPr>
-          <p:spPr>
-            <a:xfrm>
-              <a:off x="0" y="219666"/>
-              <a:ext cx="449667" cy="449668"/>
-            </a:xfrm>
-            <a:prstGeom prst="rect">
-              <a:avLst/>
-            </a:prstGeom>
-            <a:solidFill>
-              <a:srgbClr val="00C853"/>
-            </a:solidFill>
-            <a:ln w="12700" cap="flat">
-              <a:noFill/>
-              <a:miter lim="400000"/>
-            </a:ln>
-            <a:effectLst/>
-          </p:spPr>
-          <p:txBody>
-            <a:bodyPr wrap="square" lIns="50800" tIns="50800" rIns="50800" bIns="50800" numCol="1" anchor="ctr">
-              <a:noAutofit/>
-            </a:bodyPr>
-            <a:lstStyle/>
-            <a:p>
-              <a:pPr algn="ctr">
-                <a:lnSpc>
-                  <a:spcPct val="80000"/>
-                </a:lnSpc>
-                <a:spcBef>
-                  <a:spcPts val="0"/>
-                </a:spcBef>
-                <a:defRPr cap="all" sz="4000">
-                  <a:solidFill>
-                    <a:srgbClr val="FFFFFF"/>
-                  </a:solidFill>
-                  <a:latin typeface="+mn-lt"/>
-                  <a:ea typeface="+mn-ea"/>
-                  <a:cs typeface="+mn-cs"/>
-                  <a:sym typeface="DIN Condensed Bold"/>
-                </a:defRPr>
-              </a:pPr>
-            </a:p>
-          </p:txBody>
-        </p:sp>
-        <p:sp>
-          <p:nvSpPr>
-            <p:cNvPr id="279" name="Hard to find a job"/>
-            <p:cNvSpPr/>
-            <p:nvPr/>
-          </p:nvSpPr>
-          <p:spPr>
-            <a:xfrm>
-              <a:off x="990044" y="444499"/>
-              <a:ext cx="1270001" cy="1270001"/>
-            </a:xfrm>
-            <a:prstGeom prst="line">
-              <a:avLst/>
-            </a:prstGeom>
-            <a:noFill/>
-            <a:ln w="12700" cap="flat">
-              <a:noFill/>
-              <a:miter lim="400000"/>
-            </a:ln>
-            <a:effectLst/>
-            <a:extLst>
-              <a:ext uri="{C572A759-6A51-4108-AA02-DFA0A04FC94B}">
-                <ma14:wrappingTextBoxFlag xmlns:ma14="http://schemas.microsoft.com/office/mac/drawingml/2011/main" val="1"/>
-              </a:ext>
-            </a:extLst>
-          </p:spPr>
-          <p:txBody>
-            <a:bodyPr wrap="none" lIns="50800" tIns="50800" rIns="50800" bIns="50800" numCol="1" anchor="ctr">
-              <a:spAutoFit/>
-            </a:bodyPr>
-            <a:lstStyle/>
-            <a:p>
-              <a:pPr>
-                <a:defRPr spc="-200" sz="4000">
-                  <a:solidFill>
-                    <a:srgbClr val="FFFFFF"/>
-                  </a:solidFill>
-                  <a:latin typeface="Meslo LG L DZ Regular for Powerline"/>
-                  <a:ea typeface="Meslo LG L DZ Regular for Powerline"/>
-                  <a:cs typeface="Meslo LG L DZ Regular for Powerline"/>
-                  <a:sym typeface="Meslo LG L DZ Regular for Powerline"/>
-                </a:defRPr>
-              </a:pPr>
-              <a:r>
-                <a:t>Hard to find a </a:t>
-              </a:r>
-              <a:r>
-                <a:rPr b="1"/>
-                <a:t>job</a:t>
-              </a:r>
-            </a:p>
-          </p:txBody>
-        </p:sp>
-      </p:grpSp>
       <p:pic>
         <p:nvPicPr>
-          <p:cNvPr id="281" name="dislike.png" descr="dislike.png"/>
+          <p:cNvPr id="269" name="dislike.png" descr="dislike.png"/>
           <p:cNvPicPr>
             <a:picLocks noChangeAspect="1"/>
           </p:cNvPicPr>
@@ -12620,7 +11157,7 @@
                                       <p:cBhvr>
                                         <p:cTn id="6" fill="hold"/>
                                         <p:tgtEl>
-                                          <p:spTgt spid="271"/>
+                                          <p:spTgt spid="262"/>
                                         </p:tgtEl>
                                         <p:attrNameLst>
                                           <p:attrName>style.visibility</p:attrName>
@@ -12634,7 +11171,7 @@
                                       <p:cBhvr>
                                         <p:cTn id="7" dur="800" fill="hold"/>
                                         <p:tgtEl>
-                                          <p:spTgt spid="271"/>
+                                          <p:spTgt spid="262"/>
                                         </p:tgtEl>
                                         <p:attrNameLst>
                                           <p:attrName>ppt_x</p:attrName>
@@ -12657,7 +11194,7 @@
                                       <p:cBhvr>
                                         <p:cTn id="8" dur="800" fill="hold"/>
                                         <p:tgtEl>
-                                          <p:spTgt spid="271"/>
+                                          <p:spTgt spid="262"/>
                                         </p:tgtEl>
                                         <p:attrNameLst>
                                           <p:attrName>ppt_y</p:attrName>
@@ -12710,7 +11247,7 @@
                                       <p:cBhvr>
                                         <p:cTn id="12" fill="hold"/>
                                         <p:tgtEl>
-                                          <p:spTgt spid="274"/>
+                                          <p:spTgt spid="265"/>
                                         </p:tgtEl>
                                         <p:attrNameLst>
                                           <p:attrName>style.visibility</p:attrName>
@@ -12724,7 +11261,7 @@
                                       <p:cBhvr>
                                         <p:cTn id="13" dur="800" fill="hold"/>
                                         <p:tgtEl>
-                                          <p:spTgt spid="274"/>
+                                          <p:spTgt spid="265"/>
                                         </p:tgtEl>
                                         <p:attrNameLst>
                                           <p:attrName>ppt_x</p:attrName>
@@ -12747,7 +11284,7 @@
                                       <p:cBhvr>
                                         <p:cTn id="14" dur="800" fill="hold"/>
                                         <p:tgtEl>
-                                          <p:spTgt spid="274"/>
+                                          <p:spTgt spid="265"/>
                                         </p:tgtEl>
                                         <p:attrNameLst>
                                           <p:attrName>ppt_y</p:attrName>
@@ -12800,6 +11337,691 @@
                                       <p:cBhvr>
                                         <p:cTn id="18" fill="hold"/>
                                         <p:tgtEl>
+                                          <p:spTgt spid="268"/>
+                                        </p:tgtEl>
+                                        <p:attrNameLst>
+                                          <p:attrName>style.visibility</p:attrName>
+                                        </p:attrNameLst>
+                                      </p:cBhvr>
+                                      <p:to>
+                                        <p:strVal val="visible"/>
+                                      </p:to>
+                                    </p:set>
+                                    <p:anim calcmode="lin" valueType="num">
+                                      <p:cBhvr>
+                                        <p:cTn id="19" dur="800" fill="hold"/>
+                                        <p:tgtEl>
+                                          <p:spTgt spid="268"/>
+                                        </p:tgtEl>
+                                        <p:attrNameLst>
+                                          <p:attrName>ppt_x</p:attrName>
+                                        </p:attrNameLst>
+                                      </p:cBhvr>
+                                      <p:tavLst>
+                                        <p:tav tm="0">
+                                          <p:val>
+                                            <p:strVal val="0-#ppt_w/2"/>
+                                          </p:val>
+                                        </p:tav>
+                                        <p:tav tm="100000">
+                                          <p:val>
+                                            <p:strVal val="#ppt_x"/>
+                                          </p:val>
+                                        </p:tav>
+                                      </p:tavLst>
+                                    </p:anim>
+                                    <p:anim calcmode="lin" valueType="num">
+                                      <p:cBhvr>
+                                        <p:cTn id="20" dur="800" fill="hold"/>
+                                        <p:tgtEl>
+                                          <p:spTgt spid="268"/>
+                                        </p:tgtEl>
+                                        <p:attrNameLst>
+                                          <p:attrName>ppt_y</p:attrName>
+                                        </p:attrNameLst>
+                                      </p:cBhvr>
+                                      <p:tavLst>
+                                        <p:tav tm="0">
+                                          <p:val>
+                                            <p:strVal val="#ppt_y"/>
+                                          </p:val>
+                                        </p:tav>
+                                        <p:tav tm="100000">
+                                          <p:val>
+                                            <p:strVal val="#ppt_y"/>
+                                          </p:val>
+                                        </p:tav>
+                                      </p:tavLst>
+                                    </p:anim>
+                                  </p:childTnLst>
+                                </p:cTn>
+                              </p:par>
+                            </p:childTnLst>
+                          </p:cTn>
+                        </p:par>
+                      </p:childTnLst>
+                    </p:cTn>
+                  </p:par>
+                </p:childTnLst>
+              </p:cTn>
+              <p:prevCondLst>
+                <p:cond evt="onPrev">
+                  <p:tgtEl>
+                    <p:sldTgt/>
+                  </p:tgtEl>
+                </p:cond>
+              </p:prevCondLst>
+              <p:nextCondLst>
+                <p:cond evt="onNext">
+                  <p:tgtEl>
+                    <p:sldTgt/>
+                  </p:tgtEl>
+                </p:cond>
+              </p:nextCondLst>
+            </p:seq>
+          </p:childTnLst>
+        </p:cTn>
+      </p:par>
+    </p:tnLst>
+    <p:bldLst>
+      <p:bldP build="whole" bldLvl="1" animBg="1" rev="0" advAuto="0" spid="265" grpId="2"/>
+      <p:bldP build="whole" bldLvl="1" animBg="1" rev="0" advAuto="0" spid="268" grpId="3"/>
+      <p:bldP build="whole" bldLvl="1" animBg="1" rev="0" advAuto="0" spid="262" grpId="1"/>
+    </p:bldLst>
+  </p:timing>
+</p:sld>
+</file>
+
+<file path=ppt/slides/slide8.xml><?xml version="1.0" encoding="utf-8"?>
+<p:sld xmlns:a="http://schemas.openxmlformats.org/drawingml/2006/main" xmlns:r="http://schemas.openxmlformats.org/officeDocument/2006/relationships" xmlns:p="http://schemas.openxmlformats.org/presentationml/2006/main" xmlns:m="http://schemas.openxmlformats.org/officeDocument/2006/math" xmlns:a14="http://schemas.microsoft.com/office/drawing/2010/main" showMasterSp="1" showMasterPhAnim="1">
+  <p:cSld>
+    <p:bg>
+      <p:bgPr>
+        <a:solidFill>
+          <a:srgbClr val="0F0F0F"/>
+        </a:solidFill>
+      </p:bgPr>
+    </p:bg>
+    <p:spTree>
+      <p:nvGrpSpPr>
+        <p:cNvPr id="1" name=""/>
+        <p:cNvGrpSpPr/>
+        <p:nvPr/>
+      </p:nvGrpSpPr>
+      <p:grpSpPr>
+        <a:xfrm>
+          <a:off x="0" y="0"/>
+          <a:ext cx="0" cy="0"/>
+          <a:chOff x="0" y="0"/>
+          <a:chExt cx="0" cy="0"/>
+        </a:xfrm>
+      </p:grpSpPr>
+      <p:sp>
+        <p:nvSpPr>
+          <p:cNvPr id="271" name="First steps"/>
+          <p:cNvSpPr txBox="1"/>
+          <p:nvPr>
+            <p:ph type="title"/>
+          </p:nvPr>
+        </p:nvSpPr>
+        <p:spPr>
+          <a:xfrm>
+            <a:off x="5428561" y="1270000"/>
+            <a:ext cx="13526878" cy="1840721"/>
+          </a:xfrm>
+          <a:prstGeom prst="rect">
+            <a:avLst/>
+          </a:prstGeom>
+        </p:spPr>
+        <p:txBody>
+          <a:bodyPr/>
+          <a:lstStyle>
+            <a:lvl1pPr algn="ctr">
+              <a:defRPr sz="9000"/>
+            </a:lvl1pPr>
+          </a:lstStyle>
+          <a:p>
+            <a:pPr/>
+            <a:r>
+              <a:t>First steps</a:t>
+            </a:r>
+          </a:p>
+        </p:txBody>
+      </p:sp>
+      <p:grpSp>
+        <p:nvGrpSpPr>
+          <p:cNvPr id="274" name="Group"/>
+          <p:cNvGrpSpPr/>
+          <p:nvPr/>
+        </p:nvGrpSpPr>
+        <p:grpSpPr>
+          <a:xfrm>
+            <a:off x="1270000" y="4098698"/>
+            <a:ext cx="2260045" cy="1494835"/>
+            <a:chOff x="0" y="219666"/>
+            <a:chExt cx="2260044" cy="1494833"/>
+          </a:xfrm>
+        </p:grpSpPr>
+        <p:sp>
+          <p:nvSpPr>
+            <p:cNvPr id="272" name="Square"/>
+            <p:cNvSpPr/>
+            <p:nvPr/>
+          </p:nvSpPr>
+          <p:spPr>
+            <a:xfrm>
+              <a:off x="0" y="219666"/>
+              <a:ext cx="449667" cy="449668"/>
+            </a:xfrm>
+            <a:prstGeom prst="rect">
+              <a:avLst/>
+            </a:prstGeom>
+            <a:solidFill>
+              <a:srgbClr val="00C853"/>
+            </a:solidFill>
+            <a:ln w="12700" cap="flat">
+              <a:noFill/>
+              <a:miter lim="400000"/>
+            </a:ln>
+            <a:effectLst/>
+          </p:spPr>
+          <p:txBody>
+            <a:bodyPr wrap="square" lIns="50800" tIns="50800" rIns="50800" bIns="50800" numCol="1" anchor="ctr">
+              <a:noAutofit/>
+            </a:bodyPr>
+            <a:lstStyle/>
+            <a:p>
+              <a:pPr algn="ctr">
+                <a:lnSpc>
+                  <a:spcPct val="80000"/>
+                </a:lnSpc>
+                <a:spcBef>
+                  <a:spcPts val="0"/>
+                </a:spcBef>
+                <a:defRPr cap="all" sz="4000">
+                  <a:solidFill>
+                    <a:srgbClr val="FFFFFF"/>
+                  </a:solidFill>
+                  <a:latin typeface="+mn-lt"/>
+                  <a:ea typeface="+mn-ea"/>
+                  <a:cs typeface="+mn-cs"/>
+                  <a:sym typeface="DIN Condensed Bold"/>
+                </a:defRPr>
+              </a:pPr>
+            </a:p>
+          </p:txBody>
+        </p:sp>
+        <p:sp>
+          <p:nvSpPr>
+            <p:cNvPr id="273" name="A tour of Go"/>
+            <p:cNvSpPr/>
+            <p:nvPr/>
+          </p:nvSpPr>
+          <p:spPr>
+            <a:xfrm>
+              <a:off x="990044" y="444499"/>
+              <a:ext cx="1270001" cy="1270001"/>
+            </a:xfrm>
+            <a:prstGeom prst="line">
+              <a:avLst/>
+            </a:prstGeom>
+            <a:noFill/>
+            <a:ln w="12700" cap="flat">
+              <a:noFill/>
+              <a:miter lim="400000"/>
+            </a:ln>
+            <a:effectLst/>
+            <a:extLst>
+              <a:ext uri="{C572A759-6A51-4108-AA02-DFA0A04FC94B}">
+                <ma14:wrappingTextBoxFlag xmlns:ma14="http://schemas.microsoft.com/office/mac/drawingml/2011/main" val="1"/>
+              </a:ext>
+            </a:extLst>
+          </p:spPr>
+          <p:txBody>
+            <a:bodyPr wrap="none" lIns="50800" tIns="50800" rIns="50800" bIns="50800" numCol="1" anchor="ctr">
+              <a:spAutoFit/>
+            </a:bodyPr>
+            <a:lstStyle/>
+            <a:p>
+              <a:pPr>
+                <a:defRPr spc="-200" sz="4000">
+                  <a:solidFill>
+                    <a:srgbClr val="FFFFFF"/>
+                  </a:solidFill>
+                  <a:latin typeface="Meslo LG L DZ Regular for Powerline"/>
+                  <a:ea typeface="Meslo LG L DZ Regular for Powerline"/>
+                  <a:cs typeface="Meslo LG L DZ Regular for Powerline"/>
+                  <a:sym typeface="Meslo LG L DZ Regular for Powerline"/>
+                </a:defRPr>
+              </a:pPr>
+              <a:r>
+                <a:t>A </a:t>
+              </a:r>
+              <a:r>
+                <a:rPr b="1"/>
+                <a:t>tour of Go</a:t>
+              </a:r>
+            </a:p>
+          </p:txBody>
+        </p:sp>
+      </p:grpSp>
+      <p:grpSp>
+        <p:nvGrpSpPr>
+          <p:cNvPr id="277" name="Group"/>
+          <p:cNvGrpSpPr/>
+          <p:nvPr/>
+        </p:nvGrpSpPr>
+        <p:grpSpPr>
+          <a:xfrm>
+            <a:off x="1270000" y="5057507"/>
+            <a:ext cx="2260045" cy="1494835"/>
+            <a:chOff x="0" y="219666"/>
+            <a:chExt cx="2260044" cy="1494833"/>
+          </a:xfrm>
+        </p:grpSpPr>
+        <p:sp>
+          <p:nvSpPr>
+            <p:cNvPr id="275" name="Square"/>
+            <p:cNvSpPr/>
+            <p:nvPr/>
+          </p:nvSpPr>
+          <p:spPr>
+            <a:xfrm>
+              <a:off x="0" y="219666"/>
+              <a:ext cx="449667" cy="449668"/>
+            </a:xfrm>
+            <a:prstGeom prst="rect">
+              <a:avLst/>
+            </a:prstGeom>
+            <a:solidFill>
+              <a:srgbClr val="00C853"/>
+            </a:solidFill>
+            <a:ln w="12700" cap="flat">
+              <a:noFill/>
+              <a:miter lim="400000"/>
+            </a:ln>
+            <a:effectLst/>
+          </p:spPr>
+          <p:txBody>
+            <a:bodyPr wrap="square" lIns="50800" tIns="50800" rIns="50800" bIns="50800" numCol="1" anchor="ctr">
+              <a:noAutofit/>
+            </a:bodyPr>
+            <a:lstStyle/>
+            <a:p>
+              <a:pPr algn="ctr">
+                <a:lnSpc>
+                  <a:spcPct val="80000"/>
+                </a:lnSpc>
+                <a:spcBef>
+                  <a:spcPts val="0"/>
+                </a:spcBef>
+                <a:defRPr cap="all" sz="4000">
+                  <a:solidFill>
+                    <a:srgbClr val="FFFFFF"/>
+                  </a:solidFill>
+                  <a:latin typeface="+mn-lt"/>
+                  <a:ea typeface="+mn-ea"/>
+                  <a:cs typeface="+mn-cs"/>
+                  <a:sym typeface="DIN Condensed Bold"/>
+                </a:defRPr>
+              </a:pPr>
+            </a:p>
+          </p:txBody>
+        </p:sp>
+        <p:sp>
+          <p:nvSpPr>
+            <p:cNvPr id="276" name="Videos/courses &amp; Articles &amp; blogposts"/>
+            <p:cNvSpPr/>
+            <p:nvPr/>
+          </p:nvSpPr>
+          <p:spPr>
+            <a:xfrm>
+              <a:off x="990044" y="444499"/>
+              <a:ext cx="1270001" cy="1270001"/>
+            </a:xfrm>
+            <a:prstGeom prst="line">
+              <a:avLst/>
+            </a:prstGeom>
+            <a:noFill/>
+            <a:ln w="12700" cap="flat">
+              <a:noFill/>
+              <a:miter lim="400000"/>
+            </a:ln>
+            <a:effectLst/>
+            <a:extLst>
+              <a:ext uri="{C572A759-6A51-4108-AA02-DFA0A04FC94B}">
+                <ma14:wrappingTextBoxFlag xmlns:ma14="http://schemas.microsoft.com/office/mac/drawingml/2011/main" val="1"/>
+              </a:ext>
+            </a:extLst>
+          </p:spPr>
+          <p:txBody>
+            <a:bodyPr wrap="none" lIns="50800" tIns="50800" rIns="50800" bIns="50800" numCol="1" anchor="ctr">
+              <a:spAutoFit/>
+            </a:bodyPr>
+            <a:lstStyle/>
+            <a:p>
+              <a:pPr>
+                <a:defRPr spc="-200" sz="4000">
+                  <a:solidFill>
+                    <a:srgbClr val="FFFFFF"/>
+                  </a:solidFill>
+                  <a:latin typeface="Meslo LG L DZ Regular for Powerline"/>
+                  <a:ea typeface="Meslo LG L DZ Regular for Powerline"/>
+                  <a:cs typeface="Meslo LG L DZ Regular for Powerline"/>
+                  <a:sym typeface="Meslo LG L DZ Regular for Powerline"/>
+                </a:defRPr>
+              </a:pPr>
+              <a:r>
+                <a:rPr b="1"/>
+                <a:t>Videos/courses </a:t>
+              </a:r>
+              <a:r>
+                <a:t>&amp;</a:t>
+              </a:r>
+              <a:r>
+                <a:rPr b="1"/>
+                <a:t> Articles </a:t>
+              </a:r>
+              <a:r>
+                <a:t>&amp;</a:t>
+              </a:r>
+              <a:r>
+                <a:rPr b="1"/>
+                <a:t> blogposts</a:t>
+              </a:r>
+            </a:p>
+          </p:txBody>
+        </p:sp>
+      </p:grpSp>
+      <p:grpSp>
+        <p:nvGrpSpPr>
+          <p:cNvPr id="280" name="Group"/>
+          <p:cNvGrpSpPr/>
+          <p:nvPr/>
+        </p:nvGrpSpPr>
+        <p:grpSpPr>
+          <a:xfrm>
+            <a:off x="1270000" y="6016316"/>
+            <a:ext cx="2260045" cy="1494835"/>
+            <a:chOff x="0" y="219666"/>
+            <a:chExt cx="2260044" cy="1494833"/>
+          </a:xfrm>
+        </p:grpSpPr>
+        <p:sp>
+          <p:nvSpPr>
+            <p:cNvPr id="278" name="Square"/>
+            <p:cNvSpPr/>
+            <p:nvPr/>
+          </p:nvSpPr>
+          <p:spPr>
+            <a:xfrm>
+              <a:off x="0" y="219666"/>
+              <a:ext cx="449667" cy="449668"/>
+            </a:xfrm>
+            <a:prstGeom prst="rect">
+              <a:avLst/>
+            </a:prstGeom>
+            <a:solidFill>
+              <a:srgbClr val="00C853"/>
+            </a:solidFill>
+            <a:ln w="12700" cap="flat">
+              <a:noFill/>
+              <a:miter lim="400000"/>
+            </a:ln>
+            <a:effectLst/>
+          </p:spPr>
+          <p:txBody>
+            <a:bodyPr wrap="square" lIns="50800" tIns="50800" rIns="50800" bIns="50800" numCol="1" anchor="ctr">
+              <a:noAutofit/>
+            </a:bodyPr>
+            <a:lstStyle/>
+            <a:p>
+              <a:pPr algn="ctr">
+                <a:lnSpc>
+                  <a:spcPct val="80000"/>
+                </a:lnSpc>
+                <a:spcBef>
+                  <a:spcPts val="0"/>
+                </a:spcBef>
+                <a:defRPr cap="all" sz="4000">
+                  <a:solidFill>
+                    <a:srgbClr val="FFFFFF"/>
+                  </a:solidFill>
+                  <a:latin typeface="+mn-lt"/>
+                  <a:ea typeface="+mn-ea"/>
+                  <a:cs typeface="+mn-cs"/>
+                  <a:sym typeface="DIN Condensed Bold"/>
+                </a:defRPr>
+              </a:pPr>
+            </a:p>
+          </p:txBody>
+        </p:sp>
+        <p:sp>
+          <p:nvSpPr>
+            <p:cNvPr id="279" name="Get a job"/>
+            <p:cNvSpPr/>
+            <p:nvPr/>
+          </p:nvSpPr>
+          <p:spPr>
+            <a:xfrm>
+              <a:off x="990044" y="444499"/>
+              <a:ext cx="1270001" cy="1270001"/>
+            </a:xfrm>
+            <a:prstGeom prst="line">
+              <a:avLst/>
+            </a:prstGeom>
+            <a:noFill/>
+            <a:ln w="12700" cap="flat">
+              <a:noFill/>
+              <a:miter lim="400000"/>
+            </a:ln>
+            <a:effectLst/>
+            <a:extLst>
+              <a:ext uri="{C572A759-6A51-4108-AA02-DFA0A04FC94B}">
+                <ma14:wrappingTextBoxFlag xmlns:ma14="http://schemas.microsoft.com/office/mac/drawingml/2011/main" val="1"/>
+              </a:ext>
+            </a:extLst>
+          </p:spPr>
+          <p:txBody>
+            <a:bodyPr wrap="none" lIns="50800" tIns="50800" rIns="50800" bIns="50800" numCol="1" anchor="ctr">
+              <a:spAutoFit/>
+            </a:bodyPr>
+            <a:lstStyle/>
+            <a:p>
+              <a:pPr>
+                <a:defRPr spc="-200" sz="4000">
+                  <a:solidFill>
+                    <a:srgbClr val="FFFFFF"/>
+                  </a:solidFill>
+                  <a:latin typeface="Meslo LG L DZ Regular for Powerline"/>
+                  <a:ea typeface="Meslo LG L DZ Regular for Powerline"/>
+                  <a:cs typeface="Meslo LG L DZ Regular for Powerline"/>
+                  <a:sym typeface="Meslo LG L DZ Regular for Powerline"/>
+                </a:defRPr>
+              </a:pPr>
+              <a:r>
+                <a:t>Get a </a:t>
+              </a:r>
+              <a:r>
+                <a:rPr b="1"/>
+                <a:t>job</a:t>
+              </a:r>
+            </a:p>
+          </p:txBody>
+        </p:sp>
+      </p:grpSp>
+      <p:pic>
+        <p:nvPicPr>
+          <p:cNvPr id="281" name="stairs.png" descr="stairs.png"/>
+          <p:cNvPicPr>
+            <a:picLocks noChangeAspect="1"/>
+          </p:cNvPicPr>
+          <p:nvPr/>
+        </p:nvPicPr>
+        <p:blipFill>
+          <a:blip r:embed="rId2">
+            <a:extLst/>
+          </a:blip>
+          <a:stretch>
+            <a:fillRect/>
+          </a:stretch>
+        </p:blipFill>
+        <p:spPr>
+          <a:xfrm>
+            <a:off x="21141100" y="3686811"/>
+            <a:ext cx="1273443" cy="1273443"/>
+          </a:xfrm>
+          <a:prstGeom prst="rect">
+            <a:avLst/>
+          </a:prstGeom>
+          <a:ln w="12700">
+            <a:miter lim="400000"/>
+          </a:ln>
+        </p:spPr>
+      </p:pic>
+    </p:spTree>
+  </p:cSld>
+  <p:clrMapOvr>
+    <a:masterClrMapping/>
+  </p:clrMapOvr>
+  <mc:AlternateContent xmlns:mc="http://schemas.openxmlformats.org/markup-compatibility/2006">
+    <mc:Choice xmlns:p14="http://schemas.microsoft.com/office/powerpoint/2010/main" Requires="p14">
+      <p:transition spd="fast" advClick="1" p14:dur="699">
+        <p:push dir="l"/>
+      </p:transition>
+    </mc:Choice>
+    <mc:Fallback>
+      <p:transition spd="fast">
+        <p:fade/>
+      </p:transition>
+    </mc:Fallback>
+  </mc:AlternateContent>
+  <p:timing>
+    <p:tnLst>
+      <p:par>
+        <p:cTn id="1" nodeType="tmRoot" restart="never" dur="indefinite" fill="hold">
+          <p:childTnLst>
+            <p:seq concurrent="1" prevAc="none" nextAc="seek">
+              <p:cTn id="2" nodeType="mainSeq" dur="indefinite" fill="hold">
+                <p:childTnLst>
+                  <p:par>
+                    <p:cTn id="3" fill="hold">
+                      <p:stCondLst>
+                        <p:cond delay="indefinite"/>
+                        <p:cond evt="onBegin">
+                          <p:tn val="2"/>
+                        </p:cond>
+                      </p:stCondLst>
+                      <p:childTnLst>
+                        <p:par>
+                          <p:cTn id="4" fill="hold">
+                            <p:stCondLst>
+                              <p:cond delay="0"/>
+                            </p:stCondLst>
+                            <p:childTnLst>
+                              <p:par>
+                                <p:cTn id="5" presetClass="entr" nodeType="afterEffect" presetSubtype="8" presetID="2" grpId="1" fill="hold">
+                                  <p:stCondLst>
+                                    <p:cond delay="0"/>
+                                  </p:stCondLst>
+                                  <p:iterate type="el" backwards="0">
+                                    <p:tmAbs val="0"/>
+                                  </p:iterate>
+                                  <p:childTnLst>
+                                    <p:set>
+                                      <p:cBhvr>
+                                        <p:cTn id="6" fill="hold"/>
+                                        <p:tgtEl>
+                                          <p:spTgt spid="274"/>
+                                        </p:tgtEl>
+                                        <p:attrNameLst>
+                                          <p:attrName>style.visibility</p:attrName>
+                                        </p:attrNameLst>
+                                      </p:cBhvr>
+                                      <p:to>
+                                        <p:strVal val="visible"/>
+                                      </p:to>
+                                    </p:set>
+                                    <p:anim calcmode="lin" valueType="num">
+                                      <p:cBhvr>
+                                        <p:cTn id="7" dur="800" fill="hold"/>
+                                        <p:tgtEl>
+                                          <p:spTgt spid="274"/>
+                                        </p:tgtEl>
+                                        <p:attrNameLst>
+                                          <p:attrName>ppt_x</p:attrName>
+                                        </p:attrNameLst>
+                                      </p:cBhvr>
+                                      <p:tavLst>
+                                        <p:tav tm="0">
+                                          <p:val>
+                                            <p:strVal val="0-#ppt_w/2"/>
+                                          </p:val>
+                                        </p:tav>
+                                        <p:tav tm="100000">
+                                          <p:val>
+                                            <p:strVal val="#ppt_x"/>
+                                          </p:val>
+                                        </p:tav>
+                                      </p:tavLst>
+                                    </p:anim>
+                                    <p:anim calcmode="lin" valueType="num">
+                                      <p:cBhvr>
+                                        <p:cTn id="8" dur="800" fill="hold"/>
+                                        <p:tgtEl>
+                                          <p:spTgt spid="274"/>
+                                        </p:tgtEl>
+                                        <p:attrNameLst>
+                                          <p:attrName>ppt_y</p:attrName>
+                                        </p:attrNameLst>
+                                      </p:cBhvr>
+                                      <p:tavLst>
+                                        <p:tav tm="0">
+                                          <p:val>
+                                            <p:strVal val="#ppt_y"/>
+                                          </p:val>
+                                        </p:tav>
+                                        <p:tav tm="100000">
+                                          <p:val>
+                                            <p:strVal val="#ppt_y"/>
+                                          </p:val>
+                                        </p:tav>
+                                      </p:tavLst>
+                                    </p:anim>
+                                  </p:childTnLst>
+                                </p:cTn>
+                              </p:par>
+                            </p:childTnLst>
+                          </p:cTn>
+                        </p:par>
+                      </p:childTnLst>
+                    </p:cTn>
+                  </p:par>
+                  <p:par>
+                    <p:cTn id="9" fill="hold">
+                      <p:stCondLst>
+                        <p:cond delay="indefinite"/>
+                      </p:stCondLst>
+                      <p:childTnLst>
+                        <p:par>
+                          <p:cTn id="10" fill="hold">
+                            <p:stCondLst>
+                              <p:cond delay="0"/>
+                            </p:stCondLst>
+                            <p:childTnLst>
+                              <p:par>
+                                <p:cTn id="11" presetClass="entr" nodeType="clickEffect" presetSubtype="8" presetID="2" grpId="2" fill="hold">
+                                  <p:stCondLst>
+                                    <p:cond delay="0"/>
+                                  </p:stCondLst>
+                                  <p:iterate type="el" backwards="0">
+                                    <p:tmAbs val="0"/>
+                                  </p:iterate>
+                                  <p:childTnLst>
+                                    <p:set>
+                                      <p:cBhvr>
+                                        <p:cTn id="12" fill="hold"/>
+                                        <p:tgtEl>
                                           <p:spTgt spid="277"/>
                                         </p:tgtEl>
                                         <p:attrNameLst>
@@ -12812,7 +12034,7 @@
                                     </p:set>
                                     <p:anim calcmode="lin" valueType="num">
                                       <p:cBhvr>
-                                        <p:cTn id="19" dur="800" fill="hold"/>
+                                        <p:cTn id="13" dur="800" fill="hold"/>
                                         <p:tgtEl>
                                           <p:spTgt spid="277"/>
                                         </p:tgtEl>
@@ -12835,7 +12057,7 @@
                                     </p:anim>
                                     <p:anim calcmode="lin" valueType="num">
                                       <p:cBhvr>
-                                        <p:cTn id="20" dur="800" fill="hold"/>
+                                        <p:cTn id="14" dur="800" fill="hold"/>
                                         <p:tgtEl>
                                           <p:spTgt spid="277"/>
                                         </p:tgtEl>
@@ -12866,19 +12088,19 @@
                     </p:cTn>
                   </p:par>
                   <p:par>
-                    <p:cTn id="21" fill="hold">
+                    <p:cTn id="15" fill="hold">
                       <p:stCondLst>
                         <p:cond delay="indefinite"/>
                       </p:stCondLst>
                       <p:childTnLst>
                         <p:par>
-                          <p:cTn id="22" fill="hold">
+                          <p:cTn id="16" fill="hold">
                             <p:stCondLst>
                               <p:cond delay="0"/>
                             </p:stCondLst>
                             <p:childTnLst>
                               <p:par>
-                                <p:cTn id="23" presetClass="entr" nodeType="clickEffect" presetSubtype="8" presetID="2" grpId="4" fill="hold">
+                                <p:cTn id="17" presetClass="entr" nodeType="clickEffect" presetSubtype="8" presetID="2" grpId="3" fill="hold">
                                   <p:stCondLst>
                                     <p:cond delay="0"/>
                                   </p:stCondLst>
@@ -12888,7 +12110,7 @@
                                   <p:childTnLst>
                                     <p:set>
                                       <p:cBhvr>
-                                        <p:cTn id="24" fill="hold"/>
+                                        <p:cTn id="18" fill="hold"/>
                                         <p:tgtEl>
                                           <p:spTgt spid="280"/>
                                         </p:tgtEl>
@@ -12902,7 +12124,7 @@
                                     </p:set>
                                     <p:anim calcmode="lin" valueType="num">
                                       <p:cBhvr>
-                                        <p:cTn id="25" dur="800" fill="hold"/>
+                                        <p:cTn id="19" dur="800" fill="hold"/>
                                         <p:tgtEl>
                                           <p:spTgt spid="280"/>
                                         </p:tgtEl>
@@ -12925,7 +12147,7 @@
                                     </p:anim>
                                     <p:anim calcmode="lin" valueType="num">
                                       <p:cBhvr>
-                                        <p:cTn id="26" dur="800" fill="hold"/>
+                                        <p:cTn id="20" dur="800" fill="hold"/>
                                         <p:tgtEl>
                                           <p:spTgt spid="280"/>
                                         </p:tgtEl>
@@ -12977,10 +12199,9 @@
       </p:par>
     </p:tnLst>
     <p:bldLst>
-      <p:bldP build="whole" bldLvl="1" animBg="1" rev="0" advAuto="0" spid="280" grpId="4"/>
-      <p:bldP build="whole" bldLvl="1" animBg="1" rev="0" advAuto="0" spid="274" grpId="2"/>
-      <p:bldP build="whole" bldLvl="1" animBg="1" rev="0" advAuto="0" spid="277" grpId="3"/>
-      <p:bldP build="whole" bldLvl="1" animBg="1" rev="0" advAuto="0" spid="271" grpId="1"/>
+      <p:bldP build="whole" bldLvl="1" animBg="1" rev="0" advAuto="0" spid="277" grpId="2"/>
+      <p:bldP build="whole" bldLvl="1" animBg="1" rev="0" advAuto="0" spid="280" grpId="3"/>
+      <p:bldP build="whole" bldLvl="1" animBg="1" rev="0" advAuto="0" spid="274" grpId="1"/>
     </p:bldLst>
   </p:timing>
 </p:sld>
@@ -13012,7 +12233,7 @@
       </p:grpSpPr>
       <p:sp>
         <p:nvSpPr>
-          <p:cNvPr id="283" name="dos"/>
+          <p:cNvPr id="283" name="REcoMmendations"/>
           <p:cNvSpPr txBox="1"/>
           <p:nvPr>
             <p:ph type="title"/>
@@ -13037,7 +12258,7 @@
           <a:p>
             <a:pPr/>
             <a:r>
-              <a:t>dos</a:t>
+              <a:t>REcoMmendations</a:t>
             </a:r>
           </a:p>
         </p:txBody>
@@ -13224,7 +12445,7 @@
         </p:sp>
         <p:sp>
           <p:nvSpPr>
-            <p:cNvPr id="288" name="Focus on concepts"/>
+            <p:cNvPr id="288" name="Focus on concepts not frameworks"/>
             <p:cNvSpPr/>
             <p:nvPr/>
           </p:nvSpPr>
@@ -13271,6 +12492,13 @@
               <a:r>
                 <a:rPr b="1"/>
                 <a:t>concepts</a:t>
+              </a:r>
+              <a:r>
+                <a:t> not </a:t>
+              </a:r>
+              <a:r>
+                <a:rPr b="1"/>
+                <a:t>frameworks</a:t>
               </a:r>
             </a:p>
           </p:txBody>
@@ -13341,124 +12569,7 @@
         </p:sp>
         <p:sp>
           <p:nvSpPr>
-            <p:cNvPr id="291" name="Don’t use the language for everything"/>
-            <p:cNvSpPr/>
-            <p:nvPr/>
-          </p:nvSpPr>
-          <p:spPr>
-            <a:xfrm>
-              <a:off x="990044" y="444499"/>
-              <a:ext cx="1270001" cy="1270001"/>
-            </a:xfrm>
-            <a:prstGeom prst="line">
-              <a:avLst/>
-            </a:prstGeom>
-            <a:noFill/>
-            <a:ln w="12700" cap="flat">
-              <a:noFill/>
-              <a:miter lim="400000"/>
-            </a:ln>
-            <a:effectLst/>
-            <a:extLst>
-              <a:ext uri="{C572A759-6A51-4108-AA02-DFA0A04FC94B}">
-                <ma14:wrappingTextBoxFlag xmlns:ma14="http://schemas.microsoft.com/office/mac/drawingml/2011/main" val="1"/>
-              </a:ext>
-            </a:extLst>
-          </p:spPr>
-          <p:txBody>
-            <a:bodyPr wrap="none" lIns="50800" tIns="50800" rIns="50800" bIns="50800" numCol="1" anchor="ctr">
-              <a:spAutoFit/>
-            </a:bodyPr>
-            <a:lstStyle/>
-            <a:p>
-              <a:pPr>
-                <a:defRPr spc="-200" sz="4000">
-                  <a:solidFill>
-                    <a:srgbClr val="FFFFFF"/>
-                  </a:solidFill>
-                  <a:latin typeface="Meslo LG L DZ Regular for Powerline"/>
-                  <a:ea typeface="Meslo LG L DZ Regular for Powerline"/>
-                  <a:cs typeface="Meslo LG L DZ Regular for Powerline"/>
-                  <a:sym typeface="Meslo LG L DZ Regular for Powerline"/>
-                </a:defRPr>
-              </a:pPr>
-              <a:r>
-                <a:t>Don’t use the language for </a:t>
-              </a:r>
-              <a:r>
-                <a:rPr b="1"/>
-                <a:t>everything</a:t>
-              </a:r>
-            </a:p>
-          </p:txBody>
-        </p:sp>
-      </p:grpSp>
-      <p:grpSp>
-        <p:nvGrpSpPr>
-          <p:cNvPr id="295" name="Group"/>
-          <p:cNvGrpSpPr/>
-          <p:nvPr/>
-        </p:nvGrpSpPr>
-        <p:grpSpPr>
-          <a:xfrm>
-            <a:off x="1270000" y="7236273"/>
-            <a:ext cx="2260045" cy="1494835"/>
-            <a:chOff x="0" y="219666"/>
-            <a:chExt cx="2260044" cy="1494833"/>
-          </a:xfrm>
-        </p:grpSpPr>
-        <p:sp>
-          <p:nvSpPr>
-            <p:cNvPr id="293" name="Square"/>
-            <p:cNvSpPr/>
-            <p:nvPr/>
-          </p:nvSpPr>
-          <p:spPr>
-            <a:xfrm>
-              <a:off x="0" y="219666"/>
-              <a:ext cx="449667" cy="449668"/>
-            </a:xfrm>
-            <a:prstGeom prst="rect">
-              <a:avLst/>
-            </a:prstGeom>
-            <a:solidFill>
-              <a:srgbClr val="00C853"/>
-            </a:solidFill>
-            <a:ln w="12700" cap="flat">
-              <a:noFill/>
-              <a:miter lim="400000"/>
-            </a:ln>
-            <a:effectLst/>
-          </p:spPr>
-          <p:txBody>
-            <a:bodyPr wrap="square" lIns="50800" tIns="50800" rIns="50800" bIns="50800" numCol="1" anchor="ctr">
-              <a:noAutofit/>
-            </a:bodyPr>
-            <a:lstStyle/>
-            <a:p>
-              <a:pPr algn="ctr">
-                <a:lnSpc>
-                  <a:spcPct val="80000"/>
-                </a:lnSpc>
-                <a:spcBef>
-                  <a:spcPts val="0"/>
-                </a:spcBef>
-                <a:defRPr cap="all" sz="4000">
-                  <a:solidFill>
-                    <a:srgbClr val="FFFFFF"/>
-                  </a:solidFill>
-                  <a:latin typeface="+mn-lt"/>
-                  <a:ea typeface="+mn-ea"/>
-                  <a:cs typeface="+mn-cs"/>
-                  <a:sym typeface="DIN Condensed Bold"/>
-                </a:defRPr>
-              </a:pPr>
-            </a:p>
-          </p:txBody>
-        </p:sp>
-        <p:sp>
-          <p:nvSpPr>
-            <p:cNvPr id="294" name="Get used to magicless code"/>
+            <p:cNvPr id="291" name="Get used to magicless code"/>
             <p:cNvSpPr/>
             <p:nvPr/>
           </p:nvSpPr>
@@ -13515,7 +12626,7 @@
       </p:grpSp>
       <p:pic>
         <p:nvPicPr>
-          <p:cNvPr id="296" name="thumb-up.png" descr="thumb-up.png"/>
+          <p:cNvPr id="293" name="thumb-up.png" descr="thumb-up.png"/>
           <p:cNvPicPr>
             <a:picLocks noChangeAspect="1"/>
           </p:cNvPicPr>
@@ -13840,96 +12951,6 @@
                       </p:childTnLst>
                     </p:cTn>
                   </p:par>
-                  <p:par>
-                    <p:cTn id="21" fill="hold">
-                      <p:stCondLst>
-                        <p:cond delay="indefinite"/>
-                      </p:stCondLst>
-                      <p:childTnLst>
-                        <p:par>
-                          <p:cTn id="22" fill="hold">
-                            <p:stCondLst>
-                              <p:cond delay="0"/>
-                            </p:stCondLst>
-                            <p:childTnLst>
-                              <p:par>
-                                <p:cTn id="23" presetClass="entr" nodeType="clickEffect" presetSubtype="8" presetID="2" grpId="4" fill="hold">
-                                  <p:stCondLst>
-                                    <p:cond delay="0"/>
-                                  </p:stCondLst>
-                                  <p:iterate type="el" backwards="0">
-                                    <p:tmAbs val="0"/>
-                                  </p:iterate>
-                                  <p:childTnLst>
-                                    <p:set>
-                                      <p:cBhvr>
-                                        <p:cTn id="24" fill="hold"/>
-                                        <p:tgtEl>
-                                          <p:spTgt spid="295"/>
-                                        </p:tgtEl>
-                                        <p:attrNameLst>
-                                          <p:attrName>style.visibility</p:attrName>
-                                        </p:attrNameLst>
-                                      </p:cBhvr>
-                                      <p:to>
-                                        <p:strVal val="visible"/>
-                                      </p:to>
-                                    </p:set>
-                                    <p:anim calcmode="lin" valueType="num">
-                                      <p:cBhvr>
-                                        <p:cTn id="25" dur="800" fill="hold"/>
-                                        <p:tgtEl>
-                                          <p:spTgt spid="295"/>
-                                        </p:tgtEl>
-                                        <p:attrNameLst>
-                                          <p:attrName>ppt_x</p:attrName>
-                                        </p:attrNameLst>
-                                      </p:cBhvr>
-                                      <p:tavLst>
-                                        <p:tav tm="0">
-                                          <p:val>
-                                            <p:strVal val="0-#ppt_w/2"/>
-                                          </p:val>
-                                        </p:tav>
-                                        <p:tav tm="100000">
-                                          <p:val>
-                                            <p:strVal val="#ppt_x"/>
-                                          </p:val>
-                                        </p:tav>
-                                      </p:tavLst>
-                                    </p:anim>
-                                    <p:anim calcmode="lin" valueType="num">
-                                      <p:cBhvr>
-                                        <p:cTn id="26" dur="800" fill="hold"/>
-                                        <p:tgtEl>
-                                          <p:spTgt spid="295"/>
-                                        </p:tgtEl>
-                                        <p:attrNameLst>
-                                          <p:attrName>ppt_y</p:attrName>
-                                        </p:attrNameLst>
-                                      </p:cBhvr>
-                                      <p:tavLst>
-                                        <p:tav tm="0">
-                                          <p:val>
-                                            <p:strVal val="#ppt_y"/>
-                                          </p:val>
-                                        </p:tav>
-                                        <p:tav tm="100000">
-                                          <p:val>
-                                            <p:strVal val="#ppt_y"/>
-                                          </p:val>
-                                        </p:tav>
-                                      </p:tavLst>
-                                    </p:anim>
-                                  </p:childTnLst>
-                                </p:cTn>
-                              </p:par>
-                            </p:childTnLst>
-                          </p:cTn>
-                        </p:par>
-                      </p:childTnLst>
-                    </p:cTn>
-                  </p:par>
                 </p:childTnLst>
               </p:cTn>
               <p:prevCondLst>
@@ -13952,10 +12973,9 @@
       </p:par>
     </p:tnLst>
     <p:bldLst>
-      <p:bldP build="whole" bldLvl="1" animBg="1" rev="0" advAuto="0" spid="295" grpId="4"/>
+      <p:bldP build="whole" bldLvl="1" animBg="1" rev="0" advAuto="0" spid="289" grpId="2"/>
+      <p:bldP build="whole" bldLvl="1" animBg="1" rev="0" advAuto="0" spid="292" grpId="3"/>
       <p:bldP build="whole" bldLvl="1" animBg="1" rev="0" advAuto="0" spid="286" grpId="1"/>
-      <p:bldP build="whole" bldLvl="1" animBg="1" rev="0" advAuto="0" spid="292" grpId="3"/>
-      <p:bldP build="whole" bldLvl="1" animBg="1" rev="0" advAuto="0" spid="289" grpId="2"/>
     </p:bldLst>
   </p:timing>
 </p:sld>
